--- a/BaoCao.pptx
+++ b/BaoCao.pptx
@@ -5,10 +5,10 @@
     <p:sldMasterId id="2147483648" r:id="rId4"/>
   </p:sldMasterIdLst>
   <p:notesMasterIdLst>
-    <p:notesMasterId r:id="rId22"/>
+    <p:notesMasterId r:id="rId23"/>
   </p:notesMasterIdLst>
   <p:handoutMasterIdLst>
-    <p:handoutMasterId r:id="rId23"/>
+    <p:handoutMasterId r:id="rId24"/>
   </p:handoutMasterIdLst>
   <p:sldIdLst>
     <p:sldId id="258" r:id="rId5"/>
@@ -20,14 +20,15 @@
     <p:sldId id="2466" r:id="rId11"/>
     <p:sldId id="2460" r:id="rId12"/>
     <p:sldId id="2446" r:id="rId13"/>
-    <p:sldId id="2467" r:id="rId14"/>
-    <p:sldId id="2452" r:id="rId15"/>
-    <p:sldId id="2454" r:id="rId16"/>
-    <p:sldId id="2453" r:id="rId17"/>
-    <p:sldId id="2447" r:id="rId18"/>
-    <p:sldId id="2449" r:id="rId19"/>
-    <p:sldId id="2461" r:id="rId20"/>
-    <p:sldId id="2462" r:id="rId21"/>
+    <p:sldId id="2468" r:id="rId14"/>
+    <p:sldId id="2467" r:id="rId15"/>
+    <p:sldId id="2452" r:id="rId16"/>
+    <p:sldId id="2454" r:id="rId17"/>
+    <p:sldId id="2453" r:id="rId18"/>
+    <p:sldId id="2447" r:id="rId19"/>
+    <p:sldId id="2449" r:id="rId20"/>
+    <p:sldId id="2461" r:id="rId21"/>
+    <p:sldId id="2462" r:id="rId22"/>
   </p:sldIdLst>
   <p:sldSz cx="12192000" cy="6858000"/>
   <p:notesSz cx="6858000" cy="9144000"/>
@@ -242,7 +243,7 @@
           <a:p>
             <a:fld id="{966D5B4E-BF3E-3B45-A4BA-D6C3B92870D7}" type="datetimeFigureOut">
               <a:rPr lang="en-US" smtClean="0"/>
-              <a:t>9/30/2021</a:t>
+              <a:t>10/8/2021</a:t>
             </a:fld>
             <a:endParaRPr lang="en-US" dirty="0"/>
           </a:p>
@@ -337,6 +338,37 @@
 </p:handoutMaster>
 </file>
 
+<file path=ppt/ink/ink1.xml><?xml version="1.0" encoding="utf-8"?>
+<inkml:ink xmlns:inkml="http://www.w3.org/2003/InkML">
+  <inkml:definitions>
+    <inkml:context xml:id="ctx0">
+      <inkml:inkSource xml:id="inkSrc0">
+        <inkml:traceFormat>
+          <inkml:channel name="X" type="integer" max="1366" units="cm"/>
+          <inkml:channel name="Y" type="integer" max="768" units="cm"/>
+          <inkml:channel name="T" type="integer" max="2.14748E9" units="dev"/>
+        </inkml:traceFormat>
+        <inkml:channelProperties>
+          <inkml:channelProperty channel="X" name="resolution" value="40.17647" units="1/cm"/>
+          <inkml:channelProperty channel="Y" name="resolution" value="40.42105" units="1/cm"/>
+          <inkml:channelProperty channel="T" name="resolution" value="1" units="1/dev"/>
+        </inkml:channelProperties>
+      </inkml:inkSource>
+      <inkml:timestamp xml:id="ts0" timeString="2021-10-07T10:06:50.003"/>
+    </inkml:context>
+    <inkml:brush xml:id="br0">
+      <inkml:brushProperty name="width" value="0.05292" units="cm"/>
+      <inkml:brushProperty name="height" value="0.05292" units="cm"/>
+      <inkml:brushProperty name="color" value="#FFFFFF"/>
+    </inkml:brush>
+  </inkml:definitions>
+  <inkml:trace contextRef="#ctx0" brushRef="#br0">17909 11485 0</inkml:trace>
+  <inkml:trace contextRef="#ctx0" brushRef="#br0" timeOffset="910.4459">17909 11485 0</inkml:trace>
+  <inkml:trace contextRef="#ctx0" brushRef="#br0" timeOffset="1540.442">19769 6672 0</inkml:trace>
+  <inkml:trace contextRef="#ctx0" brushRef="#br0" timeOffset="2341.7439">17587 9302 0</inkml:trace>
+</inkml:ink>
+</file>
+
 <file path=ppt/notesMasters/notesMaster1.xml><?xml version="1.0" encoding="utf-8"?>
 <p:notesMaster xmlns:a="http://schemas.openxmlformats.org/drawingml/2006/main" xmlns:r="http://schemas.openxmlformats.org/officeDocument/2006/relationships" xmlns:p="http://schemas.openxmlformats.org/presentationml/2006/main">
   <p:cSld>
@@ -419,7 +451,7 @@
           <a:p>
             <a:fld id="{F5A8621B-8C8E-49BA-8772-41D0FE75A082}" type="datetimeFigureOut">
               <a:rPr lang="en-US" smtClean="0"/>
-              <a:t>9/30/2021</a:t>
+              <a:t>10/8/2021</a:t>
             </a:fld>
             <a:endParaRPr lang="en-US" dirty="0"/>
           </a:p>
@@ -835,7 +867,7 @@
           <a:p>
             <a:fld id="{228B34ED-4CDD-41C9-90F7-D768D5559A6F}" type="slidenum">
               <a:rPr lang="en-US" smtClean="0"/>
-              <a:t>11</a:t>
+              <a:t>12</a:t>
             </a:fld>
             <a:endParaRPr lang="en-US" dirty="0"/>
           </a:p>
@@ -919,7 +951,7 @@
           <a:p>
             <a:fld id="{228B34ED-4CDD-41C9-90F7-D768D5559A6F}" type="slidenum">
               <a:rPr lang="en-US" smtClean="0"/>
-              <a:t>12</a:t>
+              <a:t>13</a:t>
             </a:fld>
             <a:endParaRPr lang="en-US" dirty="0"/>
           </a:p>
@@ -1003,7 +1035,7 @@
           <a:p>
             <a:fld id="{228B34ED-4CDD-41C9-90F7-D768D5559A6F}" type="slidenum">
               <a:rPr lang="en-US" smtClean="0"/>
-              <a:t>13</a:t>
+              <a:t>14</a:t>
             </a:fld>
             <a:endParaRPr lang="en-US" dirty="0"/>
           </a:p>
@@ -1087,7 +1119,7 @@
           <a:p>
             <a:fld id="{228B34ED-4CDD-41C9-90F7-D768D5559A6F}" type="slidenum">
               <a:rPr lang="en-US" smtClean="0"/>
-              <a:t>15</a:t>
+              <a:t>16</a:t>
             </a:fld>
             <a:endParaRPr lang="en-US" dirty="0"/>
           </a:p>
@@ -1171,7 +1203,7 @@
           <a:p>
             <a:fld id="{228B34ED-4CDD-41C9-90F7-D768D5559A6F}" type="slidenum">
               <a:rPr lang="en-US" smtClean="0"/>
-              <a:t>16</a:t>
+              <a:t>17</a:t>
             </a:fld>
             <a:endParaRPr lang="en-US" dirty="0"/>
           </a:p>
@@ -1255,7 +1287,7 @@
           <a:p>
             <a:fld id="{228B34ED-4CDD-41C9-90F7-D768D5559A6F}" type="slidenum">
               <a:rPr lang="en-US" smtClean="0"/>
-              <a:t>17</a:t>
+              <a:t>18</a:t>
             </a:fld>
             <a:endParaRPr lang="en-US" dirty="0"/>
           </a:p>
@@ -1738,6 +1770,10 @@
           <a:bodyPr/>
           <a:lstStyle/>
           <a:p>
+            <a:r>
+              <a:rPr lang="en-US" dirty="0" smtClean="0"/>
+              <a:t>dsadsd</a:t>
+            </a:r>
             <a:endParaRPr lang="en-US" dirty="0"/>
           </a:p>
         </p:txBody>
@@ -3363,7 +3399,7 @@
           </a:ln>
           <a:extLst>
             <a:ext uri="{C572A759-6A51-4108-AA02-DFA0A04FC94B}">
-              <ma14:wrappingTextBoxFlag xmlns:ma14="http://schemas.microsoft.com/office/mac/drawingml/2011/main" xmlns="" val="1"/>
+              <ma14:wrappingTextBoxFlag xmlns="" xmlns:ma14="http://schemas.microsoft.com/office/mac/drawingml/2011/main" val="1"/>
             </a:ext>
           </a:extLst>
         </p:spPr>
@@ -3687,7 +3723,7 @@
           </a:ln>
           <a:extLst>
             <a:ext uri="{C572A759-6A51-4108-AA02-DFA0A04FC94B}">
-              <ma14:wrappingTextBoxFlag xmlns:ma14="http://schemas.microsoft.com/office/mac/drawingml/2011/main" xmlns="" val="1"/>
+              <ma14:wrappingTextBoxFlag xmlns="" xmlns:ma14="http://schemas.microsoft.com/office/mac/drawingml/2011/main" val="1"/>
             </a:ext>
           </a:extLst>
         </p:spPr>
@@ -7094,7 +7130,7 @@
           </a:ln>
           <a:extLst>
             <a:ext uri="{C572A759-6A51-4108-AA02-DFA0A04FC94B}">
-              <ma14:wrappingTextBoxFlag xmlns:ma14="http://schemas.microsoft.com/office/mac/drawingml/2011/main" xmlns="" val="1"/>
+              <ma14:wrappingTextBoxFlag xmlns="" xmlns:ma14="http://schemas.microsoft.com/office/mac/drawingml/2011/main" val="1"/>
             </a:ext>
           </a:extLst>
         </p:spPr>
@@ -8552,7 +8588,7 @@
           </a:ln>
           <a:extLst>
             <a:ext uri="{C572A759-6A51-4108-AA02-DFA0A04FC94B}">
-              <ma14:wrappingTextBoxFlag xmlns:ma14="http://schemas.microsoft.com/office/mac/drawingml/2011/main" xmlns="" val="1"/>
+              <ma14:wrappingTextBoxFlag xmlns="" xmlns:ma14="http://schemas.microsoft.com/office/mac/drawingml/2011/main" val="1"/>
             </a:ext>
           </a:extLst>
         </p:spPr>
@@ -8919,186 +8955,6 @@
           <a:chExt cx="0" cy="0"/>
         </a:xfrm>
       </p:grpSpPr>
-      <p:pic>
-        <p:nvPicPr>
-          <p:cNvPr id="7" name="Picture Placeholder 6" descr="Abstract Coding&#10;">
-            <a:extLst>
-              <a:ext uri="{FF2B5EF4-FFF2-40B4-BE49-F238E27FC236}">
-                <a16:creationId xmlns:a16="http://schemas.microsoft.com/office/drawing/2014/main" id="{5F76566E-36EF-4E0C-8563-ABC2D25923BA}"/>
-              </a:ext>
-            </a:extLst>
-          </p:cNvPr>
-          <p:cNvPicPr>
-            <a:picLocks noGrp="1" noChangeAspect="1"/>
-          </p:cNvPicPr>
-          <p:nvPr>
-            <p:ph type="pic" sz="quarter" idx="13"/>
-          </p:nvPr>
-        </p:nvPicPr>
-        <p:blipFill>
-          <a:blip r:embed="rId3">
-            <a:extLst>
-              <a:ext uri="{28A0092B-C50C-407E-A947-70E740481C1C}">
-                <a14:useLocalDpi xmlns:a14="http://schemas.microsoft.com/office/drawing/2010/main" val="0"/>
-              </a:ext>
-            </a:extLst>
-          </a:blip>
-          <a:srcRect/>
-          <a:stretch>
-            <a:fillRect/>
-          </a:stretch>
-        </p:blipFill>
-        <p:spPr>
-          <a:xfrm>
-            <a:off x="31148" y="-24572"/>
-            <a:ext cx="5622099" cy="6858000"/>
-          </a:xfrm>
-        </p:spPr>
-      </p:pic>
-      <p:sp>
-        <p:nvSpPr>
-          <p:cNvPr id="14" name="Rectangle 13">
-            <a:extLst>
-              <a:ext uri="{FF2B5EF4-FFF2-40B4-BE49-F238E27FC236}">
-                <a16:creationId xmlns:a16="http://schemas.microsoft.com/office/drawing/2014/main" id="{D687D26E-D67A-4318-AAB1-DCEAA89EEB21}"/>
-              </a:ext>
-              <a:ext uri="{C183D7F6-B498-43B3-948B-1728B52AA6E4}">
-                <adec:decorative xmlns="" xmlns:adec="http://schemas.microsoft.com/office/drawing/2017/decorative" val="1"/>
-              </a:ext>
-            </a:extLst>
-          </p:cNvPr>
-          <p:cNvSpPr/>
-          <p:nvPr/>
-        </p:nvSpPr>
-        <p:spPr>
-          <a:xfrm>
-            <a:off x="-1" y="0"/>
-            <a:ext cx="5653248" cy="6882714"/>
-          </a:xfrm>
-          <a:custGeom>
-            <a:avLst/>
-            <a:gdLst>
-              <a:gd name="connsiteX0" fmla="*/ 0 w 6096000"/>
-              <a:gd name="connsiteY0" fmla="*/ 0 h 6858000"/>
-              <a:gd name="connsiteX1" fmla="*/ 6096000 w 6096000"/>
-              <a:gd name="connsiteY1" fmla="*/ 0 h 6858000"/>
-              <a:gd name="connsiteX2" fmla="*/ 6096000 w 6096000"/>
-              <a:gd name="connsiteY2" fmla="*/ 6858000 h 6858000"/>
-              <a:gd name="connsiteX3" fmla="*/ 0 w 6096000"/>
-              <a:gd name="connsiteY3" fmla="*/ 6858000 h 6858000"/>
-              <a:gd name="connsiteX4" fmla="*/ 0 w 6096000"/>
-              <a:gd name="connsiteY4" fmla="*/ 0 h 6858000"/>
-              <a:gd name="connsiteX0" fmla="*/ 0 w 6096000"/>
-              <a:gd name="connsiteY0" fmla="*/ 0 h 6858000"/>
-              <a:gd name="connsiteX1" fmla="*/ 6096000 w 6096000"/>
-              <a:gd name="connsiteY1" fmla="*/ 0 h 6858000"/>
-              <a:gd name="connsiteX2" fmla="*/ 2734962 w 6096000"/>
-              <a:gd name="connsiteY2" fmla="*/ 6808573 h 6858000"/>
-              <a:gd name="connsiteX3" fmla="*/ 0 w 6096000"/>
-              <a:gd name="connsiteY3" fmla="*/ 6858000 h 6858000"/>
-              <a:gd name="connsiteX4" fmla="*/ 0 w 6096000"/>
-              <a:gd name="connsiteY4" fmla="*/ 0 h 6858000"/>
-              <a:gd name="connsiteX0" fmla="*/ 0 w 6096000"/>
-              <a:gd name="connsiteY0" fmla="*/ 0 h 6882714"/>
-              <a:gd name="connsiteX1" fmla="*/ 6096000 w 6096000"/>
-              <a:gd name="connsiteY1" fmla="*/ 0 h 6882714"/>
-              <a:gd name="connsiteX2" fmla="*/ 4242486 w 6096000"/>
-              <a:gd name="connsiteY2" fmla="*/ 6882714 h 6882714"/>
-              <a:gd name="connsiteX3" fmla="*/ 0 w 6096000"/>
-              <a:gd name="connsiteY3" fmla="*/ 6858000 h 6882714"/>
-              <a:gd name="connsiteX4" fmla="*/ 0 w 6096000"/>
-              <a:gd name="connsiteY4" fmla="*/ 0 h 6882714"/>
-            </a:gdLst>
-            <a:ahLst/>
-            <a:cxnLst>
-              <a:cxn ang="0">
-                <a:pos x="connsiteX0" y="connsiteY0"/>
-              </a:cxn>
-              <a:cxn ang="0">
-                <a:pos x="connsiteX1" y="connsiteY1"/>
-              </a:cxn>
-              <a:cxn ang="0">
-                <a:pos x="connsiteX2" y="connsiteY2"/>
-              </a:cxn>
-              <a:cxn ang="0">
-                <a:pos x="connsiteX3" y="connsiteY3"/>
-              </a:cxn>
-              <a:cxn ang="0">
-                <a:pos x="connsiteX4" y="connsiteY4"/>
-              </a:cxn>
-            </a:cxnLst>
-            <a:rect l="l" t="t" r="r" b="b"/>
-            <a:pathLst>
-              <a:path w="6096000" h="6882714">
-                <a:moveTo>
-                  <a:pt x="0" y="0"/>
-                </a:moveTo>
-                <a:lnTo>
-                  <a:pt x="6096000" y="0"/>
-                </a:lnTo>
-                <a:lnTo>
-                  <a:pt x="4242486" y="6882714"/>
-                </a:lnTo>
-                <a:lnTo>
-                  <a:pt x="0" y="6858000"/>
-                </a:lnTo>
-                <a:lnTo>
-                  <a:pt x="0" y="0"/>
-                </a:lnTo>
-                <a:close/>
-              </a:path>
-            </a:pathLst>
-          </a:custGeom>
-          <a:gradFill flip="none" rotWithShape="1">
-            <a:gsLst>
-              <a:gs pos="0">
-                <a:srgbClr val="01023B">
-                  <a:alpha val="70000"/>
-                </a:srgbClr>
-              </a:gs>
-              <a:gs pos="100000">
-                <a:srgbClr val="E99757">
-                  <a:alpha val="70000"/>
-                </a:srgbClr>
-              </a:gs>
-              <a:gs pos="50000">
-                <a:srgbClr val="A53F52">
-                  <a:alpha val="70000"/>
-                </a:srgbClr>
-              </a:gs>
-            </a:gsLst>
-            <a:lin ang="10800000" scaled="1"/>
-            <a:tileRect/>
-          </a:gradFill>
-          <a:ln>
-            <a:noFill/>
-          </a:ln>
-        </p:spPr>
-        <p:style>
-          <a:lnRef idx="2">
-            <a:schemeClr val="accent1">
-              <a:shade val="50000"/>
-            </a:schemeClr>
-          </a:lnRef>
-          <a:fillRef idx="1">
-            <a:schemeClr val="accent1"/>
-          </a:fillRef>
-          <a:effectRef idx="0">
-            <a:schemeClr val="accent1"/>
-          </a:effectRef>
-          <a:fontRef idx="minor">
-            <a:schemeClr val="lt1"/>
-          </a:fontRef>
-        </p:style>
-        <p:txBody>
-          <a:bodyPr rtlCol="0" anchor="ctr"/>
-          <a:lstStyle/>
-          <a:p>
-            <a:pPr algn="ctr"/>
-            <a:endParaRPr lang="en-US" dirty="0"/>
-          </a:p>
-        </p:txBody>
-      </p:sp>
       <p:sp>
         <p:nvSpPr>
           <p:cNvPr id="3" name="Title 2">
@@ -9181,7 +9037,7 @@
         <p:spPr>
           <a:xfrm>
             <a:off x="4991725" y="4902715"/>
-            <a:ext cx="7001492" cy="1772793"/>
+            <a:ext cx="7001492" cy="1812804"/>
           </a:xfrm>
           <a:prstGeom prst="rect">
             <a:avLst/>
@@ -9200,7 +9056,7 @@
               </a:lnSpc>
             </a:pPr>
             <a:r>
-              <a:rPr lang="en-US" sz="2800" dirty="0" smtClean="0">
+              <a:rPr lang="en-US" sz="2800" i="1" dirty="0" smtClean="0">
                 <a:solidFill>
                   <a:schemeClr val="bg2">
                     <a:lumMod val="25000"/>
@@ -9209,7 +9065,31 @@
                 <a:latin typeface="Arial" panose="020B0604020202020204" pitchFamily="34" charset="0"/>
                 <a:cs typeface="Arial" panose="020B0604020202020204" pitchFamily="34" charset="0"/>
               </a:rPr>
-              <a:t>Sinh viên thực hiện: Phan Ngọc Phong</a:t>
+              <a:t>Sinh </a:t>
+            </a:r>
+            <a:r>
+              <a:rPr lang="en-US" sz="3000" i="1" dirty="0" smtClean="0">
+                <a:solidFill>
+                  <a:schemeClr val="bg2">
+                    <a:lumMod val="25000"/>
+                  </a:schemeClr>
+                </a:solidFill>
+                <a:latin typeface="Arial" panose="020B0604020202020204" pitchFamily="34" charset="0"/>
+                <a:cs typeface="Arial" panose="020B0604020202020204" pitchFamily="34" charset="0"/>
+              </a:rPr>
+              <a:t>viên</a:t>
+            </a:r>
+            <a:r>
+              <a:rPr lang="en-US" sz="2800" i="1" dirty="0" smtClean="0">
+                <a:solidFill>
+                  <a:schemeClr val="bg2">
+                    <a:lumMod val="25000"/>
+                  </a:schemeClr>
+                </a:solidFill>
+                <a:latin typeface="Arial" panose="020B0604020202020204" pitchFamily="34" charset="0"/>
+                <a:cs typeface="Arial" panose="020B0604020202020204" pitchFamily="34" charset="0"/>
+              </a:rPr>
+              <a:t> thực hiện: Phan Ngọc Phong</a:t>
             </a:r>
           </a:p>
           <a:p>
@@ -9219,7 +9099,7 @@
               </a:lnSpc>
             </a:pPr>
             <a:r>
-              <a:rPr lang="en-US" sz="2800" dirty="0" smtClean="0">
+              <a:rPr lang="en-US" sz="2800" i="1" dirty="0" smtClean="0">
                 <a:solidFill>
                   <a:srgbClr val="3B3838"/>
                 </a:solidFill>
@@ -9229,7 +9109,7 @@
               <a:t>Giáo viên hướng </a:t>
             </a:r>
             <a:r>
-              <a:rPr lang="en-US" sz="2800" dirty="0" smtClean="0">
+              <a:rPr lang="en-US" sz="2800" i="1" dirty="0" smtClean="0">
                 <a:solidFill>
                   <a:schemeClr val="bg2">
                     <a:lumMod val="25000"/>
@@ -9342,7 +9222,7 @@
         </p:nvSpPr>
         <p:spPr>
           <a:xfrm>
-            <a:off x="5921115" y="1528996"/>
+            <a:off x="5787181" y="1398764"/>
             <a:ext cx="5804234" cy="1184223"/>
           </a:xfrm>
           <a:prstGeom prst="rect">
@@ -9397,7 +9277,7 @@
         </p:nvSpPr>
         <p:spPr>
           <a:xfrm>
-            <a:off x="5259592" y="2375781"/>
+            <a:off x="5527460" y="2247582"/>
             <a:ext cx="6465757" cy="2319728"/>
           </a:xfrm>
           <a:prstGeom prst="rect">
@@ -9443,6 +9323,31 @@
           </a:p>
         </p:txBody>
       </p:sp>
+      <p:pic>
+        <p:nvPicPr>
+          <p:cNvPr id="12" name="Picture Placeholder 11"/>
+          <p:cNvPicPr>
+            <a:picLocks noGrp="1" noChangeAspect="1"/>
+          </p:cNvPicPr>
+          <p:nvPr>
+            <p:ph type="pic" sz="quarter" idx="13"/>
+          </p:nvPr>
+        </p:nvPicPr>
+        <p:blipFill>
+          <a:blip r:embed="rId3">
+            <a:extLst>
+              <a:ext uri="{28A0092B-C50C-407E-A947-70E740481C1C}">
+                <a14:useLocalDpi xmlns:a14="http://schemas.microsoft.com/office/drawing/2010/main" val="0"/>
+              </a:ext>
+            </a:extLst>
+          </a:blip>
+          <a:srcRect l="20388" r="20388"/>
+          <a:stretch>
+            <a:fillRect/>
+          </a:stretch>
+        </p:blipFill>
+        <p:spPr/>
+      </p:pic>
     </p:spTree>
     <p:extLst>
       <p:ext uri="{BB962C8B-B14F-4D97-AF65-F5344CB8AC3E}">
@@ -9498,6 +9403,198 @@
             <a:fld id="{8C2E478F-E849-4A8C-AF1F-CBCC78A7CBFA}" type="slidenum">
               <a:rPr lang="en-US" smtClean="0"/>
               <a:t>10</a:t>
+            </a:fld>
+            <a:endParaRPr lang="en-US" dirty="0"/>
+          </a:p>
+        </p:txBody>
+      </p:sp>
+      <p:sp>
+        <p:nvSpPr>
+          <p:cNvPr id="3" name="Rectangle 2"/>
+          <p:cNvSpPr/>
+          <p:nvPr/>
+        </p:nvSpPr>
+        <p:spPr>
+          <a:xfrm>
+            <a:off x="3242873" y="114022"/>
+            <a:ext cx="6096000" cy="1323439"/>
+          </a:xfrm>
+          <a:prstGeom prst="rect">
+            <a:avLst/>
+          </a:prstGeom>
+        </p:spPr>
+        <p:txBody>
+          <a:bodyPr>
+            <a:spAutoFit/>
+          </a:bodyPr>
+          <a:lstStyle/>
+          <a:p>
+            <a:pPr lvl="1" algn="ctr"/>
+            <a:r>
+              <a:rPr lang="en-US" sz="4000" dirty="0" smtClean="0">
+                <a:latin typeface="Arial" panose="020B0604020202020204" pitchFamily="34" charset="0"/>
+                <a:cs typeface="Arial" panose="020B0604020202020204" pitchFamily="34" charset="0"/>
+              </a:rPr>
+              <a:t>Cấu hình wifi cho thiết bị </a:t>
+            </a:r>
+            <a:endParaRPr lang="en-US" sz="4000" dirty="0">
+              <a:latin typeface="Arial" panose="020B0604020202020204" pitchFamily="34" charset="0"/>
+              <a:cs typeface="Arial" panose="020B0604020202020204" pitchFamily="34" charset="0"/>
+            </a:endParaRPr>
+          </a:p>
+        </p:txBody>
+      </p:sp>
+      <p:pic>
+        <p:nvPicPr>
+          <p:cNvPr id="4" name="Picture 3"/>
+          <p:cNvPicPr>
+            <a:picLocks noChangeAspect="1"/>
+          </p:cNvPicPr>
+          <p:nvPr/>
+        </p:nvPicPr>
+        <p:blipFill>
+          <a:blip r:embed="rId2"/>
+          <a:stretch>
+            <a:fillRect/>
+          </a:stretch>
+        </p:blipFill>
+        <p:spPr>
+          <a:xfrm>
+            <a:off x="674770" y="1709026"/>
+            <a:ext cx="2907880" cy="4474821"/>
+          </a:xfrm>
+          <a:prstGeom prst="rect">
+            <a:avLst/>
+          </a:prstGeom>
+        </p:spPr>
+      </p:pic>
+      <p:sp>
+        <p:nvSpPr>
+          <p:cNvPr id="6" name="Rectangle 5"/>
+          <p:cNvSpPr/>
+          <p:nvPr/>
+        </p:nvSpPr>
+        <p:spPr>
+          <a:xfrm>
+            <a:off x="4039850" y="1709026"/>
+            <a:ext cx="6096000" cy="1477328"/>
+          </a:xfrm>
+          <a:prstGeom prst="rect">
+            <a:avLst/>
+          </a:prstGeom>
+        </p:spPr>
+        <p:txBody>
+          <a:bodyPr>
+            <a:spAutoFit/>
+          </a:bodyPr>
+          <a:lstStyle/>
+          <a:p>
+            <a:pPr lvl="1" algn="just"/>
+            <a:r>
+              <a:rPr lang="en-US" sz="3000" dirty="0" smtClean="0">
+                <a:latin typeface="Arial" panose="020B0604020202020204" pitchFamily="34" charset="0"/>
+                <a:cs typeface="Arial" panose="020B0604020202020204" pitchFamily="34" charset="0"/>
+              </a:rPr>
+              <a:t>Giúp người dùng cấu hình wifi dễ dàng cho thiết bị thông qua một nút bấm</a:t>
+            </a:r>
+            <a:endParaRPr lang="en-US" sz="3000" dirty="0">
+              <a:latin typeface="Arial" panose="020B0604020202020204" pitchFamily="34" charset="0"/>
+              <a:cs typeface="Arial" panose="020B0604020202020204" pitchFamily="34" charset="0"/>
+            </a:endParaRPr>
+          </a:p>
+        </p:txBody>
+      </p:sp>
+      <p:sp>
+        <p:nvSpPr>
+          <p:cNvPr id="7" name="Rectangle 6"/>
+          <p:cNvSpPr/>
+          <p:nvPr/>
+        </p:nvSpPr>
+        <p:spPr>
+          <a:xfrm>
+            <a:off x="3982389" y="3600285"/>
+            <a:ext cx="6096000" cy="2400657"/>
+          </a:xfrm>
+          <a:prstGeom prst="rect">
+            <a:avLst/>
+          </a:prstGeom>
+        </p:spPr>
+        <p:txBody>
+          <a:bodyPr>
+            <a:spAutoFit/>
+          </a:bodyPr>
+          <a:lstStyle/>
+          <a:p>
+            <a:pPr lvl="1" algn="just"/>
+            <a:r>
+              <a:rPr lang="en-US" sz="3000" dirty="0" smtClean="0">
+                <a:latin typeface="Arial" panose="020B0604020202020204" pitchFamily="34" charset="0"/>
+                <a:cs typeface="Arial" panose="020B0604020202020204" pitchFamily="34" charset="0"/>
+              </a:rPr>
+              <a:t>Hạn chế: Phần này không được tích hợp trên app máy tính nên người dùng cần dùng điện thoại Android hoặc IOS để tải phần mềm của hãng sản xuất chip</a:t>
+            </a:r>
+            <a:endParaRPr lang="en-US" sz="3000" dirty="0">
+              <a:latin typeface="Arial" panose="020B0604020202020204" pitchFamily="34" charset="0"/>
+              <a:cs typeface="Arial" panose="020B0604020202020204" pitchFamily="34" charset="0"/>
+            </a:endParaRPr>
+          </a:p>
+        </p:txBody>
+      </p:sp>
+    </p:spTree>
+    <p:extLst>
+      <p:ext uri="{BB962C8B-B14F-4D97-AF65-F5344CB8AC3E}">
+        <p14:creationId xmlns:p14="http://schemas.microsoft.com/office/powerpoint/2010/main" val="2290415105"/>
+      </p:ext>
+    </p:extLst>
+  </p:cSld>
+  <p:clrMapOvr>
+    <a:masterClrMapping/>
+  </p:clrMapOvr>
+  <p:timing>
+    <p:tnLst>
+      <p:par>
+        <p:cTn id="1" dur="indefinite" restart="never" nodeType="tmRoot"/>
+      </p:par>
+    </p:tnLst>
+  </p:timing>
+</p:sld>
+</file>
+
+<file path=ppt/slides/slide11.xml><?xml version="1.0" encoding="utf-8"?>
+<p:sld xmlns:a="http://schemas.openxmlformats.org/drawingml/2006/main" xmlns:r="http://schemas.openxmlformats.org/officeDocument/2006/relationships" xmlns:p="http://schemas.openxmlformats.org/presentationml/2006/main" show="0">
+  <p:cSld>
+    <p:spTree>
+      <p:nvGrpSpPr>
+        <p:cNvPr id="1" name=""/>
+        <p:cNvGrpSpPr/>
+        <p:nvPr/>
+      </p:nvGrpSpPr>
+      <p:grpSpPr>
+        <a:xfrm>
+          <a:off x="0" y="0"/>
+          <a:ext cx="0" cy="0"/>
+          <a:chOff x="0" y="0"/>
+          <a:chExt cx="0" cy="0"/>
+        </a:xfrm>
+      </p:grpSpPr>
+      <p:sp>
+        <p:nvSpPr>
+          <p:cNvPr id="2" name="Slide Number Placeholder 1"/>
+          <p:cNvSpPr>
+            <a:spLocks noGrp="1"/>
+          </p:cNvSpPr>
+          <p:nvPr>
+            <p:ph type="sldNum" sz="quarter" idx="12"/>
+          </p:nvPr>
+        </p:nvSpPr>
+        <p:spPr/>
+        <p:txBody>
+          <a:bodyPr/>
+          <a:lstStyle/>
+          <a:p>
+            <a:fld id="{8C2E478F-E849-4A8C-AF1F-CBCC78A7CBFA}" type="slidenum">
+              <a:rPr lang="en-US" smtClean="0"/>
+              <a:t>11</a:t>
             </a:fld>
             <a:endParaRPr lang="en-US" dirty="0"/>
           </a:p>
@@ -9623,7 +9720,7 @@
             <a:fld id="{8C2E478F-E849-4A8C-AF1F-CBCC78A7CBFA}" type="slidenum">
               <a:rPr lang="en-US" smtClean="0"/>
               <a:pPr/>
-              <a:t>16</a:t>
+              <a:t>11</a:t>
             </a:fld>
             <a:endParaRPr lang="en-US" dirty="0"/>
           </a:p>
@@ -10173,13 +10270,6 @@
                 </a:rPr>
                 <a:t>Mở file cài (.exe)</a:t>
               </a:r>
-              <a:endParaRPr lang="en-US" sz="2400" dirty="0" smtClean="0">
-                <a:solidFill>
-                  <a:srgbClr val="EF3078"/>
-                </a:solidFill>
-                <a:latin typeface="Arial" panose="020B0604020202020204" pitchFamily="34" charset="0"/>
-                <a:cs typeface="Arial" panose="020B0604020202020204" pitchFamily="34" charset="0"/>
-              </a:endParaRPr>
             </a:p>
           </p:txBody>
         </p:sp>
@@ -11600,6 +11690,45 @@
           </p:spPr>
         </p:pic>
       </p:grpSp>
+      <mc:AlternateContent xmlns:mc="http://schemas.openxmlformats.org/markup-compatibility/2006" xmlns:p14="http://schemas.microsoft.com/office/powerpoint/2010/main">
+        <mc:Choice Requires="p14">
+          <p:contentPart p14:bwMode="auto" r:id="rId7">
+            <p14:nvContentPartPr>
+              <p14:cNvPr id="56" name="Ink 55"/>
+              <p14:cNvContentPartPr/>
+              <p14:nvPr/>
+            </p14:nvContentPartPr>
+            <p14:xfrm>
+              <a:off x="6331320" y="2401920"/>
+              <a:ext cx="785880" cy="1733040"/>
+            </p14:xfrm>
+          </p:contentPart>
+        </mc:Choice>
+        <mc:Fallback xmlns="">
+          <p:pic>
+            <p:nvPicPr>
+              <p:cNvPr id="56" name="Ink 55"/>
+              <p:cNvPicPr/>
+              <p:nvPr/>
+            </p:nvPicPr>
+            <p:blipFill>
+              <a:blip r:embed="rId8"/>
+              <a:stretch>
+                <a:fillRect/>
+              </a:stretch>
+            </p:blipFill>
+            <p:spPr>
+              <a:xfrm>
+                <a:off x="6321960" y="2392560"/>
+                <a:ext cx="804600" cy="1751760"/>
+              </a:xfrm>
+              <a:prstGeom prst="rect">
+                <a:avLst/>
+              </a:prstGeom>
+            </p:spPr>
+          </p:pic>
+        </mc:Fallback>
+      </mc:AlternateContent>
     </p:spTree>
     <p:extLst>
       <p:ext uri="{BB962C8B-B14F-4D97-AF65-F5344CB8AC3E}">
@@ -11610,6 +11739,14 @@
   <p:clrMapOvr>
     <a:masterClrMapping/>
   </p:clrMapOvr>
+  <mc:AlternateContent xmlns:mc="http://schemas.openxmlformats.org/markup-compatibility/2006">
+    <mc:Choice xmlns:p14="http://schemas.microsoft.com/office/powerpoint/2010/main" Requires="p14">
+      <p:transition spd="slow" p14:dur="2000"/>
+    </mc:Choice>
+    <mc:Fallback>
+      <p:transition spd="slow"/>
+    </mc:Fallback>
+  </mc:AlternateContent>
   <p:timing>
     <p:tnLst>
       <p:par>
@@ -12450,7 +12587,7 @@
 </p:sld>
 </file>
 
-<file path=ppt/slides/slide11.xml><?xml version="1.0" encoding="utf-8"?>
+<file path=ppt/slides/slide12.xml><?xml version="1.0" encoding="utf-8"?>
 <p:sld xmlns:a="http://schemas.openxmlformats.org/drawingml/2006/main" xmlns:r="http://schemas.openxmlformats.org/officeDocument/2006/relationships" xmlns:p="http://schemas.openxmlformats.org/presentationml/2006/main">
   <p:cSld>
     <p:spTree>
@@ -12484,7 +12621,7 @@
           <a:p>
             <a:fld id="{8C2E478F-E849-4A8C-AF1F-CBCC78A7CBFA}" type="slidenum">
               <a:rPr lang="en-US" smtClean="0"/>
-              <a:t>11</a:t>
+              <a:t>12</a:t>
             </a:fld>
             <a:endParaRPr lang="en-US" dirty="0"/>
           </a:p>
@@ -12834,8 +12971,8 @@
         </p:nvSpPr>
         <p:spPr>
           <a:xfrm>
-            <a:off x="1464245" y="1843548"/>
-            <a:ext cx="9862516" cy="2492990"/>
+            <a:off x="2329484" y="1813568"/>
+            <a:ext cx="9862516" cy="2862322"/>
           </a:xfrm>
           <a:prstGeom prst="rect">
             <a:avLst/>
@@ -12856,43 +12993,20 @@
               <a:buChar char="•"/>
             </a:pPr>
             <a:r>
-              <a:rPr lang="en-US" sz="2600" dirty="0" smtClean="0">
+              <a:rPr lang="en-US" sz="3000" dirty="0" smtClean="0">
                 <a:latin typeface="Arial" panose="020B0604020202020204" pitchFamily="34" charset="0"/>
                 <a:cs typeface="Arial" panose="020B0604020202020204" pitchFamily="34" charset="0"/>
               </a:rPr>
-              <a:t>Hoàn thành xây dựng ứng dụng.</a:t>
+              <a:t>Hoàn thành xây dựng </a:t>
             </a:r>
-          </a:p>
-          <a:p>
-            <a:pPr marL="457200" lvl="0" indent="-457200" algn="just">
-              <a:lnSpc>
-                <a:spcPct val="150000"/>
-              </a:lnSpc>
-              <a:buFont typeface="Arial" panose="020B0604020202020204" pitchFamily="34" charset="0"/>
-              <a:buChar char="•"/>
-            </a:pPr>
             <a:r>
-              <a:rPr lang="en-US" sz="2600" dirty="0" smtClean="0">
+              <a:rPr lang="en-US" sz="3000" smtClean="0">
                 <a:latin typeface="Arial" panose="020B0604020202020204" pitchFamily="34" charset="0"/>
                 <a:cs typeface="Arial" panose="020B0604020202020204" pitchFamily="34" charset="0"/>
               </a:rPr>
-              <a:t>Tìm </a:t>
+              <a:t>ứng dụng bằng C#</a:t>
             </a:r>
-            <a:r>
-              <a:rPr lang="en-US" sz="2600" dirty="0">
-                <a:latin typeface="Arial" panose="020B0604020202020204" pitchFamily="34" charset="0"/>
-                <a:cs typeface="Arial" panose="020B0604020202020204" pitchFamily="34" charset="0"/>
-              </a:rPr>
-              <a:t>hiểu các kiến thức </a:t>
-            </a:r>
-            <a:r>
-              <a:rPr lang="en-US" sz="2600" dirty="0" smtClean="0">
-                <a:latin typeface="Arial" panose="020B0604020202020204" pitchFamily="34" charset="0"/>
-                <a:cs typeface="Arial" panose="020B0604020202020204" pitchFamily="34" charset="0"/>
-              </a:rPr>
-              <a:t>về lập trình C/ C#</a:t>
-            </a:r>
-            <a:endParaRPr lang="en-US" sz="2600" dirty="0">
+            <a:endParaRPr lang="en-US" sz="3000" dirty="0" smtClean="0">
               <a:latin typeface="Arial" panose="020B0604020202020204" pitchFamily="34" charset="0"/>
               <a:cs typeface="Arial" panose="020B0604020202020204" pitchFamily="34" charset="0"/>
             </a:endParaRPr>
@@ -12906,14 +13020,48 @@
               <a:buChar char="•"/>
             </a:pPr>
             <a:r>
-              <a:rPr lang="en-US" sz="2600" dirty="0">
+              <a:rPr lang="en-US" sz="3000" dirty="0" smtClean="0">
+                <a:latin typeface="Arial" panose="020B0604020202020204" pitchFamily="34" charset="0"/>
+                <a:cs typeface="Arial" panose="020B0604020202020204" pitchFamily="34" charset="0"/>
+              </a:rPr>
+              <a:t>Tìm </a:t>
+            </a:r>
+            <a:r>
+              <a:rPr lang="en-US" sz="3000" dirty="0">
+                <a:latin typeface="Arial" panose="020B0604020202020204" pitchFamily="34" charset="0"/>
+                <a:cs typeface="Arial" panose="020B0604020202020204" pitchFamily="34" charset="0"/>
+              </a:rPr>
+              <a:t>hiểu các kiến thức </a:t>
+            </a:r>
+            <a:r>
+              <a:rPr lang="en-US" sz="3000" dirty="0" smtClean="0">
+                <a:latin typeface="Arial" panose="020B0604020202020204" pitchFamily="34" charset="0"/>
+                <a:cs typeface="Arial" panose="020B0604020202020204" pitchFamily="34" charset="0"/>
+              </a:rPr>
+              <a:t>về lập trình C/ C#</a:t>
+            </a:r>
+            <a:endParaRPr lang="en-US" sz="3000" dirty="0">
+              <a:latin typeface="Arial" panose="020B0604020202020204" pitchFamily="34" charset="0"/>
+              <a:cs typeface="Arial" panose="020B0604020202020204" pitchFamily="34" charset="0"/>
+            </a:endParaRPr>
+          </a:p>
+          <a:p>
+            <a:pPr marL="457200" lvl="0" indent="-457200" algn="just">
+              <a:lnSpc>
+                <a:spcPct val="150000"/>
+              </a:lnSpc>
+              <a:buFont typeface="Arial" panose="020B0604020202020204" pitchFamily="34" charset="0"/>
+              <a:buChar char="•"/>
+            </a:pPr>
+            <a:r>
+              <a:rPr lang="en-US" sz="3000" dirty="0">
                 <a:latin typeface="Arial" panose="020B0604020202020204" pitchFamily="34" charset="0"/>
                 <a:cs typeface="Arial" panose="020B0604020202020204" pitchFamily="34" charset="0"/>
               </a:rPr>
               <a:t>Hiểu biết hơn về </a:t>
             </a:r>
             <a:r>
-              <a:rPr lang="en-US" sz="2600" dirty="0" smtClean="0">
+              <a:rPr lang="en-US" sz="3000" dirty="0" smtClean="0">
                 <a:latin typeface="Arial" panose="020B0604020202020204" pitchFamily="34" charset="0"/>
                 <a:cs typeface="Arial" panose="020B0604020202020204" pitchFamily="34" charset="0"/>
               </a:rPr>
@@ -12929,13 +13077,13 @@
               <a:buChar char="•"/>
             </a:pPr>
             <a:r>
-              <a:rPr lang="en-US" sz="2600" dirty="0" smtClean="0">
+              <a:rPr lang="en-US" sz="3000" dirty="0" smtClean="0">
                 <a:latin typeface="Arial" panose="020B0604020202020204" pitchFamily="34" charset="0"/>
                 <a:cs typeface="Arial" panose="020B0604020202020204" pitchFamily="34" charset="0"/>
               </a:rPr>
               <a:t>Tìm hiểu và sử dụng được Visual Studio để lập trình</a:t>
             </a:r>
-            <a:endParaRPr lang="en-US" sz="2600" dirty="0">
+            <a:endParaRPr lang="en-US" sz="3000" dirty="0">
               <a:latin typeface="Arial" panose="020B0604020202020204" pitchFamily="34" charset="0"/>
               <a:cs typeface="Arial" panose="020B0604020202020204" pitchFamily="34" charset="0"/>
             </a:endParaRPr>
@@ -12965,7 +13113,7 @@
 </p:sld>
 </file>
 
-<file path=ppt/slides/slide12.xml><?xml version="1.0" encoding="utf-8"?>
+<file path=ppt/slides/slide13.xml><?xml version="1.0" encoding="utf-8"?>
 <p:sld xmlns:a="http://schemas.openxmlformats.org/drawingml/2006/main" xmlns:r="http://schemas.openxmlformats.org/officeDocument/2006/relationships" xmlns:p="http://schemas.openxmlformats.org/presentationml/2006/main">
   <p:cSld>
     <p:spTree>
@@ -12999,7 +13147,7 @@
           <a:p>
             <a:fld id="{8C2E478F-E849-4A8C-AF1F-CBCC78A7CBFA}" type="slidenum">
               <a:rPr lang="en-US" smtClean="0"/>
-              <a:t>12</a:t>
+              <a:t>13</a:t>
             </a:fld>
             <a:endParaRPr lang="en-US" dirty="0"/>
           </a:p>
@@ -13350,7 +13498,7 @@
         <p:spPr>
           <a:xfrm>
             <a:off x="1644146" y="1430594"/>
-            <a:ext cx="9715663" cy="3093154"/>
+            <a:ext cx="9715663" cy="4293483"/>
           </a:xfrm>
           <a:prstGeom prst="rect">
             <a:avLst/>
@@ -13382,14 +13530,7 @@
                 <a:latin typeface="Arial" panose="020B0604020202020204" pitchFamily="34" charset="0"/>
                 <a:cs typeface="Arial" panose="020B0604020202020204" pitchFamily="34" charset="0"/>
               </a:rPr>
-              <a:t>máy tính</a:t>
-            </a:r>
-            <a:r>
-              <a:rPr lang="en-US" sz="2600" dirty="0" smtClean="0">
-                <a:latin typeface="Arial" panose="020B0604020202020204" pitchFamily="34" charset="0"/>
-                <a:cs typeface="Arial" panose="020B0604020202020204" pitchFamily="34" charset="0"/>
-              </a:rPr>
-              <a:t>. </a:t>
+              <a:t>máy tính. </a:t>
             </a:r>
             <a:r>
               <a:rPr lang="en-US" sz="2600" dirty="0">
@@ -13403,14 +13544,7 @@
                 <a:latin typeface="Arial" panose="020B0604020202020204" pitchFamily="34" charset="0"/>
                 <a:cs typeface="Arial" panose="020B0604020202020204" pitchFamily="34" charset="0"/>
               </a:rPr>
-              <a:t>di động và MAC</a:t>
-            </a:r>
-            <a:r>
-              <a:rPr lang="en-US" sz="2600" dirty="0" smtClean="0">
-                <a:latin typeface="Arial" panose="020B0604020202020204" pitchFamily="34" charset="0"/>
-                <a:cs typeface="Arial" panose="020B0604020202020204" pitchFamily="34" charset="0"/>
-              </a:rPr>
-              <a:t> </a:t>
+              <a:t>di động và MAC </a:t>
             </a:r>
             <a:r>
               <a:rPr lang="en-US" sz="2600" dirty="0">
@@ -13433,14 +13567,7 @@
                 <a:latin typeface="Arial" panose="020B0604020202020204" pitchFamily="34" charset="0"/>
                 <a:cs typeface="Arial" panose="020B0604020202020204" pitchFamily="34" charset="0"/>
               </a:rPr>
-              <a:t>Công suất của thiết bị thì nhỏ (Dưới 1000W)</a:t>
-            </a:r>
-            <a:r>
-              <a:rPr lang="en-US" sz="2600" dirty="0" smtClean="0">
-                <a:latin typeface="Arial" panose="020B0604020202020204" pitchFamily="34" charset="0"/>
-                <a:cs typeface="Arial" panose="020B0604020202020204" pitchFamily="34" charset="0"/>
-              </a:rPr>
-              <a:t>.</a:t>
+              <a:t>Công suất của thiết bị thì nhỏ (Dưới 1000W).</a:t>
             </a:r>
           </a:p>
           <a:p>
@@ -13457,6 +13584,22 @@
                 <a:cs typeface="Arial" panose="020B0604020202020204" pitchFamily="34" charset="0"/>
               </a:rPr>
               <a:t>Khoảng cách kết nối wifi của thiết bị thì hạn chế(3 – 5m).</a:t>
+            </a:r>
+          </a:p>
+          <a:p>
+            <a:pPr marL="342900" lvl="0" indent="-342900" algn="just">
+              <a:lnSpc>
+                <a:spcPct val="150000"/>
+              </a:lnSpc>
+              <a:buFont typeface="Arial" panose="020B0604020202020204" pitchFamily="34" charset="0"/>
+              <a:buChar char="•"/>
+            </a:pPr>
+            <a:r>
+              <a:rPr lang="en-US" sz="2600" dirty="0" smtClean="0">
+                <a:latin typeface="Arial" panose="020B0604020202020204" pitchFamily="34" charset="0"/>
+                <a:cs typeface="Arial" panose="020B0604020202020204" pitchFamily="34" charset="0"/>
+              </a:rPr>
+              <a:t>Không được cách ly nguồn giữa vi điều khiển và cơ cấu chấp hành</a:t>
             </a:r>
             <a:endParaRPr lang="en-US" sz="2600" dirty="0">
               <a:latin typeface="Arial" panose="020B0604020202020204" pitchFamily="34" charset="0"/>
@@ -13488,7 +13631,7 @@
 </p:sld>
 </file>
 
-<file path=ppt/slides/slide13.xml><?xml version="1.0" encoding="utf-8"?>
+<file path=ppt/slides/slide14.xml><?xml version="1.0" encoding="utf-8"?>
 <p:sld xmlns:a="http://schemas.openxmlformats.org/drawingml/2006/main" xmlns:r="http://schemas.openxmlformats.org/officeDocument/2006/relationships" xmlns:p="http://schemas.openxmlformats.org/presentationml/2006/main">
   <p:cSld>
     <p:spTree>
@@ -13522,7 +13665,7 @@
           <a:p>
             <a:fld id="{8C2E478F-E849-4A8C-AF1F-CBCC78A7CBFA}" type="slidenum">
               <a:rPr lang="en-US" smtClean="0"/>
-              <a:t>13</a:t>
+              <a:t>14</a:t>
             </a:fld>
             <a:endParaRPr lang="en-US" dirty="0"/>
           </a:p>
@@ -13864,7 +14007,7 @@
         <p:spPr>
           <a:xfrm>
             <a:off x="1394920" y="1470795"/>
-            <a:ext cx="10023616" cy="4819524"/>
+            <a:ext cx="10023616" cy="2492990"/>
           </a:xfrm>
           <a:prstGeom prst="rect">
             <a:avLst/>
@@ -13905,54 +14048,6 @@
                 <a:latin typeface="Arial" panose="020B0604020202020204" pitchFamily="34" charset="0"/>
                 <a:cs typeface="Arial" panose="020B0604020202020204" pitchFamily="34" charset="0"/>
               </a:rPr>
-              <a:t>Đăng nhập, kích hoạt, hủy kích hoạt và thay đổi video bằng Server.</a:t>
-            </a:r>
-          </a:p>
-          <a:p>
-            <a:pPr marL="457200" lvl="0" indent="-457200" algn="just">
-              <a:lnSpc>
-                <a:spcPct val="150000"/>
-              </a:lnSpc>
-              <a:buFont typeface="Arial" panose="020B0604020202020204" pitchFamily="34" charset="0"/>
-              <a:buChar char="•"/>
-            </a:pPr>
-            <a:r>
-              <a:rPr lang="en-US" sz="2600" dirty="0" smtClean="0">
-                <a:latin typeface="Arial" panose="020B0604020202020204" pitchFamily="34" charset="0"/>
-                <a:cs typeface="Arial" panose="020B0604020202020204" pitchFamily="34" charset="0"/>
-              </a:rPr>
-              <a:t>Sử dụng GPS để theo dõi thiết bị, khi bị đánh cắp.</a:t>
-            </a:r>
-          </a:p>
-          <a:p>
-            <a:pPr marL="457200" lvl="0" indent="-457200" algn="just">
-              <a:lnSpc>
-                <a:spcPct val="150000"/>
-              </a:lnSpc>
-              <a:buFont typeface="Arial" panose="020B0604020202020204" pitchFamily="34" charset="0"/>
-              <a:buChar char="•"/>
-            </a:pPr>
-            <a:r>
-              <a:rPr lang="en-US" sz="2600" dirty="0" smtClean="0">
-                <a:latin typeface="Arial" panose="020B0604020202020204" pitchFamily="34" charset="0"/>
-                <a:cs typeface="Arial" panose="020B0604020202020204" pitchFamily="34" charset="0"/>
-              </a:rPr>
-              <a:t>Thêm báo cáo hiệu năng sử dụng.</a:t>
-            </a:r>
-          </a:p>
-          <a:p>
-            <a:pPr marL="457200" lvl="0" indent="-457200" algn="just">
-              <a:lnSpc>
-                <a:spcPct val="150000"/>
-              </a:lnSpc>
-              <a:buFont typeface="Arial" panose="020B0604020202020204" pitchFamily="34" charset="0"/>
-              <a:buChar char="•"/>
-            </a:pPr>
-            <a:r>
-              <a:rPr lang="en-US" sz="2600" dirty="0" smtClean="0">
-                <a:latin typeface="Arial" panose="020B0604020202020204" pitchFamily="34" charset="0"/>
-                <a:cs typeface="Arial" panose="020B0604020202020204" pitchFamily="34" charset="0"/>
-              </a:rPr>
               <a:t>Ghi lại nhật ký sử dụng ứng dụng và thiết bị được sử dụng.</a:t>
             </a:r>
           </a:p>
@@ -13969,7 +14064,14 @@
                 <a:latin typeface="Arial" panose="020B0604020202020204" pitchFamily="34" charset="0"/>
                 <a:cs typeface="Arial" panose="020B0604020202020204" pitchFamily="34" charset="0"/>
               </a:rPr>
-              <a:t>Thêm các tính năng mới như thông báo tình trạng pin, cảnh báo khi hết pin.</a:t>
+              <a:t>Thêm các tính năng mới </a:t>
+            </a:r>
+            <a:r>
+              <a:rPr lang="en-US" sz="2600" smtClean="0">
+                <a:latin typeface="Arial" panose="020B0604020202020204" pitchFamily="34" charset="0"/>
+                <a:cs typeface="Arial" panose="020B0604020202020204" pitchFamily="34" charset="0"/>
+              </a:rPr>
+              <a:t>như khoá điều khiển, hẹn giờ được nhiều công tắc cùng lúc</a:t>
             </a:r>
             <a:endParaRPr lang="en-US" sz="2600" dirty="0">
               <a:latin typeface="Arial" panose="020B0604020202020204" pitchFamily="34" charset="0"/>
@@ -14001,7 +14103,7 @@
 </p:sld>
 </file>
 
-<file path=ppt/slides/slide14.xml><?xml version="1.0" encoding="utf-8"?>
+<file path=ppt/slides/slide15.xml><?xml version="1.0" encoding="utf-8"?>
 <p:sld xmlns:a="http://schemas.openxmlformats.org/drawingml/2006/main" xmlns:r="http://schemas.openxmlformats.org/officeDocument/2006/relationships" xmlns:p="http://schemas.openxmlformats.org/presentationml/2006/main">
   <p:cSld>
     <p:spTree>
@@ -14743,7 +14845,7 @@
 </p:sld>
 </file>
 
-<file path=ppt/slides/slide15.xml><?xml version="1.0" encoding="utf-8"?>
+<file path=ppt/slides/slide16.xml><?xml version="1.0" encoding="utf-8"?>
 <p:sld xmlns:a="http://schemas.openxmlformats.org/drawingml/2006/main" xmlns:r="http://schemas.openxmlformats.org/officeDocument/2006/relationships" xmlns:p="http://schemas.openxmlformats.org/presentationml/2006/main" show="0">
   <p:cSld>
     <p:spTree>
@@ -14777,7 +14879,7 @@
           <a:p>
             <a:fld id="{8C2E478F-E849-4A8C-AF1F-CBCC78A7CBFA}" type="slidenum">
               <a:rPr lang="en-US" smtClean="0"/>
-              <a:t>15</a:t>
+              <a:t>16</a:t>
             </a:fld>
             <a:endParaRPr lang="en-US" dirty="0"/>
           </a:p>
@@ -15147,7 +15249,7 @@
 </p:sld>
 </file>
 
-<file path=ppt/slides/slide16.xml><?xml version="1.0" encoding="utf-8"?>
+<file path=ppt/slides/slide17.xml><?xml version="1.0" encoding="utf-8"?>
 <p:sld xmlns:a="http://schemas.openxmlformats.org/drawingml/2006/main" xmlns:r="http://schemas.openxmlformats.org/officeDocument/2006/relationships" xmlns:p="http://schemas.openxmlformats.org/presentationml/2006/main" show="0">
   <p:cSld>
     <p:spTree>
@@ -15181,7 +15283,7 @@
           <a:p>
             <a:fld id="{8C2E478F-E849-4A8C-AF1F-CBCC78A7CBFA}" type="slidenum">
               <a:rPr lang="en-US" smtClean="0"/>
-              <a:t>16</a:t>
+              <a:t>17</a:t>
             </a:fld>
             <a:endParaRPr lang="en-US" dirty="0"/>
           </a:p>
@@ -18004,7 +18106,7 @@
 </p:sld>
 </file>
 
-<file path=ppt/slides/slide17.xml><?xml version="1.0" encoding="utf-8"?>
+<file path=ppt/slides/slide18.xml><?xml version="1.0" encoding="utf-8"?>
 <p:sld xmlns:a="http://schemas.openxmlformats.org/drawingml/2006/main" xmlns:r="http://schemas.openxmlformats.org/officeDocument/2006/relationships" xmlns:p="http://schemas.openxmlformats.org/presentationml/2006/main" show="0">
   <p:cSld>
     <p:spTree>
@@ -18038,7 +18140,7 @@
           <a:p>
             <a:fld id="{8C2E478F-E849-4A8C-AF1F-CBCC78A7CBFA}" type="slidenum">
               <a:rPr lang="en-US" smtClean="0"/>
-              <a:t>17</a:t>
+              <a:t>18</a:t>
             </a:fld>
             <a:endParaRPr lang="en-US" dirty="0"/>
           </a:p>
@@ -21167,8 +21269,8 @@
         </p:nvSpPr>
         <p:spPr>
           <a:xfrm>
-            <a:off x="955514" y="1559320"/>
-            <a:ext cx="10471355" cy="4708981"/>
+            <a:off x="955514" y="1484369"/>
+            <a:ext cx="10471355" cy="4247317"/>
           </a:xfrm>
           <a:prstGeom prst="rect">
             <a:avLst/>
@@ -21185,32 +21287,53 @@
               <a:buChar char="o"/>
             </a:pPr>
             <a:r>
+              <a:rPr lang="en-US" sz="3000" dirty="0" smtClean="0">
+                <a:latin typeface="Arial" panose="020B0604020202020204" pitchFamily="34" charset="0"/>
+                <a:cs typeface="Arial" panose="020B0604020202020204" pitchFamily="34" charset="0"/>
+              </a:rPr>
+              <a:t>Thiết bị </a:t>
+            </a:r>
+            <a:r>
               <a:rPr lang="en-US" sz="3000" dirty="0">
                 <a:latin typeface="Arial" panose="020B0604020202020204" pitchFamily="34" charset="0"/>
                 <a:cs typeface="Arial" panose="020B0604020202020204" pitchFamily="34" charset="0"/>
               </a:rPr>
-              <a:t>Hệ thống có khả năng điều </a:t>
+              <a:t>có khả năng </a:t>
             </a:r>
             <a:r>
               <a:rPr lang="en-US" sz="3000" dirty="0" smtClean="0">
                 <a:latin typeface="Arial" panose="020B0604020202020204" pitchFamily="34" charset="0"/>
                 <a:cs typeface="Arial" panose="020B0604020202020204" pitchFamily="34" charset="0"/>
               </a:rPr>
-              <a:t>khiển thiết bị </a:t>
+              <a:t>điều đóng mở </a:t>
             </a:r>
             <a:r>
               <a:rPr lang="en-US" sz="3000" dirty="0" smtClean="0">
                 <a:latin typeface="Arial" panose="020B0604020202020204" pitchFamily="34" charset="0"/>
                 <a:cs typeface="Arial" panose="020B0604020202020204" pitchFamily="34" charset="0"/>
               </a:rPr>
-              <a:t>điện từ xa </a:t>
+              <a:t>từ xa </a:t>
             </a:r>
             <a:r>
               <a:rPr lang="en-US" sz="3000" dirty="0">
                 <a:latin typeface="Arial" panose="020B0604020202020204" pitchFamily="34" charset="0"/>
                 <a:cs typeface="Arial" panose="020B0604020202020204" pitchFamily="34" charset="0"/>
               </a:rPr>
-              <a:t>thông qua môt trường internet</a:t>
+              <a:t>thông qua </a:t>
+            </a:r>
+            <a:r>
+              <a:rPr lang="en-US" sz="3000" dirty="0" smtClean="0">
+                <a:latin typeface="Arial" panose="020B0604020202020204" pitchFamily="34" charset="0"/>
+                <a:cs typeface="Arial" panose="020B0604020202020204" pitchFamily="34" charset="0"/>
+              </a:rPr>
+              <a:t>môi </a:t>
+            </a:r>
+            <a:r>
+              <a:rPr lang="en-US" sz="3000" dirty="0">
+                <a:latin typeface="Arial" panose="020B0604020202020204" pitchFamily="34" charset="0"/>
+                <a:cs typeface="Arial" panose="020B0604020202020204" pitchFamily="34" charset="0"/>
+              </a:rPr>
+              <a:t>trường internet</a:t>
             </a:r>
           </a:p>
           <a:p>
@@ -21223,7 +21346,21 @@
                 <a:latin typeface="Arial" panose="020B0604020202020204" pitchFamily="34" charset="0"/>
                 <a:cs typeface="Arial" panose="020B0604020202020204" pitchFamily="34" charset="0"/>
               </a:rPr>
-              <a:t>Kết hợp được  kiểu điều khiển truyền thống và điều khiển từ xa qua internet</a:t>
+              <a:t>Kết hợp được  kiểu điều khiển truyền </a:t>
+            </a:r>
+            <a:r>
+              <a:rPr lang="en-US" sz="3000" dirty="0" smtClean="0">
+                <a:latin typeface="Arial" panose="020B0604020202020204" pitchFamily="34" charset="0"/>
+                <a:cs typeface="Arial" panose="020B0604020202020204" pitchFamily="34" charset="0"/>
+              </a:rPr>
+              <a:t>thống bằng nút  </a:t>
+            </a:r>
+            <a:r>
+              <a:rPr lang="en-US" sz="3000" dirty="0">
+                <a:latin typeface="Arial" panose="020B0604020202020204" pitchFamily="34" charset="0"/>
+                <a:cs typeface="Arial" panose="020B0604020202020204" pitchFamily="34" charset="0"/>
+              </a:rPr>
+              <a:t>và điều khiển từ xa qua internet</a:t>
             </a:r>
           </a:p>
           <a:p>
@@ -21232,11 +21369,25 @@
               <a:buChar char="o"/>
             </a:pPr>
             <a:r>
+              <a:rPr lang="en-US" sz="3000">
+                <a:latin typeface="Arial" panose="020B0604020202020204" pitchFamily="34" charset="0"/>
+                <a:cs typeface="Arial" panose="020B0604020202020204" pitchFamily="34" charset="0"/>
+              </a:rPr>
+              <a:t>Ứng </a:t>
+            </a:r>
+            <a:r>
+              <a:rPr lang="en-US" sz="3000" smtClean="0">
+                <a:latin typeface="Arial" panose="020B0604020202020204" pitchFamily="34" charset="0"/>
+                <a:cs typeface="Arial" panose="020B0604020202020204" pitchFamily="34" charset="0"/>
+              </a:rPr>
+              <a:t>dụng trên máy tính </a:t>
+            </a:r>
+            <a:r>
               <a:rPr lang="en-US" sz="3000" dirty="0">
                 <a:latin typeface="Arial" panose="020B0604020202020204" pitchFamily="34" charset="0"/>
                 <a:cs typeface="Arial" panose="020B0604020202020204" pitchFamily="34" charset="0"/>
               </a:rPr>
-              <a:t>Ứng dụng điều khiển trực quan dễ thao tác cho người sử dụng</a:t>
+              <a:t>điều khiển trực quan dễ thao tác cho người sử dụng</a:t>
             </a:r>
           </a:p>
           <a:p>
@@ -21258,25 +21409,16 @@
               <a:buChar char="o"/>
             </a:pPr>
             <a:r>
-              <a:rPr lang="en-US" sz="3000" dirty="0">
+              <a:rPr lang="en-US" sz="3000" dirty="0" smtClean="0">
                 <a:latin typeface="Arial" panose="020B0604020202020204" pitchFamily="34" charset="0"/>
                 <a:cs typeface="Arial" panose="020B0604020202020204" pitchFamily="34" charset="0"/>
               </a:rPr>
-              <a:t>Tiết kiệm năng lượng cho người dùng</a:t>
+              <a:t>Thay đổi wifi sử dụng dễ dàng khi di chuyển thiết bị</a:t>
             </a:r>
-          </a:p>
-          <a:p>
-            <a:pPr marL="457200" lvl="0" indent="-457200" algn="just" fontAlgn="base">
-              <a:buFont typeface="Courier New" panose="02070309020205020404" pitchFamily="49" charset="0"/>
-              <a:buChar char="o"/>
-            </a:pPr>
-            <a:r>
-              <a:rPr lang="en-US" sz="3000" dirty="0">
-                <a:latin typeface="Arial" panose="020B0604020202020204" pitchFamily="34" charset="0"/>
-                <a:cs typeface="Arial" panose="020B0604020202020204" pitchFamily="34" charset="0"/>
-              </a:rPr>
-              <a:t>Tiết kiệm chi phí hoạt động</a:t>
-            </a:r>
+            <a:endParaRPr lang="en-US" sz="3000" dirty="0">
+              <a:latin typeface="Arial" panose="020B0604020202020204" pitchFamily="34" charset="0"/>
+              <a:cs typeface="Arial" panose="020B0604020202020204" pitchFamily="34" charset="0"/>
+            </a:endParaRPr>
           </a:p>
         </p:txBody>
       </p:sp>
@@ -23959,10 +24101,16 @@
               </a:spcAft>
             </a:pPr>
             <a:r>
-              <a:rPr lang="en-US" sz="2700" dirty="0" smtClean="0"/>
-              <a:t>Sử dụng hệ thống </a:t>
+              <a:rPr lang="en-US" sz="2700" dirty="0" smtClean="0">
+                <a:latin typeface="Arial" panose="020B0604020202020204" pitchFamily="34" charset="0"/>
+                <a:cs typeface="Arial" panose="020B0604020202020204" pitchFamily="34" charset="0"/>
+              </a:rPr>
+              <a:t>Một số chức năng </a:t>
             </a:r>
-            <a:endParaRPr lang="en-US" sz="2700" dirty="0"/>
+            <a:endParaRPr lang="en-US" sz="2700" dirty="0">
+              <a:latin typeface="Arial" panose="020B0604020202020204" pitchFamily="34" charset="0"/>
+              <a:cs typeface="Arial" panose="020B0604020202020204" pitchFamily="34" charset="0"/>
+            </a:endParaRPr>
           </a:p>
         </p:txBody>
       </p:sp>
@@ -25632,7 +25780,7 @@
         </p:nvCxnSpPr>
         <p:spPr>
           <a:xfrm rot="5400000">
-            <a:off x="3920909" y="5899184"/>
+            <a:off x="3435049" y="5899184"/>
             <a:ext cx="0" cy="1138238"/>
           </a:xfrm>
           <a:prstGeom prst="line">
@@ -25675,7 +25823,7 @@
         </p:nvCxnSpPr>
         <p:spPr>
           <a:xfrm flipV="1">
-            <a:off x="3869463" y="5239358"/>
+            <a:off x="4004168" y="5330065"/>
             <a:ext cx="0" cy="1138238"/>
           </a:xfrm>
           <a:prstGeom prst="line">
@@ -25992,7 +26140,7 @@
         </p:nvCxnSpPr>
         <p:spPr>
           <a:xfrm flipH="1">
-            <a:off x="7190008" y="6377596"/>
+            <a:off x="6683557" y="6377596"/>
             <a:ext cx="1138238" cy="0"/>
           </a:xfrm>
           <a:prstGeom prst="line">
@@ -26352,7 +26500,7 @@
         </p:nvCxnSpPr>
         <p:spPr>
           <a:xfrm flipH="1">
-            <a:off x="11144362" y="6403642"/>
+            <a:off x="10659021" y="6410418"/>
             <a:ext cx="1138238" cy="0"/>
           </a:xfrm>
           <a:prstGeom prst="line">
@@ -26395,7 +26543,50 @@
         </p:nvCxnSpPr>
         <p:spPr>
           <a:xfrm flipV="1">
-            <a:off x="12282601" y="5265404"/>
+            <a:off x="11797259" y="5265404"/>
+            <a:ext cx="0" cy="1138238"/>
+          </a:xfrm>
+          <a:prstGeom prst="line">
+            <a:avLst/>
+          </a:prstGeom>
+          <a:ln w="38100">
+            <a:solidFill>
+              <a:srgbClr val="EE9524"/>
+            </a:solidFill>
+          </a:ln>
+        </p:spPr>
+        <p:style>
+          <a:lnRef idx="1">
+            <a:schemeClr val="accent1"/>
+          </a:lnRef>
+          <a:fillRef idx="0">
+            <a:schemeClr val="accent1"/>
+          </a:fillRef>
+          <a:effectRef idx="0">
+            <a:schemeClr val="accent1"/>
+          </a:effectRef>
+          <a:fontRef idx="minor">
+            <a:schemeClr val="tx1"/>
+          </a:fontRef>
+        </p:style>
+      </p:cxnSp>
+      <p:cxnSp>
+        <p:nvCxnSpPr>
+          <p:cNvPr id="44" name="Straight Connector 43">
+            <a:extLst>
+              <a:ext uri="{FF2B5EF4-FFF2-40B4-BE49-F238E27FC236}">
+                <a16:creationId xmlns:a16="http://schemas.microsoft.com/office/drawing/2014/main" id="{0D336D1D-5BC9-4EAC-8660-D4B2BBD4C548}"/>
+              </a:ext>
+            </a:extLst>
+          </p:cNvPr>
+          <p:cNvCxnSpPr>
+            <a:cxnSpLocks/>
+          </p:cNvCxnSpPr>
+          <p:nvPr/>
+        </p:nvCxnSpPr>
+        <p:spPr>
+          <a:xfrm flipV="1">
+            <a:off x="7821795" y="5239358"/>
             <a:ext cx="0" cy="1138238"/>
           </a:xfrm>
           <a:prstGeom prst="line">
@@ -26971,6 +27162,50 @@
                                         <p:cTn id="51" dur="250"/>
                                         <p:tgtEl>
                                           <p:spTgt spid="34"/>
+                                        </p:tgtEl>
+                                      </p:cBhvr>
+                                    </p:animEffect>
+                                  </p:childTnLst>
+                                </p:cTn>
+                              </p:par>
+                            </p:childTnLst>
+                          </p:cTn>
+                        </p:par>
+                        <p:par>
+                          <p:cTn id="52" fill="hold">
+                            <p:stCondLst>
+                              <p:cond delay="3000"/>
+                            </p:stCondLst>
+                            <p:childTnLst>
+                              <p:par>
+                                <p:cTn id="53" presetID="22" presetClass="entr" presetSubtype="1" fill="hold" nodeType="afterEffect">
+                                  <p:stCondLst>
+                                    <p:cond delay="0"/>
+                                  </p:stCondLst>
+                                  <p:childTnLst>
+                                    <p:set>
+                                      <p:cBhvr>
+                                        <p:cTn id="54" dur="1" fill="hold">
+                                          <p:stCondLst>
+                                            <p:cond delay="0"/>
+                                          </p:stCondLst>
+                                        </p:cTn>
+                                        <p:tgtEl>
+                                          <p:spTgt spid="44"/>
+                                        </p:tgtEl>
+                                        <p:attrNameLst>
+                                          <p:attrName>style.visibility</p:attrName>
+                                        </p:attrNameLst>
+                                      </p:cBhvr>
+                                      <p:to>
+                                        <p:strVal val="visible"/>
+                                      </p:to>
+                                    </p:set>
+                                    <p:animEffect transition="in" filter="wipe(up)">
+                                      <p:cBhvr>
+                                        <p:cTn id="55" dur="250"/>
+                                        <p:tgtEl>
+                                          <p:spTgt spid="44"/>
                                         </p:tgtEl>
                                       </p:cBhvr>
                                     </p:animEffect>
@@ -28794,7 +29029,7 @@
         <p:spPr>
           <a:xfrm>
             <a:off x="7912100" y="1931501"/>
-            <a:ext cx="3937000" cy="958660"/>
+            <a:ext cx="3937000" cy="1818703"/>
           </a:xfrm>
           <a:prstGeom prst="rect">
             <a:avLst/>
@@ -28813,13 +29048,13 @@
               </a:lnSpc>
             </a:pPr>
             <a:r>
-              <a:rPr lang="en-US" sz="2000" dirty="0" smtClean="0">
+              <a:rPr lang="en-US" sz="2600" dirty="0" smtClean="0">
                 <a:latin typeface="Arial" panose="020B0604020202020204" pitchFamily="34" charset="0"/>
                 <a:cs typeface="Arial" panose="020B0604020202020204" pitchFamily="34" charset="0"/>
               </a:rPr>
               <a:t>Giúp người dùng biết là mình gắn thiết bị với thiết bị điện nào</a:t>
             </a:r>
-            <a:endParaRPr lang="en-US" sz="2000" dirty="0">
+            <a:endParaRPr lang="en-US" sz="2600" dirty="0">
               <a:latin typeface="Arial" panose="020B0604020202020204" pitchFamily="34" charset="0"/>
               <a:cs typeface="Arial" panose="020B0604020202020204" pitchFamily="34" charset="0"/>
             </a:endParaRPr>
@@ -29735,14 +29970,6 @@
 </file>
 
 <file path=customXml/item1.xml><?xml version="1.0" encoding="utf-8"?>
-<p:properties xmlns:p="http://schemas.microsoft.com/office/2006/metadata/properties" xmlns:xsi="http://www.w3.org/2001/XMLSchema-instance" xmlns:pc="http://schemas.microsoft.com/office/infopath/2007/PartnerControls">
-  <documentManagement>
-    <MediaServiceKeyPoints xmlns="71af3243-3dd4-4a8d-8c0d-dd76da1f02a5" xsi:nil="true"/>
-  </documentManagement>
-</p:properties>
-</file>
-
-<file path=customXml/item2.xml><?xml version="1.0" encoding="utf-8"?>
 <ct:contentTypeSchema xmlns:ct="http://schemas.microsoft.com/office/2006/metadata/contentType" xmlns:ma="http://schemas.microsoft.com/office/2006/metadata/properties/metaAttributes" ct:_="" ma:_="" ma:contentTypeName="Document" ma:contentTypeID="0x01010079F111ED35F8CC479449609E8A0923A6" ma:contentTypeVersion="11" ma:contentTypeDescription="Create a new document." ma:contentTypeScope="" ma:versionID="96291512c1ee715ab617f4c07df79fc1">
   <xsd:schema xmlns:xsd="http://www.w3.org/2001/XMLSchema" xmlns:xs="http://www.w3.org/2001/XMLSchema" xmlns:p="http://schemas.microsoft.com/office/2006/metadata/properties" xmlns:ns2="71af3243-3dd4-4a8d-8c0d-dd76da1f02a5" xmlns:ns3="16c05727-aa75-4e4a-9b5f-8a80a1165891" targetNamespace="http://schemas.microsoft.com/office/2006/metadata/properties" ma:root="true" ma:fieldsID="8256c27c40ca5c40ce1cf6c44f0205df" ns2:_="" ns3:_="">
     <xsd:import namespace="71af3243-3dd4-4a8d-8c0d-dd76da1f02a5"/>
@@ -29953,6 +30180,14 @@
 </ct:contentTypeSchema>
 </file>
 
+<file path=customXml/item2.xml><?xml version="1.0" encoding="utf-8"?>
+<p:properties xmlns:p="http://schemas.microsoft.com/office/2006/metadata/properties" xmlns:xsi="http://www.w3.org/2001/XMLSchema-instance" xmlns:pc="http://schemas.microsoft.com/office/infopath/2007/PartnerControls">
+  <documentManagement>
+    <MediaServiceKeyPoints xmlns="71af3243-3dd4-4a8d-8c0d-dd76da1f02a5" xsi:nil="true"/>
+  </documentManagement>
+</p:properties>
+</file>
+
 <file path=customXml/item3.xml><?xml version="1.0" encoding="utf-8"?>
 <?mso-contentType ?>
 <FormTemplates xmlns="http://schemas.microsoft.com/sharepoint/v3/contenttype/forms">
@@ -29963,23 +30198,6 @@
 </file>
 
 <file path=customXml/itemProps1.xml><?xml version="1.0" encoding="utf-8"?>
-<ds:datastoreItem xmlns:ds="http://schemas.openxmlformats.org/officeDocument/2006/customXml" ds:itemID="{22E71848-B78E-4D58-BFA5-D2D5918911CD}">
-  <ds:schemaRefs>
-    <ds:schemaRef ds:uri="http://purl.org/dc/elements/1.1/"/>
-    <ds:schemaRef ds:uri="16c05727-aa75-4e4a-9b5f-8a80a1165891"/>
-    <ds:schemaRef ds:uri="http://schemas.microsoft.com/office/2006/documentManagement/types"/>
-    <ds:schemaRef ds:uri="http://purl.org/dc/terms/"/>
-    <ds:schemaRef ds:uri="http://www.w3.org/XML/1998/namespace"/>
-    <ds:schemaRef ds:uri="http://schemas.microsoft.com/office/infopath/2007/PartnerControls"/>
-    <ds:schemaRef ds:uri="71af3243-3dd4-4a8d-8c0d-dd76da1f02a5"/>
-    <ds:schemaRef ds:uri="http://schemas.openxmlformats.org/package/2006/metadata/core-properties"/>
-    <ds:schemaRef ds:uri="http://schemas.microsoft.com/office/2006/metadata/properties"/>
-    <ds:schemaRef ds:uri="http://purl.org/dc/dcmitype/"/>
-  </ds:schemaRefs>
-</ds:datastoreItem>
-</file>
-
-<file path=customXml/itemProps2.xml><?xml version="1.0" encoding="utf-8"?>
 <ds:datastoreItem xmlns:ds="http://schemas.openxmlformats.org/officeDocument/2006/customXml" ds:itemID="{80B16AC2-D7DD-48B6-919A-4ADE887D756B}">
   <ds:schemaRefs>
     <ds:schemaRef ds:uri="http://schemas.microsoft.com/office/2006/metadata/contentType"/>
@@ -29998,6 +30216,23 @@
 </ds:datastoreItem>
 </file>
 
+<file path=customXml/itemProps2.xml><?xml version="1.0" encoding="utf-8"?>
+<ds:datastoreItem xmlns:ds="http://schemas.openxmlformats.org/officeDocument/2006/customXml" ds:itemID="{22E71848-B78E-4D58-BFA5-D2D5918911CD}">
+  <ds:schemaRefs>
+    <ds:schemaRef ds:uri="http://purl.org/dc/elements/1.1/"/>
+    <ds:schemaRef ds:uri="16c05727-aa75-4e4a-9b5f-8a80a1165891"/>
+    <ds:schemaRef ds:uri="http://schemas.microsoft.com/office/2006/documentManagement/types"/>
+    <ds:schemaRef ds:uri="http://purl.org/dc/terms/"/>
+    <ds:schemaRef ds:uri="http://www.w3.org/XML/1998/namespace"/>
+    <ds:schemaRef ds:uri="http://schemas.microsoft.com/office/infopath/2007/PartnerControls"/>
+    <ds:schemaRef ds:uri="71af3243-3dd4-4a8d-8c0d-dd76da1f02a5"/>
+    <ds:schemaRef ds:uri="http://schemas.openxmlformats.org/package/2006/metadata/core-properties"/>
+    <ds:schemaRef ds:uri="http://schemas.microsoft.com/office/2006/metadata/properties"/>
+    <ds:schemaRef ds:uri="http://purl.org/dc/dcmitype/"/>
+  </ds:schemaRefs>
+</ds:datastoreItem>
+</file>
+
 <file path=customXml/itemProps3.xml><?xml version="1.0" encoding="utf-8"?>
 <ds:datastoreItem xmlns:ds="http://schemas.openxmlformats.org/officeDocument/2006/customXml" ds:itemID="{89B3E157-1CAC-4231-A2EC-E93952D57E42}">
   <ds:schemaRefs>

--- a/BaoCao.pptx
+++ b/BaoCao.pptx
@@ -5,30 +5,31 @@
     <p:sldMasterId id="2147483648" r:id="rId4"/>
   </p:sldMasterIdLst>
   <p:notesMasterIdLst>
-    <p:notesMasterId r:id="rId23"/>
+    <p:notesMasterId r:id="rId24"/>
   </p:notesMasterIdLst>
   <p:handoutMasterIdLst>
-    <p:handoutMasterId r:id="rId24"/>
+    <p:handoutMasterId r:id="rId25"/>
   </p:handoutMasterIdLst>
   <p:sldIdLst>
     <p:sldId id="258" r:id="rId5"/>
     <p:sldId id="2455" r:id="rId6"/>
     <p:sldId id="2450" r:id="rId7"/>
-    <p:sldId id="2441" r:id="rId8"/>
-    <p:sldId id="2459" r:id="rId9"/>
-    <p:sldId id="2465" r:id="rId10"/>
-    <p:sldId id="2466" r:id="rId11"/>
-    <p:sldId id="2460" r:id="rId12"/>
-    <p:sldId id="2446" r:id="rId13"/>
-    <p:sldId id="2468" r:id="rId14"/>
-    <p:sldId id="2467" r:id="rId15"/>
-    <p:sldId id="2452" r:id="rId16"/>
-    <p:sldId id="2454" r:id="rId17"/>
-    <p:sldId id="2453" r:id="rId18"/>
-    <p:sldId id="2447" r:id="rId19"/>
-    <p:sldId id="2449" r:id="rId20"/>
-    <p:sldId id="2461" r:id="rId21"/>
-    <p:sldId id="2462" r:id="rId22"/>
+    <p:sldId id="2469" r:id="rId8"/>
+    <p:sldId id="2441" r:id="rId9"/>
+    <p:sldId id="2459" r:id="rId10"/>
+    <p:sldId id="2465" r:id="rId11"/>
+    <p:sldId id="2466" r:id="rId12"/>
+    <p:sldId id="2460" r:id="rId13"/>
+    <p:sldId id="2446" r:id="rId14"/>
+    <p:sldId id="2468" r:id="rId15"/>
+    <p:sldId id="2467" r:id="rId16"/>
+    <p:sldId id="2452" r:id="rId17"/>
+    <p:sldId id="2454" r:id="rId18"/>
+    <p:sldId id="2453" r:id="rId19"/>
+    <p:sldId id="2447" r:id="rId20"/>
+    <p:sldId id="2449" r:id="rId21"/>
+    <p:sldId id="2461" r:id="rId22"/>
+    <p:sldId id="2462" r:id="rId23"/>
   </p:sldIdLst>
   <p:sldSz cx="12192000" cy="6858000"/>
   <p:notesSz cx="6858000" cy="9144000"/>
@@ -243,7 +244,7 @@
           <a:p>
             <a:fld id="{966D5B4E-BF3E-3B45-A4BA-D6C3B92870D7}" type="datetimeFigureOut">
               <a:rPr lang="en-US" smtClean="0"/>
-              <a:t>10/8/2021</a:t>
+              <a:t>11/16/2021</a:t>
             </a:fld>
             <a:endParaRPr lang="en-US" dirty="0"/>
           </a:p>
@@ -451,7 +452,7 @@
           <a:p>
             <a:fld id="{F5A8621B-8C8E-49BA-8772-41D0FE75A082}" type="datetimeFigureOut">
               <a:rPr lang="en-US" smtClean="0"/>
-              <a:t>10/8/2021</a:t>
+              <a:t>11/16/2021</a:t>
             </a:fld>
             <a:endParaRPr lang="en-US" dirty="0"/>
           </a:p>
@@ -867,7 +868,7 @@
           <a:p>
             <a:fld id="{228B34ED-4CDD-41C9-90F7-D768D5559A6F}" type="slidenum">
               <a:rPr lang="en-US" smtClean="0"/>
-              <a:t>12</a:t>
+              <a:t>13</a:t>
             </a:fld>
             <a:endParaRPr lang="en-US" dirty="0"/>
           </a:p>
@@ -951,7 +952,7 @@
           <a:p>
             <a:fld id="{228B34ED-4CDD-41C9-90F7-D768D5559A6F}" type="slidenum">
               <a:rPr lang="en-US" smtClean="0"/>
-              <a:t>13</a:t>
+              <a:t>14</a:t>
             </a:fld>
             <a:endParaRPr lang="en-US" dirty="0"/>
           </a:p>
@@ -1035,7 +1036,7 @@
           <a:p>
             <a:fld id="{228B34ED-4CDD-41C9-90F7-D768D5559A6F}" type="slidenum">
               <a:rPr lang="en-US" smtClean="0"/>
-              <a:t>14</a:t>
+              <a:t>15</a:t>
             </a:fld>
             <a:endParaRPr lang="en-US" dirty="0"/>
           </a:p>
@@ -1119,7 +1120,7 @@
           <a:p>
             <a:fld id="{228B34ED-4CDD-41C9-90F7-D768D5559A6F}" type="slidenum">
               <a:rPr lang="en-US" smtClean="0"/>
-              <a:t>16</a:t>
+              <a:t>17</a:t>
             </a:fld>
             <a:endParaRPr lang="en-US" dirty="0"/>
           </a:p>
@@ -1203,7 +1204,7 @@
           <a:p>
             <a:fld id="{228B34ED-4CDD-41C9-90F7-D768D5559A6F}" type="slidenum">
               <a:rPr lang="en-US" smtClean="0"/>
-              <a:t>17</a:t>
+              <a:t>18</a:t>
             </a:fld>
             <a:endParaRPr lang="en-US" dirty="0"/>
           </a:p>
@@ -1287,7 +1288,7 @@
           <a:p>
             <a:fld id="{228B34ED-4CDD-41C9-90F7-D768D5559A6F}" type="slidenum">
               <a:rPr lang="en-US" smtClean="0"/>
-              <a:t>18</a:t>
+              <a:t>19</a:t>
             </a:fld>
             <a:endParaRPr lang="en-US" dirty="0"/>
           </a:p>
@@ -1539,7 +1540,7 @@
           <a:p>
             <a:fld id="{228B34ED-4CDD-41C9-90F7-D768D5559A6F}" type="slidenum">
               <a:rPr lang="en-US" smtClean="0"/>
-              <a:t>4</a:t>
+              <a:t>5</a:t>
             </a:fld>
             <a:endParaRPr lang="en-US" dirty="0"/>
           </a:p>
@@ -1623,7 +1624,7 @@
           <a:p>
             <a:fld id="{228B34ED-4CDD-41C9-90F7-D768D5559A6F}" type="slidenum">
               <a:rPr lang="en-US" smtClean="0"/>
-              <a:t>5</a:t>
+              <a:t>6</a:t>
             </a:fld>
             <a:endParaRPr lang="en-US" dirty="0"/>
           </a:p>
@@ -1707,7 +1708,7 @@
           <a:p>
             <a:fld id="{228B34ED-4CDD-41C9-90F7-D768D5559A6F}" type="slidenum">
               <a:rPr lang="en-US" smtClean="0"/>
-              <a:t>6</a:t>
+              <a:t>7</a:t>
             </a:fld>
             <a:endParaRPr lang="en-US" dirty="0"/>
           </a:p>
@@ -1795,7 +1796,7 @@
           <a:p>
             <a:fld id="{228B34ED-4CDD-41C9-90F7-D768D5559A6F}" type="slidenum">
               <a:rPr lang="en-US" smtClean="0"/>
-              <a:t>7</a:t>
+              <a:t>8</a:t>
             </a:fld>
             <a:endParaRPr lang="en-US" dirty="0"/>
           </a:p>
@@ -1879,7 +1880,7 @@
           <a:p>
             <a:fld id="{228B34ED-4CDD-41C9-90F7-D768D5559A6F}" type="slidenum">
               <a:rPr lang="en-US" smtClean="0"/>
-              <a:t>8</a:t>
+              <a:t>9</a:t>
             </a:fld>
             <a:endParaRPr lang="en-US" dirty="0"/>
           </a:p>
@@ -2209,7 +2210,7 @@
           <a:p>
             <a:fld id="{228B34ED-4CDD-41C9-90F7-D768D5559A6F}" type="slidenum">
               <a:rPr lang="en-US" smtClean="0"/>
-              <a:t>9</a:t>
+              <a:t>10</a:t>
             </a:fld>
             <a:endParaRPr lang="en-US" dirty="0"/>
           </a:p>
@@ -3399,7 +3400,7 @@
           </a:ln>
           <a:extLst>
             <a:ext uri="{C572A759-6A51-4108-AA02-DFA0A04FC94B}">
-              <ma14:wrappingTextBoxFlag xmlns="" xmlns:ma14="http://schemas.microsoft.com/office/mac/drawingml/2011/main" val="1"/>
+              <ma14:wrappingTextBoxFlag xmlns:ma14="http://schemas.microsoft.com/office/mac/drawingml/2011/main" xmlns="" val="1"/>
             </a:ext>
           </a:extLst>
         </p:spPr>
@@ -3723,7 +3724,7 @@
           </a:ln>
           <a:extLst>
             <a:ext uri="{C572A759-6A51-4108-AA02-DFA0A04FC94B}">
-              <ma14:wrappingTextBoxFlag xmlns="" xmlns:ma14="http://schemas.microsoft.com/office/mac/drawingml/2011/main" val="1"/>
+              <ma14:wrappingTextBoxFlag xmlns:ma14="http://schemas.microsoft.com/office/mac/drawingml/2011/main" xmlns="" val="1"/>
             </a:ext>
           </a:extLst>
         </p:spPr>
@@ -7130,7 +7131,7 @@
           </a:ln>
           <a:extLst>
             <a:ext uri="{C572A759-6A51-4108-AA02-DFA0A04FC94B}">
-              <ma14:wrappingTextBoxFlag xmlns="" xmlns:ma14="http://schemas.microsoft.com/office/mac/drawingml/2011/main" val="1"/>
+              <ma14:wrappingTextBoxFlag xmlns:ma14="http://schemas.microsoft.com/office/mac/drawingml/2011/main" xmlns="" val="1"/>
             </a:ext>
           </a:extLst>
         </p:spPr>
@@ -8588,7 +8589,7 @@
           </a:ln>
           <a:extLst>
             <a:ext uri="{C572A759-6A51-4108-AA02-DFA0A04FC94B}">
-              <ma14:wrappingTextBoxFlag xmlns="" xmlns:ma14="http://schemas.microsoft.com/office/mac/drawingml/2011/main" val="1"/>
+              <ma14:wrappingTextBoxFlag xmlns:ma14="http://schemas.microsoft.com/office/mac/drawingml/2011/main" xmlns="" val="1"/>
             </a:ext>
           </a:extLst>
         </p:spPr>
@@ -8973,7 +8974,7 @@
         </p:nvSpPr>
         <p:spPr>
           <a:xfrm>
-            <a:off x="5921115" y="367099"/>
+            <a:off x="3117439" y="337034"/>
             <a:ext cx="6134398" cy="1161897"/>
           </a:xfrm>
         </p:spPr>
@@ -8989,7 +8990,7 @@
                 <a:latin typeface="Arial" panose="020B0604020202020204" pitchFamily="34" charset="0"/>
                 <a:cs typeface="Arial" panose="020B0604020202020204" pitchFamily="34" charset="0"/>
               </a:rPr>
-              <a:t>Báo cáo THỰc tập tốt nghiệp</a:t>
+              <a:t>Công ty cổ phần hunonic</a:t>
             </a:r>
             <a:endParaRPr lang="en-US" sz="3000" dirty="0">
               <a:latin typeface="Arial" panose="020B0604020202020204" pitchFamily="34" charset="0"/>
@@ -9036,8 +9037,8 @@
         </p:nvSpPr>
         <p:spPr>
           <a:xfrm>
-            <a:off x="4991725" y="4902715"/>
-            <a:ext cx="7001492" cy="1812804"/>
+            <a:off x="8170726" y="5462869"/>
+            <a:ext cx="3822491" cy="1212640"/>
           </a:xfrm>
           <a:prstGeom prst="rect">
             <a:avLst/>
@@ -9065,19 +9066,7 @@
                 <a:latin typeface="Arial" panose="020B0604020202020204" pitchFamily="34" charset="0"/>
                 <a:cs typeface="Arial" panose="020B0604020202020204" pitchFamily="34" charset="0"/>
               </a:rPr>
-              <a:t>Sinh </a:t>
-            </a:r>
-            <a:r>
-              <a:rPr lang="en-US" sz="3000" i="1" dirty="0" smtClean="0">
-                <a:solidFill>
-                  <a:schemeClr val="bg2">
-                    <a:lumMod val="25000"/>
-                  </a:schemeClr>
-                </a:solidFill>
-                <a:latin typeface="Arial" panose="020B0604020202020204" pitchFamily="34" charset="0"/>
-                <a:cs typeface="Arial" panose="020B0604020202020204" pitchFamily="34" charset="0"/>
-              </a:rPr>
-              <a:t>viên</a:t>
+              <a:t>Phan </a:t>
             </a:r>
             <a:r>
               <a:rPr lang="en-US" sz="2800" i="1" dirty="0" smtClean="0">
@@ -9089,36 +9078,7 @@
                 <a:latin typeface="Arial" panose="020B0604020202020204" pitchFamily="34" charset="0"/>
                 <a:cs typeface="Arial" panose="020B0604020202020204" pitchFamily="34" charset="0"/>
               </a:rPr>
-              <a:t> thực hiện: Phan Ngọc Phong</a:t>
-            </a:r>
-          </a:p>
-          <a:p>
-            <a:pPr algn="just">
-              <a:lnSpc>
-                <a:spcPct val="130000"/>
-              </a:lnSpc>
-            </a:pPr>
-            <a:r>
-              <a:rPr lang="en-US" sz="2800" i="1" dirty="0" smtClean="0">
-                <a:solidFill>
-                  <a:srgbClr val="3B3838"/>
-                </a:solidFill>
-                <a:latin typeface="Arial" panose="020B0604020202020204" pitchFamily="34" charset="0"/>
-                <a:cs typeface="Arial" panose="020B0604020202020204" pitchFamily="34" charset="0"/>
-              </a:rPr>
-              <a:t>Giáo viên hướng </a:t>
-            </a:r>
-            <a:r>
-              <a:rPr lang="en-US" sz="2800" i="1" dirty="0" smtClean="0">
-                <a:solidFill>
-                  <a:schemeClr val="bg2">
-                    <a:lumMod val="25000"/>
-                  </a:schemeClr>
-                </a:solidFill>
-                <a:latin typeface="Arial" panose="020B0604020202020204" pitchFamily="34" charset="0"/>
-                <a:cs typeface="Arial" panose="020B0604020202020204" pitchFamily="34" charset="0"/>
-              </a:rPr>
-              <a:t>dẫn: Th.S Trần Tuấn Việt</a:t>
+              <a:t>Ngọc Phong</a:t>
             </a:r>
           </a:p>
           <a:p>
@@ -9208,61 +9168,6 @@
       </p:sp>
       <p:sp>
         <p:nvSpPr>
-          <p:cNvPr id="9" name="Title 2">
-            <a:extLst>
-              <a:ext uri="{FF2B5EF4-FFF2-40B4-BE49-F238E27FC236}">
-                <a16:creationId xmlns:a16="http://schemas.microsoft.com/office/drawing/2014/main" id="{1D24B42B-925B-494C-A986-BD85E8117E1E}"/>
-              </a:ext>
-            </a:extLst>
-          </p:cNvPr>
-          <p:cNvSpPr txBox="1">
-            <a:spLocks/>
-          </p:cNvSpPr>
-          <p:nvPr/>
-        </p:nvSpPr>
-        <p:spPr>
-          <a:xfrm>
-            <a:off x="5787181" y="1398764"/>
-            <a:ext cx="5804234" cy="1184223"/>
-          </a:xfrm>
-          <a:prstGeom prst="rect">
-            <a:avLst/>
-          </a:prstGeom>
-        </p:spPr>
-        <p:txBody>
-          <a:bodyPr vert="horz" lIns="91440" tIns="45720" rIns="91440" bIns="45720" rtlCol="0" anchor="ctr">
-            <a:noAutofit/>
-          </a:bodyPr>
-          <a:lstStyle>
-            <a:lvl1pPr algn="l" defTabSz="914400" rtl="0" eaLnBrk="1" latinLnBrk="0" hangingPunct="1">
-              <a:lnSpc>
-                <a:spcPct val="100000"/>
-              </a:lnSpc>
-              <a:spcBef>
-                <a:spcPct val="0"/>
-              </a:spcBef>
-              <a:buNone/>
-              <a:defRPr sz="6000" kern="1200" cap="all" spc="300" baseline="0">
-                <a:solidFill>
-                  <a:schemeClr val="tx1"/>
-                </a:solidFill>
-                <a:latin typeface="+mj-lt"/>
-                <a:ea typeface="+mj-ea"/>
-                <a:cs typeface="+mj-cs"/>
-              </a:defRPr>
-            </a:lvl1pPr>
-          </a:lstStyle>
-          <a:p>
-            <a:pPr algn="ctr"/>
-            <a:endParaRPr lang="en-US" sz="3000" dirty="0">
-              <a:latin typeface="Arial" panose="020B0604020202020204" pitchFamily="34" charset="0"/>
-              <a:cs typeface="Arial" panose="020B0604020202020204" pitchFamily="34" charset="0"/>
-            </a:endParaRPr>
-          </a:p>
-        </p:txBody>
-      </p:sp>
-      <p:sp>
-        <p:nvSpPr>
           <p:cNvPr id="10" name="Title 2">
             <a:extLst>
               <a:ext uri="{FF2B5EF4-FFF2-40B4-BE49-F238E27FC236}">
@@ -9277,8 +9182,8 @@
         </p:nvSpPr>
         <p:spPr>
           <a:xfrm>
-            <a:off x="5527460" y="2247582"/>
-            <a:ext cx="6465757" cy="2319728"/>
+            <a:off x="3251564" y="3858067"/>
+            <a:ext cx="5847466" cy="697972"/>
           </a:xfrm>
           <a:prstGeom prst="rect">
             <a:avLst/>
@@ -9314,7 +9219,7 @@
                 <a:latin typeface="Arial" panose="020B0604020202020204" pitchFamily="34" charset="0"/>
                 <a:cs typeface="Arial" panose="020B0604020202020204" pitchFamily="34" charset="0"/>
               </a:rPr>
-              <a:t>XÂY DỰNG ỨNG DỤNG WINFORM ĐIỀU KHIỂN THIẾT BỊ ĐIỆN GIA DỤNG QUA GIAO THỨC MQTT</a:t>
+              <a:t>Bộ phẬn R&amp;D</a:t>
             </a:r>
             <a:endParaRPr lang="en-US" sz="3000" dirty="0">
               <a:latin typeface="Arial" panose="020B0604020202020204" pitchFamily="34" charset="0"/>
@@ -9325,13 +9230,9 @@
       </p:sp>
       <p:pic>
         <p:nvPicPr>
-          <p:cNvPr id="12" name="Picture Placeholder 11"/>
-          <p:cNvPicPr>
-            <a:picLocks noGrp="1" noChangeAspect="1"/>
-          </p:cNvPicPr>
-          <p:nvPr>
-            <p:ph type="pic" sz="quarter" idx="13"/>
-          </p:nvPr>
+          <p:cNvPr id="11" name="Picture 10"/>
+          <p:cNvPicPr/>
+          <p:nvPr/>
         </p:nvPicPr>
         <p:blipFill>
           <a:blip r:embed="rId3">
@@ -9341,12 +9242,19 @@
               </a:ext>
             </a:extLst>
           </a:blip>
-          <a:srcRect l="20388" r="20388"/>
           <a:stretch>
             <a:fillRect/>
           </a:stretch>
         </p:blipFill>
-        <p:spPr/>
+        <p:spPr>
+          <a:xfrm>
+            <a:off x="5074170" y="1770847"/>
+            <a:ext cx="2031168" cy="1961704"/>
+          </a:xfrm>
+          <a:prstGeom prst="rect">
+            <a:avLst/>
+          </a:prstGeom>
+        </p:spPr>
       </p:pic>
     </p:spTree>
     <p:extLst>
@@ -9387,6 +9295,447 @@
       </p:grpSpPr>
       <p:sp>
         <p:nvSpPr>
+          <p:cNvPr id="3" name="TextBox 2">
+            <a:extLst>
+              <a:ext uri="{FF2B5EF4-FFF2-40B4-BE49-F238E27FC236}">
+                <a16:creationId xmlns:a16="http://schemas.microsoft.com/office/drawing/2014/main" id="{BE8AA9BD-5B28-4BB1-803B-54BB6E1B0DE1}"/>
+              </a:ext>
+            </a:extLst>
+          </p:cNvPr>
+          <p:cNvSpPr txBox="1"/>
+          <p:nvPr/>
+        </p:nvSpPr>
+        <p:spPr>
+          <a:xfrm>
+            <a:off x="2456543" y="131812"/>
+            <a:ext cx="7278915" cy="1323439"/>
+          </a:xfrm>
+          <a:prstGeom prst="rect">
+            <a:avLst/>
+          </a:prstGeom>
+          <a:noFill/>
+        </p:spPr>
+        <p:txBody>
+          <a:bodyPr wrap="square" rtlCol="0">
+            <a:spAutoFit/>
+          </a:bodyPr>
+          <a:lstStyle/>
+          <a:p>
+            <a:pPr lvl="1" algn="ctr"/>
+            <a:r>
+              <a:rPr lang="en-US" sz="4000" dirty="0" smtClean="0">
+                <a:solidFill>
+                  <a:schemeClr val="bg1">
+                    <a:lumMod val="65000"/>
+                  </a:schemeClr>
+                </a:solidFill>
+                <a:latin typeface="Arial" panose="020B0604020202020204" pitchFamily="34" charset="0"/>
+                <a:cs typeface="Arial" panose="020B0604020202020204" pitchFamily="34" charset="0"/>
+              </a:rPr>
+              <a:t>Đổi tên phòng và tên công tắc</a:t>
+            </a:r>
+            <a:endParaRPr lang="en-US" sz="4000" dirty="0">
+              <a:solidFill>
+                <a:schemeClr val="bg1">
+                  <a:lumMod val="65000"/>
+                </a:schemeClr>
+              </a:solidFill>
+              <a:latin typeface="Arial" panose="020B0604020202020204" pitchFamily="34" charset="0"/>
+              <a:cs typeface="Arial" panose="020B0604020202020204" pitchFamily="34" charset="0"/>
+            </a:endParaRPr>
+          </a:p>
+        </p:txBody>
+      </p:sp>
+      <p:grpSp>
+        <p:nvGrpSpPr>
+          <p:cNvPr id="4" name="Group 3">
+            <a:extLst>
+              <a:ext uri="{FF2B5EF4-FFF2-40B4-BE49-F238E27FC236}">
+                <a16:creationId xmlns:a16="http://schemas.microsoft.com/office/drawing/2014/main" id="{7D884BCA-1978-49CC-8588-5399D7CABDE7}"/>
+              </a:ext>
+            </a:extLst>
+          </p:cNvPr>
+          <p:cNvGrpSpPr/>
+          <p:nvPr/>
+        </p:nvGrpSpPr>
+        <p:grpSpPr>
+          <a:xfrm>
+            <a:off x="5620056" y="1360001"/>
+            <a:ext cx="1434489" cy="190500"/>
+            <a:chOff x="4679586" y="878988"/>
+            <a:chExt cx="1434489" cy="190500"/>
+          </a:xfrm>
+        </p:grpSpPr>
+        <p:sp>
+          <p:nvSpPr>
+            <p:cNvPr id="5" name="Oval 4">
+              <a:extLst>
+                <a:ext uri="{FF2B5EF4-FFF2-40B4-BE49-F238E27FC236}">
+                  <a16:creationId xmlns:a16="http://schemas.microsoft.com/office/drawing/2014/main" id="{3701A590-ABA9-4BD2-BD64-376A4C227798}"/>
+                </a:ext>
+              </a:extLst>
+            </p:cNvPr>
+            <p:cNvSpPr/>
+            <p:nvPr/>
+          </p:nvSpPr>
+          <p:spPr>
+            <a:xfrm>
+              <a:off x="4679586" y="878988"/>
+              <a:ext cx="190500" cy="190500"/>
+            </a:xfrm>
+            <a:prstGeom prst="ellipse">
+              <a:avLst/>
+            </a:prstGeom>
+            <a:solidFill>
+              <a:srgbClr val="03A1A4"/>
+            </a:solidFill>
+            <a:ln>
+              <a:noFill/>
+            </a:ln>
+          </p:spPr>
+          <p:style>
+            <a:lnRef idx="2">
+              <a:schemeClr val="accent1">
+                <a:shade val="50000"/>
+              </a:schemeClr>
+            </a:lnRef>
+            <a:fillRef idx="1">
+              <a:schemeClr val="accent1"/>
+            </a:fillRef>
+            <a:effectRef idx="0">
+              <a:schemeClr val="accent1"/>
+            </a:effectRef>
+            <a:fontRef idx="minor">
+              <a:schemeClr val="lt1"/>
+            </a:fontRef>
+          </p:style>
+          <p:txBody>
+            <a:bodyPr rtlCol="0" anchor="ctr"/>
+            <a:lstStyle/>
+            <a:p>
+              <a:pPr algn="ctr"/>
+              <a:endParaRPr lang="en-US"/>
+            </a:p>
+          </p:txBody>
+        </p:sp>
+        <p:sp>
+          <p:nvSpPr>
+            <p:cNvPr id="6" name="Oval 5">
+              <a:extLst>
+                <a:ext uri="{FF2B5EF4-FFF2-40B4-BE49-F238E27FC236}">
+                  <a16:creationId xmlns:a16="http://schemas.microsoft.com/office/drawing/2014/main" id="{3E53B434-A2A6-4C16-99DD-292CE4FD62C4}"/>
+                </a:ext>
+              </a:extLst>
+            </p:cNvPr>
+            <p:cNvSpPr/>
+            <p:nvPr/>
+          </p:nvSpPr>
+          <p:spPr>
+            <a:xfrm>
+              <a:off x="4990736" y="878988"/>
+              <a:ext cx="190500" cy="190500"/>
+            </a:xfrm>
+            <a:prstGeom prst="ellipse">
+              <a:avLst/>
+            </a:prstGeom>
+            <a:solidFill>
+              <a:srgbClr val="EE9524"/>
+            </a:solidFill>
+            <a:ln>
+              <a:noFill/>
+            </a:ln>
+          </p:spPr>
+          <p:style>
+            <a:lnRef idx="2">
+              <a:schemeClr val="accent1">
+                <a:shade val="50000"/>
+              </a:schemeClr>
+            </a:lnRef>
+            <a:fillRef idx="1">
+              <a:schemeClr val="accent1"/>
+            </a:fillRef>
+            <a:effectRef idx="0">
+              <a:schemeClr val="accent1"/>
+            </a:effectRef>
+            <a:fontRef idx="minor">
+              <a:schemeClr val="lt1"/>
+            </a:fontRef>
+          </p:style>
+          <p:txBody>
+            <a:bodyPr rtlCol="0" anchor="ctr"/>
+            <a:lstStyle/>
+            <a:p>
+              <a:pPr algn="ctr"/>
+              <a:endParaRPr lang="en-US"/>
+            </a:p>
+          </p:txBody>
+        </p:sp>
+        <p:sp>
+          <p:nvSpPr>
+            <p:cNvPr id="7" name="Oval 6">
+              <a:extLst>
+                <a:ext uri="{FF2B5EF4-FFF2-40B4-BE49-F238E27FC236}">
+                  <a16:creationId xmlns:a16="http://schemas.microsoft.com/office/drawing/2014/main" id="{F3E5BC96-17A2-4BD5-BA51-10270687E851}"/>
+                </a:ext>
+              </a:extLst>
+            </p:cNvPr>
+            <p:cNvSpPr/>
+            <p:nvPr/>
+          </p:nvSpPr>
+          <p:spPr>
+            <a:xfrm>
+              <a:off x="5301522" y="878988"/>
+              <a:ext cx="190500" cy="190500"/>
+            </a:xfrm>
+            <a:prstGeom prst="ellipse">
+              <a:avLst/>
+            </a:prstGeom>
+            <a:solidFill>
+              <a:srgbClr val="EF3078"/>
+            </a:solidFill>
+            <a:ln>
+              <a:noFill/>
+            </a:ln>
+          </p:spPr>
+          <p:style>
+            <a:lnRef idx="2">
+              <a:schemeClr val="accent1">
+                <a:shade val="50000"/>
+              </a:schemeClr>
+            </a:lnRef>
+            <a:fillRef idx="1">
+              <a:schemeClr val="accent1"/>
+            </a:fillRef>
+            <a:effectRef idx="0">
+              <a:schemeClr val="accent1"/>
+            </a:effectRef>
+            <a:fontRef idx="minor">
+              <a:schemeClr val="lt1"/>
+            </a:fontRef>
+          </p:style>
+          <p:txBody>
+            <a:bodyPr rtlCol="0" anchor="ctr"/>
+            <a:lstStyle/>
+            <a:p>
+              <a:pPr algn="ctr"/>
+              <a:endParaRPr lang="en-US"/>
+            </a:p>
+          </p:txBody>
+        </p:sp>
+        <p:sp>
+          <p:nvSpPr>
+            <p:cNvPr id="8" name="Oval 7">
+              <a:extLst>
+                <a:ext uri="{FF2B5EF4-FFF2-40B4-BE49-F238E27FC236}">
+                  <a16:creationId xmlns:a16="http://schemas.microsoft.com/office/drawing/2014/main" id="{1A06ACCC-548D-4873-BD3B-AD3CA2C095B0}"/>
+                </a:ext>
+              </a:extLst>
+            </p:cNvPr>
+            <p:cNvSpPr/>
+            <p:nvPr/>
+          </p:nvSpPr>
+          <p:spPr>
+            <a:xfrm>
+              <a:off x="5612308" y="878988"/>
+              <a:ext cx="190500" cy="190500"/>
+            </a:xfrm>
+            <a:prstGeom prst="ellipse">
+              <a:avLst/>
+            </a:prstGeom>
+            <a:solidFill>
+              <a:srgbClr val="1C7CBB"/>
+            </a:solidFill>
+            <a:ln>
+              <a:noFill/>
+            </a:ln>
+          </p:spPr>
+          <p:style>
+            <a:lnRef idx="2">
+              <a:schemeClr val="accent1">
+                <a:shade val="50000"/>
+              </a:schemeClr>
+            </a:lnRef>
+            <a:fillRef idx="1">
+              <a:schemeClr val="accent1"/>
+            </a:fillRef>
+            <a:effectRef idx="0">
+              <a:schemeClr val="accent1"/>
+            </a:effectRef>
+            <a:fontRef idx="minor">
+              <a:schemeClr val="lt1"/>
+            </a:fontRef>
+          </p:style>
+          <p:txBody>
+            <a:bodyPr rtlCol="0" anchor="ctr"/>
+            <a:lstStyle/>
+            <a:p>
+              <a:pPr algn="ctr"/>
+              <a:endParaRPr lang="en-US"/>
+            </a:p>
+          </p:txBody>
+        </p:sp>
+        <p:sp>
+          <p:nvSpPr>
+            <p:cNvPr id="9" name="Oval 8">
+              <a:extLst>
+                <a:ext uri="{FF2B5EF4-FFF2-40B4-BE49-F238E27FC236}">
+                  <a16:creationId xmlns:a16="http://schemas.microsoft.com/office/drawing/2014/main" id="{7CBDE4C1-DAF9-476F-B807-27BE954F6C82}"/>
+                </a:ext>
+              </a:extLst>
+            </p:cNvPr>
+            <p:cNvSpPr/>
+            <p:nvPr/>
+          </p:nvSpPr>
+          <p:spPr>
+            <a:xfrm>
+              <a:off x="5923575" y="878988"/>
+              <a:ext cx="190500" cy="190500"/>
+            </a:xfrm>
+            <a:prstGeom prst="ellipse">
+              <a:avLst/>
+            </a:prstGeom>
+            <a:solidFill>
+              <a:schemeClr val="accent6">
+                <a:lumMod val="50000"/>
+              </a:schemeClr>
+            </a:solidFill>
+            <a:ln>
+              <a:noFill/>
+            </a:ln>
+          </p:spPr>
+          <p:style>
+            <a:lnRef idx="2">
+              <a:schemeClr val="accent1">
+                <a:shade val="50000"/>
+              </a:schemeClr>
+            </a:lnRef>
+            <a:fillRef idx="1">
+              <a:schemeClr val="accent1"/>
+            </a:fillRef>
+            <a:effectRef idx="0">
+              <a:schemeClr val="accent1"/>
+            </a:effectRef>
+            <a:fontRef idx="minor">
+              <a:schemeClr val="lt1"/>
+            </a:fontRef>
+          </p:style>
+          <p:txBody>
+            <a:bodyPr rtlCol="0" anchor="ctr"/>
+            <a:lstStyle/>
+            <a:p>
+              <a:pPr algn="ctr"/>
+              <a:endParaRPr lang="en-US"/>
+            </a:p>
+          </p:txBody>
+        </p:sp>
+      </p:grpSp>
+      <p:pic>
+        <p:nvPicPr>
+          <p:cNvPr id="2" name="Picture 1"/>
+          <p:cNvPicPr>
+            <a:picLocks noChangeAspect="1"/>
+          </p:cNvPicPr>
+          <p:nvPr/>
+        </p:nvPicPr>
+        <p:blipFill>
+          <a:blip r:embed="rId3"/>
+          <a:stretch>
+            <a:fillRect/>
+          </a:stretch>
+        </p:blipFill>
+        <p:spPr>
+          <a:xfrm>
+            <a:off x="128500" y="1931501"/>
+            <a:ext cx="7682125" cy="4812199"/>
+          </a:xfrm>
+          <a:prstGeom prst="rect">
+            <a:avLst/>
+          </a:prstGeom>
+        </p:spPr>
+      </p:pic>
+      <p:sp>
+        <p:nvSpPr>
+          <p:cNvPr id="10" name="TextBox 9"/>
+          <p:cNvSpPr txBox="1"/>
+          <p:nvPr/>
+        </p:nvSpPr>
+        <p:spPr>
+          <a:xfrm>
+            <a:off x="7912100" y="1931501"/>
+            <a:ext cx="3937000" cy="1818703"/>
+          </a:xfrm>
+          <a:prstGeom prst="rect">
+            <a:avLst/>
+          </a:prstGeom>
+          <a:noFill/>
+        </p:spPr>
+        <p:txBody>
+          <a:bodyPr wrap="square" rtlCol="0">
+            <a:spAutoFit/>
+          </a:bodyPr>
+          <a:lstStyle/>
+          <a:p>
+            <a:pPr algn="just">
+              <a:lnSpc>
+                <a:spcPct val="150000"/>
+              </a:lnSpc>
+            </a:pPr>
+            <a:r>
+              <a:rPr lang="en-US" sz="2600" dirty="0" smtClean="0">
+                <a:latin typeface="Arial" panose="020B0604020202020204" pitchFamily="34" charset="0"/>
+                <a:cs typeface="Arial" panose="020B0604020202020204" pitchFamily="34" charset="0"/>
+              </a:rPr>
+              <a:t>Giúp người dùng biết là mình gắn thiết bị với thiết bị điện nào</a:t>
+            </a:r>
+            <a:endParaRPr lang="en-US" sz="2600" dirty="0">
+              <a:latin typeface="Arial" panose="020B0604020202020204" pitchFamily="34" charset="0"/>
+              <a:cs typeface="Arial" panose="020B0604020202020204" pitchFamily="34" charset="0"/>
+            </a:endParaRPr>
+          </a:p>
+        </p:txBody>
+      </p:sp>
+    </p:spTree>
+    <p:extLst>
+      <p:ext uri="{BB962C8B-B14F-4D97-AF65-F5344CB8AC3E}">
+        <p14:creationId xmlns:p14="http://schemas.microsoft.com/office/powerpoint/2010/main" val="2840305218"/>
+      </p:ext>
+    </p:extLst>
+  </p:cSld>
+  <p:clrMapOvr>
+    <a:masterClrMapping/>
+  </p:clrMapOvr>
+  <p:transition spd="slow">
+    <p:push dir="u"/>
+  </p:transition>
+  <p:timing>
+    <p:tnLst>
+      <p:par>
+        <p:cTn id="1" dur="indefinite" restart="never" nodeType="tmRoot"/>
+      </p:par>
+    </p:tnLst>
+  </p:timing>
+</p:sld>
+</file>
+
+<file path=ppt/slides/slide11.xml><?xml version="1.0" encoding="utf-8"?>
+<p:sld xmlns:a="http://schemas.openxmlformats.org/drawingml/2006/main" xmlns:r="http://schemas.openxmlformats.org/officeDocument/2006/relationships" xmlns:p="http://schemas.openxmlformats.org/presentationml/2006/main">
+  <p:cSld>
+    <p:spTree>
+      <p:nvGrpSpPr>
+        <p:cNvPr id="1" name=""/>
+        <p:cNvGrpSpPr/>
+        <p:nvPr/>
+      </p:nvGrpSpPr>
+      <p:grpSpPr>
+        <a:xfrm>
+          <a:off x="0" y="0"/>
+          <a:ext cx="0" cy="0"/>
+          <a:chOff x="0" y="0"/>
+          <a:chExt cx="0" cy="0"/>
+        </a:xfrm>
+      </p:grpSpPr>
+      <p:sp>
+        <p:nvSpPr>
           <p:cNvPr id="2" name="Slide Number Placeholder 1"/>
           <p:cNvSpPr>
             <a:spLocks noGrp="1"/>
@@ -9402,7 +9751,7 @@
           <a:p>
             <a:fld id="{8C2E478F-E849-4A8C-AF1F-CBCC78A7CBFA}" type="slidenum">
               <a:rPr lang="en-US" smtClean="0"/>
-              <a:t>10</a:t>
+              <a:t>11</a:t>
             </a:fld>
             <a:endParaRPr lang="en-US" dirty="0"/>
           </a:p>
@@ -9560,7 +9909,7 @@
 </p:sld>
 </file>
 
-<file path=ppt/slides/slide11.xml><?xml version="1.0" encoding="utf-8"?>
+<file path=ppt/slides/slide12.xml><?xml version="1.0" encoding="utf-8"?>
 <p:sld xmlns:a="http://schemas.openxmlformats.org/drawingml/2006/main" xmlns:r="http://schemas.openxmlformats.org/officeDocument/2006/relationships" xmlns:p="http://schemas.openxmlformats.org/presentationml/2006/main" show="0">
   <p:cSld>
     <p:spTree>
@@ -9594,7 +9943,7 @@
           <a:p>
             <a:fld id="{8C2E478F-E849-4A8C-AF1F-CBCC78A7CBFA}" type="slidenum">
               <a:rPr lang="en-US" smtClean="0"/>
-              <a:t>11</a:t>
+              <a:t>12</a:t>
             </a:fld>
             <a:endParaRPr lang="en-US" dirty="0"/>
           </a:p>
@@ -9720,7 +10069,7 @@
             <a:fld id="{8C2E478F-E849-4A8C-AF1F-CBCC78A7CBFA}" type="slidenum">
               <a:rPr lang="en-US" smtClean="0"/>
               <a:pPr/>
-              <a:t>11</a:t>
+              <a:t>12</a:t>
             </a:fld>
             <a:endParaRPr lang="en-US" dirty="0"/>
           </a:p>
@@ -11739,11 +12088,11 @@
   <p:clrMapOvr>
     <a:masterClrMapping/>
   </p:clrMapOvr>
-  <mc:AlternateContent xmlns:mc="http://schemas.openxmlformats.org/markup-compatibility/2006">
-    <mc:Choice xmlns:p14="http://schemas.microsoft.com/office/powerpoint/2010/main" Requires="p14">
+  <mc:AlternateContent xmlns:mc="http://schemas.openxmlformats.org/markup-compatibility/2006" xmlns:p14="http://schemas.microsoft.com/office/powerpoint/2010/main">
+    <mc:Choice Requires="p14">
       <p:transition spd="slow" p14:dur="2000"/>
     </mc:Choice>
-    <mc:Fallback>
+    <mc:Fallback xmlns="">
       <p:transition spd="slow"/>
     </mc:Fallback>
   </mc:AlternateContent>
@@ -12587,7 +12936,7 @@
 </p:sld>
 </file>
 
-<file path=ppt/slides/slide12.xml><?xml version="1.0" encoding="utf-8"?>
+<file path=ppt/slides/slide13.xml><?xml version="1.0" encoding="utf-8"?>
 <p:sld xmlns:a="http://schemas.openxmlformats.org/drawingml/2006/main" xmlns:r="http://schemas.openxmlformats.org/officeDocument/2006/relationships" xmlns:p="http://schemas.openxmlformats.org/presentationml/2006/main">
   <p:cSld>
     <p:spTree>
@@ -12621,7 +12970,7 @@
           <a:p>
             <a:fld id="{8C2E478F-E849-4A8C-AF1F-CBCC78A7CBFA}" type="slidenum">
               <a:rPr lang="en-US" smtClean="0"/>
-              <a:t>12</a:t>
+              <a:t>13</a:t>
             </a:fld>
             <a:endParaRPr lang="en-US" dirty="0"/>
           </a:p>
@@ -13113,7 +13462,7 @@
 </p:sld>
 </file>
 
-<file path=ppt/slides/slide13.xml><?xml version="1.0" encoding="utf-8"?>
+<file path=ppt/slides/slide14.xml><?xml version="1.0" encoding="utf-8"?>
 <p:sld xmlns:a="http://schemas.openxmlformats.org/drawingml/2006/main" xmlns:r="http://schemas.openxmlformats.org/officeDocument/2006/relationships" xmlns:p="http://schemas.openxmlformats.org/presentationml/2006/main">
   <p:cSld>
     <p:spTree>
@@ -13147,7 +13496,7 @@
           <a:p>
             <a:fld id="{8C2E478F-E849-4A8C-AF1F-CBCC78A7CBFA}" type="slidenum">
               <a:rPr lang="en-US" smtClean="0"/>
-              <a:t>13</a:t>
+              <a:t>14</a:t>
             </a:fld>
             <a:endParaRPr lang="en-US" dirty="0"/>
           </a:p>
@@ -13631,7 +13980,7 @@
 </p:sld>
 </file>
 
-<file path=ppt/slides/slide14.xml><?xml version="1.0" encoding="utf-8"?>
+<file path=ppt/slides/slide15.xml><?xml version="1.0" encoding="utf-8"?>
 <p:sld xmlns:a="http://schemas.openxmlformats.org/drawingml/2006/main" xmlns:r="http://schemas.openxmlformats.org/officeDocument/2006/relationships" xmlns:p="http://schemas.openxmlformats.org/presentationml/2006/main">
   <p:cSld>
     <p:spTree>
@@ -13665,7 +14014,7 @@
           <a:p>
             <a:fld id="{8C2E478F-E849-4A8C-AF1F-CBCC78A7CBFA}" type="slidenum">
               <a:rPr lang="en-US" smtClean="0"/>
-              <a:t>14</a:t>
+              <a:t>15</a:t>
             </a:fld>
             <a:endParaRPr lang="en-US" dirty="0"/>
           </a:p>
@@ -14103,7 +14452,7 @@
 </p:sld>
 </file>
 
-<file path=ppt/slides/slide15.xml><?xml version="1.0" encoding="utf-8"?>
+<file path=ppt/slides/slide16.xml><?xml version="1.0" encoding="utf-8"?>
 <p:sld xmlns:a="http://schemas.openxmlformats.org/drawingml/2006/main" xmlns:r="http://schemas.openxmlformats.org/officeDocument/2006/relationships" xmlns:p="http://schemas.openxmlformats.org/presentationml/2006/main">
   <p:cSld>
     <p:spTree>
@@ -14845,7 +15194,7 @@
 </p:sld>
 </file>
 
-<file path=ppt/slides/slide16.xml><?xml version="1.0" encoding="utf-8"?>
+<file path=ppt/slides/slide17.xml><?xml version="1.0" encoding="utf-8"?>
 <p:sld xmlns:a="http://schemas.openxmlformats.org/drawingml/2006/main" xmlns:r="http://schemas.openxmlformats.org/officeDocument/2006/relationships" xmlns:p="http://schemas.openxmlformats.org/presentationml/2006/main" show="0">
   <p:cSld>
     <p:spTree>
@@ -14879,7 +15228,7 @@
           <a:p>
             <a:fld id="{8C2E478F-E849-4A8C-AF1F-CBCC78A7CBFA}" type="slidenum">
               <a:rPr lang="en-US" smtClean="0"/>
-              <a:t>16</a:t>
+              <a:t>17</a:t>
             </a:fld>
             <a:endParaRPr lang="en-US" dirty="0"/>
           </a:p>
@@ -15249,7 +15598,7 @@
 </p:sld>
 </file>
 
-<file path=ppt/slides/slide17.xml><?xml version="1.0" encoding="utf-8"?>
+<file path=ppt/slides/slide18.xml><?xml version="1.0" encoding="utf-8"?>
 <p:sld xmlns:a="http://schemas.openxmlformats.org/drawingml/2006/main" xmlns:r="http://schemas.openxmlformats.org/officeDocument/2006/relationships" xmlns:p="http://schemas.openxmlformats.org/presentationml/2006/main" show="0">
   <p:cSld>
     <p:spTree>
@@ -15283,7 +15632,7 @@
           <a:p>
             <a:fld id="{8C2E478F-E849-4A8C-AF1F-CBCC78A7CBFA}" type="slidenum">
               <a:rPr lang="en-US" smtClean="0"/>
-              <a:t>17</a:t>
+              <a:t>18</a:t>
             </a:fld>
             <a:endParaRPr lang="en-US" dirty="0"/>
           </a:p>
@@ -18106,7 +18455,7 @@
 </p:sld>
 </file>
 
-<file path=ppt/slides/slide18.xml><?xml version="1.0" encoding="utf-8"?>
+<file path=ppt/slides/slide19.xml><?xml version="1.0" encoding="utf-8"?>
 <p:sld xmlns:a="http://schemas.openxmlformats.org/drawingml/2006/main" xmlns:r="http://schemas.openxmlformats.org/officeDocument/2006/relationships" xmlns:p="http://schemas.openxmlformats.org/presentationml/2006/main" show="0">
   <p:cSld>
     <p:spTree>
@@ -18140,7 +18489,7 @@
           <a:p>
             <a:fld id="{8C2E478F-E849-4A8C-AF1F-CBCC78A7CBFA}" type="slidenum">
               <a:rPr lang="en-US" smtClean="0"/>
-              <a:t>18</a:t>
+              <a:t>19</a:t>
             </a:fld>
             <a:endParaRPr lang="en-US" dirty="0"/>
           </a:p>
@@ -20964,7 +21313,7 @@
                 <a:latin typeface="Arial" panose="020B0604020202020204" pitchFamily="34" charset="0"/>
                 <a:cs typeface="Arial" panose="020B0604020202020204" pitchFamily="34" charset="0"/>
               </a:rPr>
-              <a:t>GIẢI PHÁP</a:t>
+              <a:t>Công việc</a:t>
             </a:r>
             <a:endParaRPr lang="en-US" sz="4000" dirty="0">
               <a:solidFill>
@@ -21269,8 +21618,8 @@
         </p:nvSpPr>
         <p:spPr>
           <a:xfrm>
-            <a:off x="955514" y="1484369"/>
-            <a:ext cx="10471355" cy="4247317"/>
+            <a:off x="959370" y="1484026"/>
+            <a:ext cx="10467499" cy="1477671"/>
           </a:xfrm>
           <a:prstGeom prst="rect">
             <a:avLst/>
@@ -21291,116 +21640,7 @@
                 <a:latin typeface="Arial" panose="020B0604020202020204" pitchFamily="34" charset="0"/>
                 <a:cs typeface="Arial" panose="020B0604020202020204" pitchFamily="34" charset="0"/>
               </a:rPr>
-              <a:t>Thiết bị </a:t>
-            </a:r>
-            <a:r>
-              <a:rPr lang="en-US" sz="3000" dirty="0">
-                <a:latin typeface="Arial" panose="020B0604020202020204" pitchFamily="34" charset="0"/>
-                <a:cs typeface="Arial" panose="020B0604020202020204" pitchFamily="34" charset="0"/>
-              </a:rPr>
-              <a:t>có khả năng </a:t>
-            </a:r>
-            <a:r>
-              <a:rPr lang="en-US" sz="3000" dirty="0" smtClean="0">
-                <a:latin typeface="Arial" panose="020B0604020202020204" pitchFamily="34" charset="0"/>
-                <a:cs typeface="Arial" panose="020B0604020202020204" pitchFamily="34" charset="0"/>
-              </a:rPr>
-              <a:t>điều đóng mở </a:t>
-            </a:r>
-            <a:r>
-              <a:rPr lang="en-US" sz="3000" dirty="0" smtClean="0">
-                <a:latin typeface="Arial" panose="020B0604020202020204" pitchFamily="34" charset="0"/>
-                <a:cs typeface="Arial" panose="020B0604020202020204" pitchFamily="34" charset="0"/>
-              </a:rPr>
-              <a:t>từ xa </a:t>
-            </a:r>
-            <a:r>
-              <a:rPr lang="en-US" sz="3000" dirty="0">
-                <a:latin typeface="Arial" panose="020B0604020202020204" pitchFamily="34" charset="0"/>
-                <a:cs typeface="Arial" panose="020B0604020202020204" pitchFamily="34" charset="0"/>
-              </a:rPr>
-              <a:t>thông qua </a:t>
-            </a:r>
-            <a:r>
-              <a:rPr lang="en-US" sz="3000" dirty="0" smtClean="0">
-                <a:latin typeface="Arial" panose="020B0604020202020204" pitchFamily="34" charset="0"/>
-                <a:cs typeface="Arial" panose="020B0604020202020204" pitchFamily="34" charset="0"/>
-              </a:rPr>
-              <a:t>môi </a:t>
-            </a:r>
-            <a:r>
-              <a:rPr lang="en-US" sz="3000" dirty="0">
-                <a:latin typeface="Arial" panose="020B0604020202020204" pitchFamily="34" charset="0"/>
-                <a:cs typeface="Arial" panose="020B0604020202020204" pitchFamily="34" charset="0"/>
-              </a:rPr>
-              <a:t>trường internet</a:t>
-            </a:r>
-          </a:p>
-          <a:p>
-            <a:pPr marL="457200" lvl="0" indent="-457200" algn="just" fontAlgn="base">
-              <a:buFont typeface="Courier New" panose="02070309020205020404" pitchFamily="49" charset="0"/>
-              <a:buChar char="o"/>
-            </a:pPr>
-            <a:r>
-              <a:rPr lang="en-US" sz="3000" dirty="0">
-                <a:latin typeface="Arial" panose="020B0604020202020204" pitchFamily="34" charset="0"/>
-                <a:cs typeface="Arial" panose="020B0604020202020204" pitchFamily="34" charset="0"/>
-              </a:rPr>
-              <a:t>Kết hợp được  kiểu điều khiển truyền </a:t>
-            </a:r>
-            <a:r>
-              <a:rPr lang="en-US" sz="3000" dirty="0" smtClean="0">
-                <a:latin typeface="Arial" panose="020B0604020202020204" pitchFamily="34" charset="0"/>
-                <a:cs typeface="Arial" panose="020B0604020202020204" pitchFamily="34" charset="0"/>
-              </a:rPr>
-              <a:t>thống bằng nút  </a:t>
-            </a:r>
-            <a:r>
-              <a:rPr lang="en-US" sz="3000" dirty="0">
-                <a:latin typeface="Arial" panose="020B0604020202020204" pitchFamily="34" charset="0"/>
-                <a:cs typeface="Arial" panose="020B0604020202020204" pitchFamily="34" charset="0"/>
-              </a:rPr>
-              <a:t>và điều khiển từ xa qua internet</a:t>
-            </a:r>
-          </a:p>
-          <a:p>
-            <a:pPr marL="457200" lvl="0" indent="-457200" algn="just" fontAlgn="base">
-              <a:buFont typeface="Courier New" panose="02070309020205020404" pitchFamily="49" charset="0"/>
-              <a:buChar char="o"/>
-            </a:pPr>
-            <a:r>
-              <a:rPr lang="en-US" sz="3000">
-                <a:latin typeface="Arial" panose="020B0604020202020204" pitchFamily="34" charset="0"/>
-                <a:cs typeface="Arial" panose="020B0604020202020204" pitchFamily="34" charset="0"/>
-              </a:rPr>
-              <a:t>Ứng </a:t>
-            </a:r>
-            <a:r>
-              <a:rPr lang="en-US" sz="3000" smtClean="0">
-                <a:latin typeface="Arial" panose="020B0604020202020204" pitchFamily="34" charset="0"/>
-                <a:cs typeface="Arial" panose="020B0604020202020204" pitchFamily="34" charset="0"/>
-              </a:rPr>
-              <a:t>dụng trên máy tính </a:t>
-            </a:r>
-            <a:r>
-              <a:rPr lang="en-US" sz="3000" dirty="0">
-                <a:latin typeface="Arial" panose="020B0604020202020204" pitchFamily="34" charset="0"/>
-                <a:cs typeface="Arial" panose="020B0604020202020204" pitchFamily="34" charset="0"/>
-              </a:rPr>
-              <a:t>điều khiển trực quan dễ thao tác cho người sử dụng</a:t>
-            </a:r>
-          </a:p>
-          <a:p>
-            <a:pPr marL="457200" lvl="0" indent="-457200" algn="just" fontAlgn="base">
-              <a:buFont typeface="Courier New" panose="02070309020205020404" pitchFamily="49" charset="0"/>
-              <a:buChar char="o"/>
-            </a:pPr>
-            <a:r>
-              <a:rPr lang="en-US" sz="3000" dirty="0">
-                <a:latin typeface="Arial" panose="020B0604020202020204" pitchFamily="34" charset="0"/>
-                <a:cs typeface="Arial" panose="020B0604020202020204" pitchFamily="34" charset="0"/>
-              </a:rPr>
-              <a:t>Đồng bộ hóa dữ liệu (trạng thái đầu ra) giữa phần mềm và phần cứng</a:t>
+              <a:t>Kiểm tra Camera</a:t>
             </a:r>
           </a:p>
           <a:p>
@@ -21413,7 +21653,20 @@
                 <a:latin typeface="Arial" panose="020B0604020202020204" pitchFamily="34" charset="0"/>
                 <a:cs typeface="Arial" panose="020B0604020202020204" pitchFamily="34" charset="0"/>
               </a:rPr>
-              <a:t>Thay đổi wifi sử dụng dễ dàng khi di chuyển thiết bị</a:t>
+              <a:t>Kiểm tra mạch wifi code mới</a:t>
+            </a:r>
+          </a:p>
+          <a:p>
+            <a:pPr marL="457200" lvl="0" indent="-457200" algn="just" fontAlgn="base">
+              <a:buFont typeface="Courier New" panose="02070309020205020404" pitchFamily="49" charset="0"/>
+              <a:buChar char="o"/>
+            </a:pPr>
+            <a:r>
+              <a:rPr lang="en-US" sz="3000" dirty="0" smtClean="0">
+                <a:latin typeface="Arial" panose="020B0604020202020204" pitchFamily="34" charset="0"/>
+                <a:cs typeface="Arial" panose="020B0604020202020204" pitchFamily="34" charset="0"/>
+              </a:rPr>
+              <a:t>Viết tài liệu test</a:t>
             </a:r>
             <a:endParaRPr lang="en-US" sz="3000" dirty="0">
               <a:latin typeface="Arial" panose="020B0604020202020204" pitchFamily="34" charset="0"/>
@@ -21464,29 +21717,6 @@
       </p:grpSpPr>
       <p:sp>
         <p:nvSpPr>
-          <p:cNvPr id="2" name="Slide Number Placeholder 1"/>
-          <p:cNvSpPr>
-            <a:spLocks noGrp="1"/>
-          </p:cNvSpPr>
-          <p:nvPr>
-            <p:ph type="sldNum" sz="quarter" idx="12"/>
-          </p:nvPr>
-        </p:nvSpPr>
-        <p:spPr/>
-        <p:txBody>
-          <a:bodyPr/>
-          <a:lstStyle/>
-          <a:p>
-            <a:fld id="{8C2E478F-E849-4A8C-AF1F-CBCC78A7CBFA}" type="slidenum">
-              <a:rPr lang="en-US" smtClean="0"/>
-              <a:t>3</a:t>
-            </a:fld>
-            <a:endParaRPr lang="en-US" dirty="0"/>
-          </a:p>
-        </p:txBody>
-      </p:sp>
-      <p:sp>
-        <p:nvSpPr>
           <p:cNvPr id="3" name="TextBox 2">
             <a:extLst>
               <a:ext uri="{FF2B5EF4-FFF2-40B4-BE49-F238E27FC236}">
@@ -21524,7 +21754,7 @@
                 <a:latin typeface="Arial" panose="020B0604020202020204" pitchFamily="34" charset="0"/>
                 <a:cs typeface="Arial" panose="020B0604020202020204" pitchFamily="34" charset="0"/>
               </a:rPr>
-              <a:t>BIỆN PHÁP VÀ CÔNG NGHỆ</a:t>
+              <a:t>Các lỗi phát hiện</a:t>
             </a:r>
             <a:endParaRPr lang="en-US" sz="4000" dirty="0">
               <a:solidFill>
@@ -21821,12 +22051,121 @@
           </p:txBody>
         </p:sp>
       </p:grpSp>
+    </p:spTree>
+    <p:extLst>
+      <p:ext uri="{BB962C8B-B14F-4D97-AF65-F5344CB8AC3E}">
+        <p14:creationId xmlns:p14="http://schemas.microsoft.com/office/powerpoint/2010/main" val="1154735574"/>
+      </p:ext>
+    </p:extLst>
+  </p:cSld>
+  <p:clrMapOvr>
+    <a:masterClrMapping/>
+  </p:clrMapOvr>
+  <p:transition spd="slow">
+    <p:push dir="u"/>
+  </p:transition>
+  <p:timing>
+    <p:tnLst>
+      <p:par>
+        <p:cTn id="1" dur="indefinite" restart="never" nodeType="tmRoot"/>
+      </p:par>
+    </p:tnLst>
+  </p:timing>
+</p:sld>
+</file>
+
+<file path=ppt/slides/slide4.xml><?xml version="1.0" encoding="utf-8"?>
+<p:sld xmlns:a="http://schemas.openxmlformats.org/drawingml/2006/main" xmlns:r="http://schemas.openxmlformats.org/officeDocument/2006/relationships" xmlns:p="http://schemas.openxmlformats.org/presentationml/2006/main">
+  <p:cSld>
+    <p:spTree>
+      <p:nvGrpSpPr>
+        <p:cNvPr id="1" name=""/>
+        <p:cNvGrpSpPr/>
+        <p:nvPr/>
+      </p:nvGrpSpPr>
+      <p:grpSpPr>
+        <a:xfrm>
+          <a:off x="0" y="0"/>
+          <a:ext cx="0" cy="0"/>
+          <a:chOff x="0" y="0"/>
+          <a:chExt cx="0" cy="0"/>
+        </a:xfrm>
+      </p:grpSpPr>
+      <p:sp>
+        <p:nvSpPr>
+          <p:cNvPr id="2" name="Slide Number Placeholder 1"/>
+          <p:cNvSpPr>
+            <a:spLocks noGrp="1"/>
+          </p:cNvSpPr>
+          <p:nvPr>
+            <p:ph type="sldNum" sz="quarter" idx="12"/>
+          </p:nvPr>
+        </p:nvSpPr>
+        <p:spPr/>
+        <p:txBody>
+          <a:bodyPr/>
+          <a:lstStyle/>
+          <a:p>
+            <a:fld id="{8C2E478F-E849-4A8C-AF1F-CBCC78A7CBFA}" type="slidenum">
+              <a:rPr lang="en-US" smtClean="0"/>
+              <a:t>4</a:t>
+            </a:fld>
+            <a:endParaRPr lang="en-US" dirty="0"/>
+          </a:p>
+        </p:txBody>
+      </p:sp>
+      <p:sp>
+        <p:nvSpPr>
+          <p:cNvPr id="3" name="Rectangle 2"/>
+          <p:cNvSpPr/>
+          <p:nvPr/>
+        </p:nvSpPr>
+        <p:spPr>
+          <a:xfrm>
+            <a:off x="3576666" y="171102"/>
+            <a:ext cx="5038560" cy="707886"/>
+          </a:xfrm>
+          <a:prstGeom prst="rect">
+            <a:avLst/>
+          </a:prstGeom>
+        </p:spPr>
+        <p:txBody>
+          <a:bodyPr wrap="none">
+            <a:spAutoFit/>
+          </a:bodyPr>
+          <a:lstStyle/>
+          <a:p>
+            <a:pPr lvl="1" algn="ctr"/>
+            <a:r>
+              <a:rPr lang="en-US" sz="4000" dirty="0" smtClean="0">
+                <a:solidFill>
+                  <a:schemeClr val="bg1">
+                    <a:lumMod val="65000"/>
+                  </a:schemeClr>
+                </a:solidFill>
+                <a:latin typeface="Arial" panose="020B0604020202020204" pitchFamily="34" charset="0"/>
+                <a:cs typeface="Arial" panose="020B0604020202020204" pitchFamily="34" charset="0"/>
+              </a:rPr>
+              <a:t>Công việc tuần này</a:t>
+            </a:r>
+            <a:endParaRPr lang="en-US" sz="4000" dirty="0">
+              <a:solidFill>
+                <a:schemeClr val="bg1">
+                  <a:lumMod val="65000"/>
+                </a:schemeClr>
+              </a:solidFill>
+              <a:latin typeface="Arial" panose="020B0604020202020204" pitchFamily="34" charset="0"/>
+              <a:cs typeface="Arial" panose="020B0604020202020204" pitchFamily="34" charset="0"/>
+            </a:endParaRPr>
+          </a:p>
+        </p:txBody>
+      </p:sp>
       <p:grpSp>
         <p:nvGrpSpPr>
-          <p:cNvPr id="130" name="Group 129">
+          <p:cNvPr id="4" name="Group 3">
             <a:extLst>
               <a:ext uri="{FF2B5EF4-FFF2-40B4-BE49-F238E27FC236}">
-                <a16:creationId xmlns:a16="http://schemas.microsoft.com/office/drawing/2014/main" id="{F92EF655-09B3-44B0-96AC-28F901114986}"/>
+                <a16:creationId xmlns:a16="http://schemas.microsoft.com/office/drawing/2014/main" id="{7D884BCA-1978-49CC-8588-5399D7CABDE7}"/>
               </a:ext>
             </a:extLst>
           </p:cNvPr>
@@ -21835,18 +22174,18 @@
         </p:nvGrpSpPr>
         <p:grpSpPr>
           <a:xfrm>
-            <a:off x="1047135" y="1889499"/>
-            <a:ext cx="4833271" cy="1139920"/>
-            <a:chOff x="773144" y="2219699"/>
-            <a:chExt cx="4833271" cy="1139920"/>
+            <a:off x="5378697" y="1088850"/>
+            <a:ext cx="1434489" cy="190500"/>
+            <a:chOff x="4679586" y="878988"/>
+            <a:chExt cx="1434489" cy="190500"/>
           </a:xfrm>
         </p:grpSpPr>
         <p:sp>
           <p:nvSpPr>
-            <p:cNvPr id="131" name="Oval 130">
+            <p:cNvPr id="5" name="Oval 4">
               <a:extLst>
                 <a:ext uri="{FF2B5EF4-FFF2-40B4-BE49-F238E27FC236}">
-                  <a16:creationId xmlns:a16="http://schemas.microsoft.com/office/drawing/2014/main" id="{8A7992CA-A4D4-4C7A-A95D-4385DF3C0E27}"/>
+                  <a16:creationId xmlns:a16="http://schemas.microsoft.com/office/drawing/2014/main" id="{3701A590-ABA9-4BD2-BD64-376A4C227798}"/>
                 </a:ext>
               </a:extLst>
             </p:cNvPr>
@@ -21855,8 +22194,112 @@
           </p:nvSpPr>
           <p:spPr>
             <a:xfrm>
-              <a:off x="773144" y="2368533"/>
-              <a:ext cx="662056" cy="662056"/>
+              <a:off x="4679586" y="878988"/>
+              <a:ext cx="190500" cy="190500"/>
+            </a:xfrm>
+            <a:prstGeom prst="ellipse">
+              <a:avLst/>
+            </a:prstGeom>
+            <a:solidFill>
+              <a:srgbClr val="03A1A4"/>
+            </a:solidFill>
+            <a:ln>
+              <a:noFill/>
+            </a:ln>
+          </p:spPr>
+          <p:style>
+            <a:lnRef idx="2">
+              <a:schemeClr val="accent1">
+                <a:shade val="50000"/>
+              </a:schemeClr>
+            </a:lnRef>
+            <a:fillRef idx="1">
+              <a:schemeClr val="accent1"/>
+            </a:fillRef>
+            <a:effectRef idx="0">
+              <a:schemeClr val="accent1"/>
+            </a:effectRef>
+            <a:fontRef idx="minor">
+              <a:schemeClr val="lt1"/>
+            </a:fontRef>
+          </p:style>
+          <p:txBody>
+            <a:bodyPr rtlCol="0" anchor="ctr"/>
+            <a:lstStyle/>
+            <a:p>
+              <a:pPr algn="ctr"/>
+              <a:endParaRPr lang="en-US"/>
+            </a:p>
+          </p:txBody>
+        </p:sp>
+        <p:sp>
+          <p:nvSpPr>
+            <p:cNvPr id="6" name="Oval 5">
+              <a:extLst>
+                <a:ext uri="{FF2B5EF4-FFF2-40B4-BE49-F238E27FC236}">
+                  <a16:creationId xmlns:a16="http://schemas.microsoft.com/office/drawing/2014/main" id="{3E53B434-A2A6-4C16-99DD-292CE4FD62C4}"/>
+                </a:ext>
+              </a:extLst>
+            </p:cNvPr>
+            <p:cNvSpPr/>
+            <p:nvPr/>
+          </p:nvSpPr>
+          <p:spPr>
+            <a:xfrm>
+              <a:off x="4990736" y="878988"/>
+              <a:ext cx="190500" cy="190500"/>
+            </a:xfrm>
+            <a:prstGeom prst="ellipse">
+              <a:avLst/>
+            </a:prstGeom>
+            <a:solidFill>
+              <a:srgbClr val="EE9524"/>
+            </a:solidFill>
+            <a:ln>
+              <a:noFill/>
+            </a:ln>
+          </p:spPr>
+          <p:style>
+            <a:lnRef idx="2">
+              <a:schemeClr val="accent1">
+                <a:shade val="50000"/>
+              </a:schemeClr>
+            </a:lnRef>
+            <a:fillRef idx="1">
+              <a:schemeClr val="accent1"/>
+            </a:fillRef>
+            <a:effectRef idx="0">
+              <a:schemeClr val="accent1"/>
+            </a:effectRef>
+            <a:fontRef idx="minor">
+              <a:schemeClr val="lt1"/>
+            </a:fontRef>
+          </p:style>
+          <p:txBody>
+            <a:bodyPr rtlCol="0" anchor="ctr"/>
+            <a:lstStyle/>
+            <a:p>
+              <a:pPr algn="ctr"/>
+              <a:endParaRPr lang="en-US"/>
+            </a:p>
+          </p:txBody>
+        </p:sp>
+        <p:sp>
+          <p:nvSpPr>
+            <p:cNvPr id="7" name="Oval 6">
+              <a:extLst>
+                <a:ext uri="{FF2B5EF4-FFF2-40B4-BE49-F238E27FC236}">
+                  <a16:creationId xmlns:a16="http://schemas.microsoft.com/office/drawing/2014/main" id="{F3E5BC96-17A2-4BD5-BA51-10270687E851}"/>
+                </a:ext>
+              </a:extLst>
+            </p:cNvPr>
+            <p:cNvSpPr/>
+            <p:nvPr/>
+          </p:nvSpPr>
+          <p:spPr>
+            <a:xfrm>
+              <a:off x="5301522" y="878988"/>
+              <a:ext cx="190500" cy="190500"/>
             </a:xfrm>
             <a:prstGeom prst="ellipse">
               <a:avLst/>
@@ -21889,140 +22332,123 @@
             <a:lstStyle/>
             <a:p>
               <a:pPr algn="ctr"/>
-              <a:endParaRPr lang="en-US" sz="2800">
-                <a:latin typeface="Arial" panose="020B0604020202020204" pitchFamily="34" charset="0"/>
-                <a:cs typeface="Arial" panose="020B0604020202020204" pitchFamily="34" charset="0"/>
-              </a:endParaRPr>
-            </a:p>
-          </p:txBody>
-        </p:sp>
-        <p:pic>
-          <p:nvPicPr>
-            <p:cNvPr id="132" name="Picture 131">
-              <a:extLst>
-                <a:ext uri="{FF2B5EF4-FFF2-40B4-BE49-F238E27FC236}">
-                  <a16:creationId xmlns:a16="http://schemas.microsoft.com/office/drawing/2014/main" id="{09B2B8A0-1E62-4040-9493-25C915F609CD}"/>
-                </a:ext>
-              </a:extLst>
-            </p:cNvPr>
-            <p:cNvPicPr>
-              <a:picLocks noChangeAspect="1"/>
-            </p:cNvPicPr>
-            <p:nvPr/>
-          </p:nvPicPr>
-          <p:blipFill>
-            <a:blip r:embed="rId3">
-              <a:extLst>
-                <a:ext uri="{28A0092B-C50C-407E-A947-70E740481C1C}">
-                  <a14:useLocalDpi xmlns:a14="http://schemas.microsoft.com/office/drawing/2010/main" val="0"/>
-                </a:ext>
-              </a:extLst>
-            </a:blip>
-            <a:stretch>
-              <a:fillRect/>
-            </a:stretch>
-          </p:blipFill>
-          <p:spPr>
-            <a:xfrm>
-              <a:off x="904975" y="2500364"/>
-              <a:ext cx="398394" cy="398394"/>
-            </a:xfrm>
-            <a:prstGeom prst="rect">
-              <a:avLst/>
-            </a:prstGeom>
-          </p:spPr>
-        </p:pic>
-        <p:sp>
-          <p:nvSpPr>
-            <p:cNvPr id="133" name="TextBox 132">
-              <a:extLst>
-                <a:ext uri="{FF2B5EF4-FFF2-40B4-BE49-F238E27FC236}">
-                  <a16:creationId xmlns:a16="http://schemas.microsoft.com/office/drawing/2014/main" id="{E0BEF5D4-B286-4C11-8773-787F7CE392CE}"/>
-                </a:ext>
-              </a:extLst>
-            </p:cNvPr>
-            <p:cNvSpPr txBox="1"/>
-            <p:nvPr/>
-          </p:nvSpPr>
-          <p:spPr>
-            <a:xfrm>
-              <a:off x="1435200" y="2219699"/>
-              <a:ext cx="1648829" cy="523220"/>
-            </a:xfrm>
-            <a:prstGeom prst="rect">
-              <a:avLst/>
-            </a:prstGeom>
-            <a:noFill/>
-          </p:spPr>
-          <p:txBody>
-            <a:bodyPr wrap="square" rtlCol="0">
-              <a:spAutoFit/>
-            </a:bodyPr>
-            <a:lstStyle/>
-            <a:p>
-              <a:r>
-                <a:rPr lang="en-US" sz="2800" dirty="0" smtClean="0">
-                  <a:latin typeface="Arial" panose="020B0604020202020204" pitchFamily="34" charset="0"/>
-                  <a:cs typeface="Arial" panose="020B0604020202020204" pitchFamily="34" charset="0"/>
-                </a:rPr>
-                <a:t>C++</a:t>
-              </a:r>
-              <a:endParaRPr lang="en-US" sz="2800" dirty="0">
-                <a:latin typeface="Arial" panose="020B0604020202020204" pitchFamily="34" charset="0"/>
-                <a:cs typeface="Arial" panose="020B0604020202020204" pitchFamily="34" charset="0"/>
-              </a:endParaRPr>
+              <a:endParaRPr lang="en-US"/>
             </a:p>
           </p:txBody>
         </p:sp>
         <p:sp>
           <p:nvSpPr>
-            <p:cNvPr id="134" name="TextBox 133">
+            <p:cNvPr id="8" name="Oval 7">
               <a:extLst>
                 <a:ext uri="{FF2B5EF4-FFF2-40B4-BE49-F238E27FC236}">
-                  <a16:creationId xmlns:a16="http://schemas.microsoft.com/office/drawing/2014/main" id="{F290B2D6-E62D-4D61-9DBA-64988586BEE4}"/>
+                  <a16:creationId xmlns:a16="http://schemas.microsoft.com/office/drawing/2014/main" id="{1A06ACCC-548D-4873-BD3B-AD3CA2C095B0}"/>
                 </a:ext>
               </a:extLst>
             </p:cNvPr>
-            <p:cNvSpPr txBox="1"/>
+            <p:cNvSpPr/>
             <p:nvPr/>
           </p:nvSpPr>
           <p:spPr>
             <a:xfrm>
-              <a:off x="1426779" y="2651733"/>
-              <a:ext cx="4179636" cy="707886"/>
+              <a:off x="5612308" y="878988"/>
+              <a:ext cx="190500" cy="190500"/>
             </a:xfrm>
-            <a:prstGeom prst="rect">
+            <a:prstGeom prst="ellipse">
               <a:avLst/>
             </a:prstGeom>
-            <a:noFill/>
+            <a:solidFill>
+              <a:srgbClr val="1C7CBB"/>
+            </a:solidFill>
+            <a:ln>
+              <a:noFill/>
+            </a:ln>
           </p:spPr>
+          <p:style>
+            <a:lnRef idx="2">
+              <a:schemeClr val="accent1">
+                <a:shade val="50000"/>
+              </a:schemeClr>
+            </a:lnRef>
+            <a:fillRef idx="1">
+              <a:schemeClr val="accent1"/>
+            </a:fillRef>
+            <a:effectRef idx="0">
+              <a:schemeClr val="accent1"/>
+            </a:effectRef>
+            <a:fontRef idx="minor">
+              <a:schemeClr val="lt1"/>
+            </a:fontRef>
+          </p:style>
           <p:txBody>
-            <a:bodyPr wrap="square" rtlCol="0">
-              <a:spAutoFit/>
-            </a:bodyPr>
+            <a:bodyPr rtlCol="0" anchor="ctr"/>
             <a:lstStyle/>
             <a:p>
-              <a:r>
-                <a:rPr lang="en-US" sz="2000" dirty="0" smtClean="0">
-                  <a:latin typeface="Arial" panose="020B0604020202020204" pitchFamily="34" charset="0"/>
-                  <a:cs typeface="Arial" panose="020B0604020202020204" pitchFamily="34" charset="0"/>
-                </a:rPr>
-                <a:t>Sử dụng C++ để lập trình cho vi điều khiển</a:t>
-              </a:r>
-              <a:endParaRPr lang="en-US" sz="2000" dirty="0">
-                <a:latin typeface="Arial" panose="020B0604020202020204" pitchFamily="34" charset="0"/>
-                <a:cs typeface="Arial" panose="020B0604020202020204" pitchFamily="34" charset="0"/>
-              </a:endParaRPr>
+              <a:pPr algn="ctr"/>
+              <a:endParaRPr lang="en-US"/>
+            </a:p>
+          </p:txBody>
+        </p:sp>
+        <p:sp>
+          <p:nvSpPr>
+            <p:cNvPr id="9" name="Oval 8">
+              <a:extLst>
+                <a:ext uri="{FF2B5EF4-FFF2-40B4-BE49-F238E27FC236}">
+                  <a16:creationId xmlns:a16="http://schemas.microsoft.com/office/drawing/2014/main" id="{7CBDE4C1-DAF9-476F-B807-27BE954F6C82}"/>
+                </a:ext>
+              </a:extLst>
+            </p:cNvPr>
+            <p:cNvSpPr/>
+            <p:nvPr/>
+          </p:nvSpPr>
+          <p:spPr>
+            <a:xfrm>
+              <a:off x="5923575" y="878988"/>
+              <a:ext cx="190500" cy="190500"/>
+            </a:xfrm>
+            <a:prstGeom prst="ellipse">
+              <a:avLst/>
+            </a:prstGeom>
+            <a:solidFill>
+              <a:schemeClr val="accent6">
+                <a:lumMod val="50000"/>
+              </a:schemeClr>
+            </a:solidFill>
+            <a:ln>
+              <a:noFill/>
+            </a:ln>
+          </p:spPr>
+          <p:style>
+            <a:lnRef idx="2">
+              <a:schemeClr val="accent1">
+                <a:shade val="50000"/>
+              </a:schemeClr>
+            </a:lnRef>
+            <a:fillRef idx="1">
+              <a:schemeClr val="accent1"/>
+            </a:fillRef>
+            <a:effectRef idx="0">
+              <a:schemeClr val="accent1"/>
+            </a:effectRef>
+            <a:fontRef idx="minor">
+              <a:schemeClr val="lt1"/>
+            </a:fontRef>
+          </p:style>
+          <p:txBody>
+            <a:bodyPr rtlCol="0" anchor="ctr"/>
+            <a:lstStyle/>
+            <a:p>
+              <a:pPr algn="ctr"/>
+              <a:endParaRPr lang="en-US"/>
             </a:p>
           </p:txBody>
         </p:sp>
       </p:grpSp>
       <p:grpSp>
         <p:nvGrpSpPr>
-          <p:cNvPr id="150" name="Group 149">
+          <p:cNvPr id="10" name="Group 9">
             <a:extLst>
               <a:ext uri="{FF2B5EF4-FFF2-40B4-BE49-F238E27FC236}">
-                <a16:creationId xmlns:a16="http://schemas.microsoft.com/office/drawing/2014/main" id="{F92EF655-09B3-44B0-96AC-28F901114986}"/>
+                <a16:creationId xmlns:a16="http://schemas.microsoft.com/office/drawing/2014/main" id="{7D884BCA-1978-49CC-8588-5399D7CABDE7}"/>
               </a:ext>
             </a:extLst>
           </p:cNvPr>
@@ -22031,18 +22457,18 @@
         </p:nvGrpSpPr>
         <p:grpSpPr>
           <a:xfrm>
-            <a:off x="1047135" y="3374773"/>
-            <a:ext cx="5314377" cy="1448892"/>
-            <a:chOff x="773144" y="2142394"/>
-            <a:chExt cx="5314377" cy="1448892"/>
+            <a:off x="5378756" y="878988"/>
+            <a:ext cx="1434489" cy="190500"/>
+            <a:chOff x="4679586" y="878988"/>
+            <a:chExt cx="1434489" cy="190500"/>
           </a:xfrm>
         </p:grpSpPr>
         <p:sp>
           <p:nvSpPr>
-            <p:cNvPr id="151" name="Oval 150">
+            <p:cNvPr id="11" name="Oval 10">
               <a:extLst>
                 <a:ext uri="{FF2B5EF4-FFF2-40B4-BE49-F238E27FC236}">
-                  <a16:creationId xmlns:a16="http://schemas.microsoft.com/office/drawing/2014/main" id="{8A7992CA-A4D4-4C7A-A95D-4385DF3C0E27}"/>
+                  <a16:creationId xmlns:a16="http://schemas.microsoft.com/office/drawing/2014/main" id="{3701A590-ABA9-4BD2-BD64-376A4C227798}"/>
                 </a:ext>
               </a:extLst>
             </p:cNvPr>
@@ -22051,8 +22477,112 @@
           </p:nvSpPr>
           <p:spPr>
             <a:xfrm>
-              <a:off x="773144" y="2293770"/>
-              <a:ext cx="662056" cy="662056"/>
+              <a:off x="4679586" y="878988"/>
+              <a:ext cx="190500" cy="190500"/>
+            </a:xfrm>
+            <a:prstGeom prst="ellipse">
+              <a:avLst/>
+            </a:prstGeom>
+            <a:solidFill>
+              <a:srgbClr val="03A1A4"/>
+            </a:solidFill>
+            <a:ln>
+              <a:noFill/>
+            </a:ln>
+          </p:spPr>
+          <p:style>
+            <a:lnRef idx="2">
+              <a:schemeClr val="accent1">
+                <a:shade val="50000"/>
+              </a:schemeClr>
+            </a:lnRef>
+            <a:fillRef idx="1">
+              <a:schemeClr val="accent1"/>
+            </a:fillRef>
+            <a:effectRef idx="0">
+              <a:schemeClr val="accent1"/>
+            </a:effectRef>
+            <a:fontRef idx="minor">
+              <a:schemeClr val="lt1"/>
+            </a:fontRef>
+          </p:style>
+          <p:txBody>
+            <a:bodyPr rtlCol="0" anchor="ctr"/>
+            <a:lstStyle/>
+            <a:p>
+              <a:pPr algn="ctr"/>
+              <a:endParaRPr lang="en-US"/>
+            </a:p>
+          </p:txBody>
+        </p:sp>
+        <p:sp>
+          <p:nvSpPr>
+            <p:cNvPr id="12" name="Oval 11">
+              <a:extLst>
+                <a:ext uri="{FF2B5EF4-FFF2-40B4-BE49-F238E27FC236}">
+                  <a16:creationId xmlns:a16="http://schemas.microsoft.com/office/drawing/2014/main" id="{3E53B434-A2A6-4C16-99DD-292CE4FD62C4}"/>
+                </a:ext>
+              </a:extLst>
+            </p:cNvPr>
+            <p:cNvSpPr/>
+            <p:nvPr/>
+          </p:nvSpPr>
+          <p:spPr>
+            <a:xfrm>
+              <a:off x="4990736" y="878988"/>
+              <a:ext cx="190500" cy="190500"/>
+            </a:xfrm>
+            <a:prstGeom prst="ellipse">
+              <a:avLst/>
+            </a:prstGeom>
+            <a:solidFill>
+              <a:srgbClr val="EE9524"/>
+            </a:solidFill>
+            <a:ln>
+              <a:noFill/>
+            </a:ln>
+          </p:spPr>
+          <p:style>
+            <a:lnRef idx="2">
+              <a:schemeClr val="accent1">
+                <a:shade val="50000"/>
+              </a:schemeClr>
+            </a:lnRef>
+            <a:fillRef idx="1">
+              <a:schemeClr val="accent1"/>
+            </a:fillRef>
+            <a:effectRef idx="0">
+              <a:schemeClr val="accent1"/>
+            </a:effectRef>
+            <a:fontRef idx="minor">
+              <a:schemeClr val="lt1"/>
+            </a:fontRef>
+          </p:style>
+          <p:txBody>
+            <a:bodyPr rtlCol="0" anchor="ctr"/>
+            <a:lstStyle/>
+            <a:p>
+              <a:pPr algn="ctr"/>
+              <a:endParaRPr lang="en-US"/>
+            </a:p>
+          </p:txBody>
+        </p:sp>
+        <p:sp>
+          <p:nvSpPr>
+            <p:cNvPr id="13" name="Oval 12">
+              <a:extLst>
+                <a:ext uri="{FF2B5EF4-FFF2-40B4-BE49-F238E27FC236}">
+                  <a16:creationId xmlns:a16="http://schemas.microsoft.com/office/drawing/2014/main" id="{F3E5BC96-17A2-4BD5-BA51-10270687E851}"/>
+                </a:ext>
+              </a:extLst>
+            </p:cNvPr>
+            <p:cNvSpPr/>
+            <p:nvPr/>
+          </p:nvSpPr>
+          <p:spPr>
+            <a:xfrm>
+              <a:off x="5301522" y="878988"/>
+              <a:ext cx="190500" cy="190500"/>
             </a:xfrm>
             <a:prstGeom prst="ellipse">
               <a:avLst/>
@@ -22085,160 +22615,16 @@
             <a:lstStyle/>
             <a:p>
               <a:pPr algn="ctr"/>
-              <a:endParaRPr lang="en-US" sz="2800">
-                <a:latin typeface="Arial" panose="020B0604020202020204" pitchFamily="34" charset="0"/>
-                <a:cs typeface="Arial" panose="020B0604020202020204" pitchFamily="34" charset="0"/>
-              </a:endParaRPr>
-            </a:p>
-          </p:txBody>
-        </p:sp>
-        <p:pic>
-          <p:nvPicPr>
-            <p:cNvPr id="152" name="Picture 151">
-              <a:extLst>
-                <a:ext uri="{FF2B5EF4-FFF2-40B4-BE49-F238E27FC236}">
-                  <a16:creationId xmlns:a16="http://schemas.microsoft.com/office/drawing/2014/main" id="{09B2B8A0-1E62-4040-9493-25C915F609CD}"/>
-                </a:ext>
-              </a:extLst>
-            </p:cNvPr>
-            <p:cNvPicPr>
-              <a:picLocks noChangeAspect="1"/>
-            </p:cNvPicPr>
-            <p:nvPr/>
-          </p:nvPicPr>
-          <p:blipFill>
-            <a:blip r:embed="rId3">
-              <a:extLst>
-                <a:ext uri="{28A0092B-C50C-407E-A947-70E740481C1C}">
-                  <a14:useLocalDpi xmlns:a14="http://schemas.microsoft.com/office/drawing/2010/main" val="0"/>
-                </a:ext>
-              </a:extLst>
-            </a:blip>
-            <a:stretch>
-              <a:fillRect/>
-            </a:stretch>
-          </p:blipFill>
-          <p:spPr>
-            <a:xfrm>
-              <a:off x="904975" y="2425601"/>
-              <a:ext cx="398394" cy="398394"/>
-            </a:xfrm>
-            <a:prstGeom prst="rect">
-              <a:avLst/>
-            </a:prstGeom>
-          </p:spPr>
-        </p:pic>
-        <p:sp>
-          <p:nvSpPr>
-            <p:cNvPr id="153" name="TextBox 152">
-              <a:extLst>
-                <a:ext uri="{FF2B5EF4-FFF2-40B4-BE49-F238E27FC236}">
-                  <a16:creationId xmlns:a16="http://schemas.microsoft.com/office/drawing/2014/main" id="{E0BEF5D4-B286-4C11-8773-787F7CE392CE}"/>
-                </a:ext>
-              </a:extLst>
-            </p:cNvPr>
-            <p:cNvSpPr txBox="1"/>
-            <p:nvPr/>
-          </p:nvSpPr>
-          <p:spPr>
-            <a:xfrm>
-              <a:off x="1435200" y="2142394"/>
-              <a:ext cx="4652321" cy="523220"/>
-            </a:xfrm>
-            <a:prstGeom prst="rect">
-              <a:avLst/>
-            </a:prstGeom>
-            <a:noFill/>
-          </p:spPr>
-          <p:txBody>
-            <a:bodyPr wrap="square" rtlCol="0">
-              <a:spAutoFit/>
-            </a:bodyPr>
-            <a:lstStyle/>
-            <a:p>
-              <a:r>
-                <a:rPr lang="en-US" sz="2800" dirty="0" smtClean="0">
-                  <a:latin typeface="Arial" panose="020B0604020202020204" pitchFamily="34" charset="0"/>
-                  <a:cs typeface="Arial" panose="020B0604020202020204" pitchFamily="34" charset="0"/>
-                </a:rPr>
-                <a:t>C#</a:t>
-              </a:r>
-              <a:endParaRPr lang="en-US" sz="2800" dirty="0">
-                <a:latin typeface="Arial" panose="020B0604020202020204" pitchFamily="34" charset="0"/>
-                <a:cs typeface="Arial" panose="020B0604020202020204" pitchFamily="34" charset="0"/>
-              </a:endParaRPr>
+              <a:endParaRPr lang="en-US"/>
             </a:p>
           </p:txBody>
         </p:sp>
         <p:sp>
           <p:nvSpPr>
-            <p:cNvPr id="154" name="TextBox 153">
+            <p:cNvPr id="14" name="Oval 13">
               <a:extLst>
                 <a:ext uri="{FF2B5EF4-FFF2-40B4-BE49-F238E27FC236}">
-                  <a16:creationId xmlns:a16="http://schemas.microsoft.com/office/drawing/2014/main" id="{F290B2D6-E62D-4D61-9DBA-64988586BEE4}"/>
-                </a:ext>
-              </a:extLst>
-            </p:cNvPr>
-            <p:cNvSpPr txBox="1"/>
-            <p:nvPr/>
-          </p:nvSpPr>
-          <p:spPr>
-            <a:xfrm>
-              <a:off x="1426779" y="2575623"/>
-              <a:ext cx="4179636" cy="1015663"/>
-            </a:xfrm>
-            <a:prstGeom prst="rect">
-              <a:avLst/>
-            </a:prstGeom>
-            <a:noFill/>
-          </p:spPr>
-          <p:txBody>
-            <a:bodyPr wrap="square" rtlCol="0">
-              <a:spAutoFit/>
-            </a:bodyPr>
-            <a:lstStyle/>
-            <a:p>
-              <a:r>
-                <a:rPr lang="en-US" sz="2000" dirty="0" smtClean="0">
-                  <a:latin typeface="Arial" panose="020B0604020202020204" pitchFamily="34" charset="0"/>
-                  <a:cs typeface="Arial" panose="020B0604020202020204" pitchFamily="34" charset="0"/>
-                </a:rPr>
-                <a:t>Do Microsoft phát triển dùng đề lập trình phần mềm trên máy tính windows</a:t>
-              </a:r>
-              <a:endParaRPr lang="en-US" sz="2000" dirty="0">
-                <a:latin typeface="Arial" panose="020B0604020202020204" pitchFamily="34" charset="0"/>
-                <a:cs typeface="Arial" panose="020B0604020202020204" pitchFamily="34" charset="0"/>
-              </a:endParaRPr>
-            </a:p>
-          </p:txBody>
-        </p:sp>
-      </p:grpSp>
-      <p:grpSp>
-        <p:nvGrpSpPr>
-          <p:cNvPr id="155" name="Group 154">
-            <a:extLst>
-              <a:ext uri="{FF2B5EF4-FFF2-40B4-BE49-F238E27FC236}">
-                <a16:creationId xmlns:a16="http://schemas.microsoft.com/office/drawing/2014/main" id="{F92EF655-09B3-44B0-96AC-28F901114986}"/>
-              </a:ext>
-            </a:extLst>
-          </p:cNvPr>
-          <p:cNvGrpSpPr/>
-          <p:nvPr/>
-        </p:nvGrpSpPr>
-        <p:grpSpPr>
-          <a:xfrm>
-            <a:off x="1047135" y="5169018"/>
-            <a:ext cx="5454843" cy="1664335"/>
-            <a:chOff x="773144" y="2142394"/>
-            <a:chExt cx="5454843" cy="1664335"/>
-          </a:xfrm>
-        </p:grpSpPr>
-        <p:sp>
-          <p:nvSpPr>
-            <p:cNvPr id="156" name="Oval 155">
-              <a:extLst>
-                <a:ext uri="{FF2B5EF4-FFF2-40B4-BE49-F238E27FC236}">
-                  <a16:creationId xmlns:a16="http://schemas.microsoft.com/office/drawing/2014/main" id="{8A7992CA-A4D4-4C7A-A95D-4385DF3C0E27}"/>
+                  <a16:creationId xmlns:a16="http://schemas.microsoft.com/office/drawing/2014/main" id="{1A06ACCC-548D-4873-BD3B-AD3CA2C095B0}"/>
                 </a:ext>
               </a:extLst>
             </p:cNvPr>
@@ -22247,14 +22633,14 @@
           </p:nvSpPr>
           <p:spPr>
             <a:xfrm>
-              <a:off x="773144" y="2409700"/>
-              <a:ext cx="662056" cy="662056"/>
+              <a:off x="5612308" y="878988"/>
+              <a:ext cx="190500" cy="190500"/>
             </a:xfrm>
             <a:prstGeom prst="ellipse">
               <a:avLst/>
             </a:prstGeom>
             <a:solidFill>
-              <a:srgbClr val="EF3078"/>
+              <a:srgbClr val="1C7CBB"/>
             </a:solidFill>
             <a:ln>
               <a:noFill/>
@@ -22281,222 +22667,16 @@
             <a:lstStyle/>
             <a:p>
               <a:pPr algn="ctr"/>
-              <a:endParaRPr lang="en-US" sz="2800">
-                <a:latin typeface="Arial" panose="020B0604020202020204" pitchFamily="34" charset="0"/>
-                <a:cs typeface="Arial" panose="020B0604020202020204" pitchFamily="34" charset="0"/>
-              </a:endParaRPr>
-            </a:p>
-          </p:txBody>
-        </p:sp>
-        <p:pic>
-          <p:nvPicPr>
-            <p:cNvPr id="157" name="Picture 156">
-              <a:extLst>
-                <a:ext uri="{FF2B5EF4-FFF2-40B4-BE49-F238E27FC236}">
-                  <a16:creationId xmlns:a16="http://schemas.microsoft.com/office/drawing/2014/main" id="{09B2B8A0-1E62-4040-9493-25C915F609CD}"/>
-                </a:ext>
-              </a:extLst>
-            </p:cNvPr>
-            <p:cNvPicPr>
-              <a:picLocks noChangeAspect="1"/>
-            </p:cNvPicPr>
-            <p:nvPr/>
-          </p:nvPicPr>
-          <p:blipFill>
-            <a:blip r:embed="rId3">
-              <a:extLst>
-                <a:ext uri="{28A0092B-C50C-407E-A947-70E740481C1C}">
-                  <a14:useLocalDpi xmlns:a14="http://schemas.microsoft.com/office/drawing/2010/main" val="0"/>
-                </a:ext>
-              </a:extLst>
-            </a:blip>
-            <a:stretch>
-              <a:fillRect/>
-            </a:stretch>
-          </p:blipFill>
-          <p:spPr>
-            <a:xfrm>
-              <a:off x="904975" y="2541531"/>
-              <a:ext cx="398394" cy="398394"/>
-            </a:xfrm>
-            <a:prstGeom prst="rect">
-              <a:avLst/>
-            </a:prstGeom>
-          </p:spPr>
-        </p:pic>
-        <p:sp>
-          <p:nvSpPr>
-            <p:cNvPr id="158" name="TextBox 157">
-              <a:extLst>
-                <a:ext uri="{FF2B5EF4-FFF2-40B4-BE49-F238E27FC236}">
-                  <a16:creationId xmlns:a16="http://schemas.microsoft.com/office/drawing/2014/main" id="{E0BEF5D4-B286-4C11-8773-787F7CE392CE}"/>
-                </a:ext>
-              </a:extLst>
-            </p:cNvPr>
-            <p:cNvSpPr txBox="1"/>
-            <p:nvPr/>
-          </p:nvSpPr>
-          <p:spPr>
-            <a:xfrm>
-              <a:off x="1435200" y="2142394"/>
-              <a:ext cx="4652321" cy="523220"/>
-            </a:xfrm>
-            <a:prstGeom prst="rect">
-              <a:avLst/>
-            </a:prstGeom>
-            <a:noFill/>
-          </p:spPr>
-          <p:txBody>
-            <a:bodyPr wrap="square" rtlCol="0">
-              <a:spAutoFit/>
-            </a:bodyPr>
-            <a:lstStyle/>
-            <a:p>
-              <a:r>
-                <a:rPr lang="en-US" sz="2800" dirty="0" smtClean="0">
-                  <a:latin typeface="Arial" panose="020B0604020202020204" pitchFamily="34" charset="0"/>
-                  <a:cs typeface="Arial" panose="020B0604020202020204" pitchFamily="34" charset="0"/>
-                </a:rPr>
-                <a:t>Json</a:t>
-              </a:r>
-              <a:endParaRPr lang="en-US" sz="2800" dirty="0">
-                <a:latin typeface="Arial" panose="020B0604020202020204" pitchFamily="34" charset="0"/>
-                <a:cs typeface="Arial" panose="020B0604020202020204" pitchFamily="34" charset="0"/>
-              </a:endParaRPr>
+              <a:endParaRPr lang="en-US"/>
             </a:p>
           </p:txBody>
         </p:sp>
         <p:sp>
           <p:nvSpPr>
-            <p:cNvPr id="159" name="TextBox 158">
+            <p:cNvPr id="15" name="Oval 14">
               <a:extLst>
                 <a:ext uri="{FF2B5EF4-FFF2-40B4-BE49-F238E27FC236}">
-                  <a16:creationId xmlns:a16="http://schemas.microsoft.com/office/drawing/2014/main" id="{F290B2D6-E62D-4D61-9DBA-64988586BEE4}"/>
-                </a:ext>
-              </a:extLst>
-            </p:cNvPr>
-            <p:cNvSpPr txBox="1"/>
-            <p:nvPr/>
-          </p:nvSpPr>
-          <p:spPr>
-            <a:xfrm>
-              <a:off x="1426779" y="2575623"/>
-              <a:ext cx="4801208" cy="1231106"/>
-            </a:xfrm>
-            <a:prstGeom prst="rect">
-              <a:avLst/>
-            </a:prstGeom>
-            <a:noFill/>
-          </p:spPr>
-          <p:txBody>
-            <a:bodyPr wrap="square" rtlCol="0">
-              <a:spAutoFit/>
-            </a:bodyPr>
-            <a:lstStyle/>
-            <a:p>
-              <a:r>
-                <a:rPr lang="en-US" sz="2000" dirty="0">
-                  <a:latin typeface="Arial" panose="020B0604020202020204" pitchFamily="34" charset="0"/>
-                  <a:cs typeface="Arial" panose="020B0604020202020204" pitchFamily="34" charset="0"/>
-                </a:rPr>
-                <a:t>là viết tắt của </a:t>
-              </a:r>
-              <a:r>
-                <a:rPr lang="en-US" sz="2000" b="1" dirty="0">
-                  <a:latin typeface="Arial" panose="020B0604020202020204" pitchFamily="34" charset="0"/>
-                  <a:cs typeface="Arial" panose="020B0604020202020204" pitchFamily="34" charset="0"/>
-                </a:rPr>
-                <a:t>J</a:t>
-              </a:r>
-              <a:r>
-                <a:rPr lang="en-US" sz="2000" dirty="0">
-                  <a:latin typeface="Arial" panose="020B0604020202020204" pitchFamily="34" charset="0"/>
-                  <a:cs typeface="Arial" panose="020B0604020202020204" pitchFamily="34" charset="0"/>
-                </a:rPr>
-                <a:t>ava</a:t>
-              </a:r>
-              <a:r>
-                <a:rPr lang="en-US" sz="2000" b="1" dirty="0">
-                  <a:latin typeface="Arial" panose="020B0604020202020204" pitchFamily="34" charset="0"/>
-                  <a:cs typeface="Arial" panose="020B0604020202020204" pitchFamily="34" charset="0"/>
-                </a:rPr>
-                <a:t>S</a:t>
-              </a:r>
-              <a:r>
-                <a:rPr lang="en-US" sz="2000" dirty="0">
-                  <a:latin typeface="Arial" panose="020B0604020202020204" pitchFamily="34" charset="0"/>
-                  <a:cs typeface="Arial" panose="020B0604020202020204" pitchFamily="34" charset="0"/>
-                </a:rPr>
-                <a:t>cript </a:t>
-              </a:r>
-              <a:r>
-                <a:rPr lang="en-US" sz="2000" b="1" dirty="0">
-                  <a:latin typeface="Arial" panose="020B0604020202020204" pitchFamily="34" charset="0"/>
-                  <a:cs typeface="Arial" panose="020B0604020202020204" pitchFamily="34" charset="0"/>
-                </a:rPr>
-                <a:t>O</a:t>
-              </a:r>
-              <a:r>
-                <a:rPr lang="en-US" sz="2000" dirty="0">
-                  <a:latin typeface="Arial" panose="020B0604020202020204" pitchFamily="34" charset="0"/>
-                  <a:cs typeface="Arial" panose="020B0604020202020204" pitchFamily="34" charset="0"/>
-                </a:rPr>
-                <a:t>bject </a:t>
-              </a:r>
-              <a:r>
-                <a:rPr lang="en-US" sz="2000" b="1" dirty="0" smtClean="0">
-                  <a:latin typeface="Arial" panose="020B0604020202020204" pitchFamily="34" charset="0"/>
-                  <a:cs typeface="Arial" panose="020B0604020202020204" pitchFamily="34" charset="0"/>
-                </a:rPr>
-                <a:t>N</a:t>
-              </a:r>
-              <a:r>
-                <a:rPr lang="en-US" sz="2000" dirty="0" smtClean="0">
-                  <a:latin typeface="Arial" panose="020B0604020202020204" pitchFamily="34" charset="0"/>
-                  <a:cs typeface="Arial" panose="020B0604020202020204" pitchFamily="34" charset="0"/>
-                </a:rPr>
-                <a:t>otation</a:t>
-              </a:r>
-            </a:p>
-            <a:p>
-              <a:r>
-                <a:rPr lang="vi-VN" dirty="0"/>
-                <a:t>là một kiểu định dạng dữ liệu tuân theo một quy luật nhất định mà hầu hết các ngôn ngữ lập trình hiện nay đều có thể đọc được</a:t>
-              </a:r>
-              <a:endParaRPr lang="en-US" sz="2000" dirty="0" smtClean="0">
-                <a:latin typeface="Arial" panose="020B0604020202020204" pitchFamily="34" charset="0"/>
-                <a:cs typeface="Arial" panose="020B0604020202020204" pitchFamily="34" charset="0"/>
-              </a:endParaRPr>
-            </a:p>
-          </p:txBody>
-        </p:sp>
-      </p:grpSp>
-      <p:grpSp>
-        <p:nvGrpSpPr>
-          <p:cNvPr id="160" name="Group 159">
-            <a:extLst>
-              <a:ext uri="{FF2B5EF4-FFF2-40B4-BE49-F238E27FC236}">
-                <a16:creationId xmlns:a16="http://schemas.microsoft.com/office/drawing/2014/main" id="{F92EF655-09B3-44B0-96AC-28F901114986}"/>
-              </a:ext>
-            </a:extLst>
-          </p:cNvPr>
-          <p:cNvGrpSpPr/>
-          <p:nvPr/>
-        </p:nvGrpSpPr>
-        <p:grpSpPr>
-          <a:xfrm>
-            <a:off x="6752291" y="2151109"/>
-            <a:ext cx="5370472" cy="2679998"/>
-            <a:chOff x="773144" y="2142394"/>
-            <a:chExt cx="5720413" cy="2679998"/>
-          </a:xfrm>
-        </p:grpSpPr>
-        <p:sp>
-          <p:nvSpPr>
-            <p:cNvPr id="161" name="Oval 160">
-              <a:extLst>
-                <a:ext uri="{FF2B5EF4-FFF2-40B4-BE49-F238E27FC236}">
-                  <a16:creationId xmlns:a16="http://schemas.microsoft.com/office/drawing/2014/main" id="{8A7992CA-A4D4-4C7A-A95D-4385DF3C0E27}"/>
+                  <a16:creationId xmlns:a16="http://schemas.microsoft.com/office/drawing/2014/main" id="{7CBDE4C1-DAF9-476F-B807-27BE954F6C82}"/>
                 </a:ext>
               </a:extLst>
             </p:cNvPr>
@@ -22505,14 +22685,16 @@
           </p:nvSpPr>
           <p:spPr>
             <a:xfrm>
-              <a:off x="773144" y="2409700"/>
-              <a:ext cx="662056" cy="662056"/>
+              <a:off x="5923575" y="878988"/>
+              <a:ext cx="190500" cy="190500"/>
             </a:xfrm>
             <a:prstGeom prst="ellipse">
               <a:avLst/>
             </a:prstGeom>
             <a:solidFill>
-              <a:srgbClr val="EF3078"/>
+              <a:schemeClr val="accent6">
+                <a:lumMod val="50000"/>
+              </a:schemeClr>
             </a:solidFill>
             <a:ln>
               <a:noFill/>
@@ -22539,1001 +22721,90 @@
             <a:lstStyle/>
             <a:p>
               <a:pPr algn="ctr"/>
-              <a:endParaRPr lang="en-US" sz="2800">
-                <a:latin typeface="Arial" panose="020B0604020202020204" pitchFamily="34" charset="0"/>
-                <a:cs typeface="Arial" panose="020B0604020202020204" pitchFamily="34" charset="0"/>
-              </a:endParaRPr>
-            </a:p>
-          </p:txBody>
-        </p:sp>
-        <p:pic>
-          <p:nvPicPr>
-            <p:cNvPr id="162" name="Picture 161">
-              <a:extLst>
-                <a:ext uri="{FF2B5EF4-FFF2-40B4-BE49-F238E27FC236}">
-                  <a16:creationId xmlns:a16="http://schemas.microsoft.com/office/drawing/2014/main" id="{09B2B8A0-1E62-4040-9493-25C915F609CD}"/>
-                </a:ext>
-              </a:extLst>
-            </p:cNvPr>
-            <p:cNvPicPr>
-              <a:picLocks noChangeAspect="1"/>
-            </p:cNvPicPr>
-            <p:nvPr/>
-          </p:nvPicPr>
-          <p:blipFill>
-            <a:blip r:embed="rId3">
-              <a:extLst>
-                <a:ext uri="{28A0092B-C50C-407E-A947-70E740481C1C}">
-                  <a14:useLocalDpi xmlns:a14="http://schemas.microsoft.com/office/drawing/2010/main" val="0"/>
-                </a:ext>
-              </a:extLst>
-            </a:blip>
-            <a:stretch>
-              <a:fillRect/>
-            </a:stretch>
-          </p:blipFill>
-          <p:spPr>
-            <a:xfrm>
-              <a:off x="904975" y="2541531"/>
-              <a:ext cx="398394" cy="398394"/>
-            </a:xfrm>
-            <a:prstGeom prst="rect">
-              <a:avLst/>
-            </a:prstGeom>
-          </p:spPr>
-        </p:pic>
-        <p:sp>
-          <p:nvSpPr>
-            <p:cNvPr id="163" name="TextBox 162">
-              <a:extLst>
-                <a:ext uri="{FF2B5EF4-FFF2-40B4-BE49-F238E27FC236}">
-                  <a16:creationId xmlns:a16="http://schemas.microsoft.com/office/drawing/2014/main" id="{E0BEF5D4-B286-4C11-8773-787F7CE392CE}"/>
-                </a:ext>
-              </a:extLst>
-            </p:cNvPr>
-            <p:cNvSpPr txBox="1"/>
-            <p:nvPr/>
-          </p:nvSpPr>
-          <p:spPr>
-            <a:xfrm>
-              <a:off x="1435200" y="2142394"/>
-              <a:ext cx="4652321" cy="523220"/>
-            </a:xfrm>
-            <a:prstGeom prst="rect">
-              <a:avLst/>
-            </a:prstGeom>
-            <a:noFill/>
-          </p:spPr>
-          <p:txBody>
-            <a:bodyPr wrap="square" rtlCol="0">
-              <a:spAutoFit/>
-            </a:bodyPr>
-            <a:lstStyle/>
-            <a:p>
-              <a:r>
-                <a:rPr lang="en-US" sz="2800" dirty="0" smtClean="0">
-                  <a:latin typeface="Arial" panose="020B0604020202020204" pitchFamily="34" charset="0"/>
-                  <a:cs typeface="Arial" panose="020B0604020202020204" pitchFamily="34" charset="0"/>
-                </a:rPr>
-                <a:t>MQTT</a:t>
-              </a:r>
-              <a:endParaRPr lang="en-US" sz="2800" dirty="0">
-                <a:latin typeface="Arial" panose="020B0604020202020204" pitchFamily="34" charset="0"/>
-                <a:cs typeface="Arial" panose="020B0604020202020204" pitchFamily="34" charset="0"/>
-              </a:endParaRPr>
-            </a:p>
-          </p:txBody>
-        </p:sp>
-        <p:sp>
-          <p:nvSpPr>
-            <p:cNvPr id="164" name="TextBox 163">
-              <a:extLst>
-                <a:ext uri="{FF2B5EF4-FFF2-40B4-BE49-F238E27FC236}">
-                  <a16:creationId xmlns:a16="http://schemas.microsoft.com/office/drawing/2014/main" id="{F290B2D6-E62D-4D61-9DBA-64988586BEE4}"/>
-                </a:ext>
-              </a:extLst>
-            </p:cNvPr>
-            <p:cNvSpPr txBox="1"/>
-            <p:nvPr/>
-          </p:nvSpPr>
-          <p:spPr>
-            <a:xfrm>
-              <a:off x="1426778" y="2575623"/>
-              <a:ext cx="5066779" cy="2246769"/>
-            </a:xfrm>
-            <a:prstGeom prst="rect">
-              <a:avLst/>
-            </a:prstGeom>
-            <a:noFill/>
-          </p:spPr>
-          <p:txBody>
-            <a:bodyPr wrap="square" rtlCol="0">
-              <a:spAutoFit/>
-            </a:bodyPr>
-            <a:lstStyle/>
-            <a:p>
-              <a:r>
-                <a:rPr lang="en-US" sz="2000" dirty="0" smtClean="0"/>
-                <a:t>L</a:t>
-              </a:r>
-              <a:r>
-                <a:rPr lang="vi-VN" sz="2000" dirty="0" smtClean="0"/>
-                <a:t>à </a:t>
-              </a:r>
-              <a:r>
-                <a:rPr lang="vi-VN" sz="2000" dirty="0"/>
-                <a:t>giao thức truyền thông điệp (message) theo mô hình publish/subscribe (cung cấp / thuê bao), được sử dụng cho các thiết bị IoT với băng thông thấp, độ tin cậy cao và khả năng được sử dụng trong mạng lưới không ổn định</a:t>
-              </a:r>
-              <a:endParaRPr lang="en-US" sz="2000" dirty="0" smtClean="0">
-                <a:latin typeface="Arial" panose="020B0604020202020204" pitchFamily="34" charset="0"/>
-                <a:cs typeface="Arial" panose="020B0604020202020204" pitchFamily="34" charset="0"/>
-              </a:endParaRPr>
+              <a:endParaRPr lang="en-US"/>
             </a:p>
           </p:txBody>
         </p:sp>
       </p:grpSp>
-      <p:grpSp>
-        <p:nvGrpSpPr>
-          <p:cNvPr id="165" name="Group 164">
-            <a:extLst>
-              <a:ext uri="{FF2B5EF4-FFF2-40B4-BE49-F238E27FC236}">
-                <a16:creationId xmlns:a16="http://schemas.microsoft.com/office/drawing/2014/main" id="{F92EF655-09B3-44B0-96AC-28F901114986}"/>
-              </a:ext>
-            </a:extLst>
-          </p:cNvPr>
-          <p:cNvGrpSpPr/>
+      <p:sp>
+        <p:nvSpPr>
+          <p:cNvPr id="16" name="Rectangle 15"/>
+          <p:cNvSpPr/>
           <p:nvPr/>
-        </p:nvGrpSpPr>
-        <p:grpSpPr>
+        </p:nvSpPr>
+        <p:spPr>
           <a:xfrm>
-            <a:off x="6752291" y="4770023"/>
-            <a:ext cx="5314377" cy="1448892"/>
-            <a:chOff x="773144" y="2142394"/>
-            <a:chExt cx="5314377" cy="1448892"/>
+            <a:off x="1077669" y="2053652"/>
+            <a:ext cx="10467499" cy="1477328"/>
           </a:xfrm>
-        </p:grpSpPr>
-        <p:sp>
-          <p:nvSpPr>
-            <p:cNvPr id="166" name="Oval 165">
-              <a:extLst>
-                <a:ext uri="{FF2B5EF4-FFF2-40B4-BE49-F238E27FC236}">
-                  <a16:creationId xmlns:a16="http://schemas.microsoft.com/office/drawing/2014/main" id="{8A7992CA-A4D4-4C7A-A95D-4385DF3C0E27}"/>
-                </a:ext>
-              </a:extLst>
-            </p:cNvPr>
-            <p:cNvSpPr/>
-            <p:nvPr/>
-          </p:nvSpPr>
-          <p:spPr>
-            <a:xfrm>
-              <a:off x="773144" y="2293770"/>
-              <a:ext cx="662056" cy="662056"/>
-            </a:xfrm>
-            <a:prstGeom prst="ellipse">
-              <a:avLst/>
-            </a:prstGeom>
-            <a:solidFill>
-              <a:srgbClr val="EF3078"/>
-            </a:solidFill>
-            <a:ln>
-              <a:noFill/>
-            </a:ln>
-          </p:spPr>
-          <p:style>
-            <a:lnRef idx="2">
-              <a:schemeClr val="accent1">
-                <a:shade val="50000"/>
-              </a:schemeClr>
-            </a:lnRef>
-            <a:fillRef idx="1">
-              <a:schemeClr val="accent1"/>
-            </a:fillRef>
-            <a:effectRef idx="0">
-              <a:schemeClr val="accent1"/>
-            </a:effectRef>
-            <a:fontRef idx="minor">
-              <a:schemeClr val="lt1"/>
-            </a:fontRef>
-          </p:style>
-          <p:txBody>
-            <a:bodyPr rtlCol="0" anchor="ctr"/>
-            <a:lstStyle/>
-            <a:p>
-              <a:pPr algn="ctr"/>
-              <a:endParaRPr lang="en-US" sz="2800">
+          <a:prstGeom prst="rect">
+            <a:avLst/>
+          </a:prstGeom>
+        </p:spPr>
+        <p:txBody>
+          <a:bodyPr wrap="square">
+            <a:spAutoFit/>
+          </a:bodyPr>
+          <a:lstStyle/>
+          <a:p>
+            <a:pPr marL="457200" lvl="0" indent="-457200" algn="just" fontAlgn="base">
+              <a:buFont typeface="Courier New" panose="02070309020205020404" pitchFamily="49" charset="0"/>
+              <a:buChar char="o"/>
+            </a:pPr>
+            <a:r>
+              <a:rPr lang="en-US" sz="3000" dirty="0" smtClean="0">
                 <a:latin typeface="Arial" panose="020B0604020202020204" pitchFamily="34" charset="0"/>
                 <a:cs typeface="Arial" panose="020B0604020202020204" pitchFamily="34" charset="0"/>
-              </a:endParaRPr>
-            </a:p>
-          </p:txBody>
-        </p:sp>
-        <p:pic>
-          <p:nvPicPr>
-            <p:cNvPr id="167" name="Picture 166">
-              <a:extLst>
-                <a:ext uri="{FF2B5EF4-FFF2-40B4-BE49-F238E27FC236}">
-                  <a16:creationId xmlns:a16="http://schemas.microsoft.com/office/drawing/2014/main" id="{09B2B8A0-1E62-4040-9493-25C915F609CD}"/>
-                </a:ext>
-              </a:extLst>
-            </p:cNvPr>
-            <p:cNvPicPr>
-              <a:picLocks noChangeAspect="1"/>
-            </p:cNvPicPr>
-            <p:nvPr/>
-          </p:nvPicPr>
-          <p:blipFill>
-            <a:blip r:embed="rId3">
-              <a:extLst>
-                <a:ext uri="{28A0092B-C50C-407E-A947-70E740481C1C}">
-                  <a14:useLocalDpi xmlns:a14="http://schemas.microsoft.com/office/drawing/2010/main" val="0"/>
-                </a:ext>
-              </a:extLst>
-            </a:blip>
-            <a:stretch>
-              <a:fillRect/>
-            </a:stretch>
-          </p:blipFill>
-          <p:spPr>
-            <a:xfrm>
-              <a:off x="904975" y="2425601"/>
-              <a:ext cx="398394" cy="398394"/>
-            </a:xfrm>
-            <a:prstGeom prst="rect">
-              <a:avLst/>
-            </a:prstGeom>
-          </p:spPr>
-        </p:pic>
-        <p:sp>
-          <p:nvSpPr>
-            <p:cNvPr id="168" name="TextBox 167">
-              <a:extLst>
-                <a:ext uri="{FF2B5EF4-FFF2-40B4-BE49-F238E27FC236}">
-                  <a16:creationId xmlns:a16="http://schemas.microsoft.com/office/drawing/2014/main" id="{E0BEF5D4-B286-4C11-8773-787F7CE392CE}"/>
-                </a:ext>
-              </a:extLst>
-            </p:cNvPr>
-            <p:cNvSpPr txBox="1"/>
-            <p:nvPr/>
-          </p:nvSpPr>
-          <p:spPr>
-            <a:xfrm>
-              <a:off x="1435200" y="2142394"/>
-              <a:ext cx="4652321" cy="523220"/>
-            </a:xfrm>
-            <a:prstGeom prst="rect">
-              <a:avLst/>
-            </a:prstGeom>
-            <a:noFill/>
-          </p:spPr>
-          <p:txBody>
-            <a:bodyPr wrap="square" rtlCol="0">
-              <a:spAutoFit/>
-            </a:bodyPr>
-            <a:lstStyle/>
-            <a:p>
-              <a:r>
-                <a:rPr lang="en-US" sz="2800" dirty="0" smtClean="0">
-                  <a:latin typeface="Arial" panose="020B0604020202020204" pitchFamily="34" charset="0"/>
-                  <a:cs typeface="Arial" panose="020B0604020202020204" pitchFamily="34" charset="0"/>
-                </a:rPr>
-                <a:t>IDE</a:t>
-              </a:r>
-              <a:endParaRPr lang="en-US" sz="2800" dirty="0">
+              </a:rPr>
+              <a:t>Kiểm tra công tắc BLE </a:t>
+            </a:r>
+          </a:p>
+          <a:p>
+            <a:pPr marL="457200" lvl="0" indent="-457200" algn="just" fontAlgn="base">
+              <a:buFont typeface="Courier New" panose="02070309020205020404" pitchFamily="49" charset="0"/>
+              <a:buChar char="o"/>
+            </a:pPr>
+            <a:r>
+              <a:rPr lang="en-US" sz="3000" dirty="0" smtClean="0">
                 <a:latin typeface="Arial" panose="020B0604020202020204" pitchFamily="34" charset="0"/>
                 <a:cs typeface="Arial" panose="020B0604020202020204" pitchFamily="34" charset="0"/>
-              </a:endParaRPr>
-            </a:p>
-          </p:txBody>
-        </p:sp>
-        <p:sp>
-          <p:nvSpPr>
-            <p:cNvPr id="169" name="TextBox 168">
-              <a:extLst>
-                <a:ext uri="{FF2B5EF4-FFF2-40B4-BE49-F238E27FC236}">
-                  <a16:creationId xmlns:a16="http://schemas.microsoft.com/office/drawing/2014/main" id="{F290B2D6-E62D-4D61-9DBA-64988586BEE4}"/>
-                </a:ext>
-              </a:extLst>
-            </p:cNvPr>
-            <p:cNvSpPr txBox="1"/>
-            <p:nvPr/>
-          </p:nvSpPr>
-          <p:spPr>
-            <a:xfrm>
-              <a:off x="1426779" y="2575623"/>
-              <a:ext cx="4179636" cy="1015663"/>
-            </a:xfrm>
-            <a:prstGeom prst="rect">
-              <a:avLst/>
-            </a:prstGeom>
-            <a:noFill/>
-          </p:spPr>
-          <p:txBody>
-            <a:bodyPr wrap="square" rtlCol="0">
-              <a:spAutoFit/>
-            </a:bodyPr>
-            <a:lstStyle/>
-            <a:p>
-              <a:r>
-                <a:rPr lang="en-US" sz="2000" dirty="0" smtClean="0">
-                  <a:latin typeface="Arial" panose="020B0604020202020204" pitchFamily="34" charset="0"/>
-                  <a:cs typeface="Arial" panose="020B0604020202020204" pitchFamily="34" charset="0"/>
-                </a:rPr>
-                <a:t>Visual Studio Code dùng để lập trình vi điều khiển</a:t>
-              </a:r>
-            </a:p>
-            <a:p>
-              <a:r>
-                <a:rPr lang="en-US" sz="2000" dirty="0" smtClean="0">
-                  <a:latin typeface="Arial" panose="020B0604020202020204" pitchFamily="34" charset="0"/>
-                  <a:cs typeface="Arial" panose="020B0604020202020204" pitchFamily="34" charset="0"/>
-                </a:rPr>
-                <a:t>Visual Studio dùng để lập trình App</a:t>
-              </a:r>
-              <a:endParaRPr lang="en-US" sz="2000" dirty="0">
+              </a:rPr>
+              <a:t>Kiểm tra Công tắc mimi wifi</a:t>
+            </a:r>
+          </a:p>
+          <a:p>
+            <a:pPr marL="457200" lvl="0" indent="-457200" algn="just" fontAlgn="base">
+              <a:buFont typeface="Courier New" panose="02070309020205020404" pitchFamily="49" charset="0"/>
+              <a:buChar char="o"/>
+            </a:pPr>
+            <a:r>
+              <a:rPr lang="en-US" sz="3000" dirty="0" smtClean="0">
                 <a:latin typeface="Arial" panose="020B0604020202020204" pitchFamily="34" charset="0"/>
                 <a:cs typeface="Arial" panose="020B0604020202020204" pitchFamily="34" charset="0"/>
-              </a:endParaRPr>
-            </a:p>
-          </p:txBody>
-        </p:sp>
-      </p:grpSp>
+              </a:rPr>
+              <a:t>Viết tài liệu test</a:t>
+            </a:r>
+            <a:endParaRPr lang="en-US" sz="3000" dirty="0">
+              <a:latin typeface="Arial" panose="020B0604020202020204" pitchFamily="34" charset="0"/>
+              <a:cs typeface="Arial" panose="020B0604020202020204" pitchFamily="34" charset="0"/>
+            </a:endParaRPr>
+          </a:p>
+        </p:txBody>
+      </p:sp>
     </p:spTree>
     <p:extLst>
       <p:ext uri="{BB962C8B-B14F-4D97-AF65-F5344CB8AC3E}">
-        <p14:creationId xmlns:p14="http://schemas.microsoft.com/office/powerpoint/2010/main" val="1154735574"/>
+        <p14:creationId xmlns:p14="http://schemas.microsoft.com/office/powerpoint/2010/main" val="2592982820"/>
       </p:ext>
     </p:extLst>
   </p:cSld>
   <p:clrMapOvr>
     <a:masterClrMapping/>
   </p:clrMapOvr>
-  <p:transition spd="slow">
-    <p:push dir="u"/>
-  </p:transition>
-  <p:timing>
-    <p:tnLst>
-      <p:par>
-        <p:cTn id="1" dur="indefinite" restart="never" nodeType="tmRoot">
-          <p:childTnLst>
-            <p:seq concurrent="1" nextAc="seek">
-              <p:cTn id="2" dur="indefinite" nodeType="mainSeq">
-                <p:childTnLst>
-                  <p:par>
-                    <p:cTn id="3" fill="hold">
-                      <p:stCondLst>
-                        <p:cond delay="indefinite"/>
-                      </p:stCondLst>
-                      <p:childTnLst>
-                        <p:par>
-                          <p:cTn id="4" fill="hold">
-                            <p:stCondLst>
-                              <p:cond delay="0"/>
-                            </p:stCondLst>
-                            <p:childTnLst>
-                              <p:par>
-                                <p:cTn id="5" presetID="31" presetClass="entr" presetSubtype="0" fill="hold" nodeType="clickEffect">
-                                  <p:stCondLst>
-                                    <p:cond delay="0"/>
-                                  </p:stCondLst>
-                                  <p:childTnLst>
-                                    <p:set>
-                                      <p:cBhvr>
-                                        <p:cTn id="6" dur="1" fill="hold">
-                                          <p:stCondLst>
-                                            <p:cond delay="0"/>
-                                          </p:stCondLst>
-                                        </p:cTn>
-                                        <p:tgtEl>
-                                          <p:spTgt spid="130"/>
-                                        </p:tgtEl>
-                                        <p:attrNameLst>
-                                          <p:attrName>style.visibility</p:attrName>
-                                        </p:attrNameLst>
-                                      </p:cBhvr>
-                                      <p:to>
-                                        <p:strVal val="visible"/>
-                                      </p:to>
-                                    </p:set>
-                                    <p:anim calcmode="lin" valueType="num">
-                                      <p:cBhvr>
-                                        <p:cTn id="7" dur="500" fill="hold"/>
-                                        <p:tgtEl>
-                                          <p:spTgt spid="130"/>
-                                        </p:tgtEl>
-                                        <p:attrNameLst>
-                                          <p:attrName>ppt_w</p:attrName>
-                                        </p:attrNameLst>
-                                      </p:cBhvr>
-                                      <p:tavLst>
-                                        <p:tav tm="0">
-                                          <p:val>
-                                            <p:fltVal val="0"/>
-                                          </p:val>
-                                        </p:tav>
-                                        <p:tav tm="100000">
-                                          <p:val>
-                                            <p:strVal val="#ppt_w"/>
-                                          </p:val>
-                                        </p:tav>
-                                      </p:tavLst>
-                                    </p:anim>
-                                    <p:anim calcmode="lin" valueType="num">
-                                      <p:cBhvr>
-                                        <p:cTn id="8" dur="500" fill="hold"/>
-                                        <p:tgtEl>
-                                          <p:spTgt spid="130"/>
-                                        </p:tgtEl>
-                                        <p:attrNameLst>
-                                          <p:attrName>ppt_h</p:attrName>
-                                        </p:attrNameLst>
-                                      </p:cBhvr>
-                                      <p:tavLst>
-                                        <p:tav tm="0">
-                                          <p:val>
-                                            <p:fltVal val="0"/>
-                                          </p:val>
-                                        </p:tav>
-                                        <p:tav tm="100000">
-                                          <p:val>
-                                            <p:strVal val="#ppt_h"/>
-                                          </p:val>
-                                        </p:tav>
-                                      </p:tavLst>
-                                    </p:anim>
-                                    <p:anim calcmode="lin" valueType="num">
-                                      <p:cBhvr>
-                                        <p:cTn id="9" dur="500" fill="hold"/>
-                                        <p:tgtEl>
-                                          <p:spTgt spid="130"/>
-                                        </p:tgtEl>
-                                        <p:attrNameLst>
-                                          <p:attrName>style.rotation</p:attrName>
-                                        </p:attrNameLst>
-                                      </p:cBhvr>
-                                      <p:tavLst>
-                                        <p:tav tm="0">
-                                          <p:val>
-                                            <p:fltVal val="90"/>
-                                          </p:val>
-                                        </p:tav>
-                                        <p:tav tm="100000">
-                                          <p:val>
-                                            <p:fltVal val="0"/>
-                                          </p:val>
-                                        </p:tav>
-                                      </p:tavLst>
-                                    </p:anim>
-                                    <p:animEffect transition="in" filter="fade">
-                                      <p:cBhvr>
-                                        <p:cTn id="10" dur="500"/>
-                                        <p:tgtEl>
-                                          <p:spTgt spid="130"/>
-                                        </p:tgtEl>
-                                      </p:cBhvr>
-                                    </p:animEffect>
-                                  </p:childTnLst>
-                                </p:cTn>
-                              </p:par>
-                            </p:childTnLst>
-                          </p:cTn>
-                        </p:par>
-                      </p:childTnLst>
-                    </p:cTn>
-                  </p:par>
-                  <p:par>
-                    <p:cTn id="11" fill="hold">
-                      <p:stCondLst>
-                        <p:cond delay="indefinite"/>
-                      </p:stCondLst>
-                      <p:childTnLst>
-                        <p:par>
-                          <p:cTn id="12" fill="hold">
-                            <p:stCondLst>
-                              <p:cond delay="0"/>
-                            </p:stCondLst>
-                            <p:childTnLst>
-                              <p:par>
-                                <p:cTn id="13" presetID="31" presetClass="entr" presetSubtype="0" fill="hold" nodeType="clickEffect">
-                                  <p:stCondLst>
-                                    <p:cond delay="0"/>
-                                  </p:stCondLst>
-                                  <p:childTnLst>
-                                    <p:set>
-                                      <p:cBhvr>
-                                        <p:cTn id="14" dur="1" fill="hold">
-                                          <p:stCondLst>
-                                            <p:cond delay="0"/>
-                                          </p:stCondLst>
-                                        </p:cTn>
-                                        <p:tgtEl>
-                                          <p:spTgt spid="150"/>
-                                        </p:tgtEl>
-                                        <p:attrNameLst>
-                                          <p:attrName>style.visibility</p:attrName>
-                                        </p:attrNameLst>
-                                      </p:cBhvr>
-                                      <p:to>
-                                        <p:strVal val="visible"/>
-                                      </p:to>
-                                    </p:set>
-                                    <p:anim calcmode="lin" valueType="num">
-                                      <p:cBhvr>
-                                        <p:cTn id="15" dur="500" fill="hold"/>
-                                        <p:tgtEl>
-                                          <p:spTgt spid="150"/>
-                                        </p:tgtEl>
-                                        <p:attrNameLst>
-                                          <p:attrName>ppt_w</p:attrName>
-                                        </p:attrNameLst>
-                                      </p:cBhvr>
-                                      <p:tavLst>
-                                        <p:tav tm="0">
-                                          <p:val>
-                                            <p:fltVal val="0"/>
-                                          </p:val>
-                                        </p:tav>
-                                        <p:tav tm="100000">
-                                          <p:val>
-                                            <p:strVal val="#ppt_w"/>
-                                          </p:val>
-                                        </p:tav>
-                                      </p:tavLst>
-                                    </p:anim>
-                                    <p:anim calcmode="lin" valueType="num">
-                                      <p:cBhvr>
-                                        <p:cTn id="16" dur="500" fill="hold"/>
-                                        <p:tgtEl>
-                                          <p:spTgt spid="150"/>
-                                        </p:tgtEl>
-                                        <p:attrNameLst>
-                                          <p:attrName>ppt_h</p:attrName>
-                                        </p:attrNameLst>
-                                      </p:cBhvr>
-                                      <p:tavLst>
-                                        <p:tav tm="0">
-                                          <p:val>
-                                            <p:fltVal val="0"/>
-                                          </p:val>
-                                        </p:tav>
-                                        <p:tav tm="100000">
-                                          <p:val>
-                                            <p:strVal val="#ppt_h"/>
-                                          </p:val>
-                                        </p:tav>
-                                      </p:tavLst>
-                                    </p:anim>
-                                    <p:anim calcmode="lin" valueType="num">
-                                      <p:cBhvr>
-                                        <p:cTn id="17" dur="500" fill="hold"/>
-                                        <p:tgtEl>
-                                          <p:spTgt spid="150"/>
-                                        </p:tgtEl>
-                                        <p:attrNameLst>
-                                          <p:attrName>style.rotation</p:attrName>
-                                        </p:attrNameLst>
-                                      </p:cBhvr>
-                                      <p:tavLst>
-                                        <p:tav tm="0">
-                                          <p:val>
-                                            <p:fltVal val="90"/>
-                                          </p:val>
-                                        </p:tav>
-                                        <p:tav tm="100000">
-                                          <p:val>
-                                            <p:fltVal val="0"/>
-                                          </p:val>
-                                        </p:tav>
-                                      </p:tavLst>
-                                    </p:anim>
-                                    <p:animEffect transition="in" filter="fade">
-                                      <p:cBhvr>
-                                        <p:cTn id="18" dur="500"/>
-                                        <p:tgtEl>
-                                          <p:spTgt spid="150"/>
-                                        </p:tgtEl>
-                                      </p:cBhvr>
-                                    </p:animEffect>
-                                  </p:childTnLst>
-                                </p:cTn>
-                              </p:par>
-                            </p:childTnLst>
-                          </p:cTn>
-                        </p:par>
-                      </p:childTnLst>
-                    </p:cTn>
-                  </p:par>
-                  <p:par>
-                    <p:cTn id="19" fill="hold">
-                      <p:stCondLst>
-                        <p:cond delay="indefinite"/>
-                      </p:stCondLst>
-                      <p:childTnLst>
-                        <p:par>
-                          <p:cTn id="20" fill="hold">
-                            <p:stCondLst>
-                              <p:cond delay="0"/>
-                            </p:stCondLst>
-                            <p:childTnLst>
-                              <p:par>
-                                <p:cTn id="21" presetID="31" presetClass="entr" presetSubtype="0" fill="hold" nodeType="clickEffect">
-                                  <p:stCondLst>
-                                    <p:cond delay="0"/>
-                                  </p:stCondLst>
-                                  <p:childTnLst>
-                                    <p:set>
-                                      <p:cBhvr>
-                                        <p:cTn id="22" dur="1" fill="hold">
-                                          <p:stCondLst>
-                                            <p:cond delay="0"/>
-                                          </p:stCondLst>
-                                        </p:cTn>
-                                        <p:tgtEl>
-                                          <p:spTgt spid="155"/>
-                                        </p:tgtEl>
-                                        <p:attrNameLst>
-                                          <p:attrName>style.visibility</p:attrName>
-                                        </p:attrNameLst>
-                                      </p:cBhvr>
-                                      <p:to>
-                                        <p:strVal val="visible"/>
-                                      </p:to>
-                                    </p:set>
-                                    <p:anim calcmode="lin" valueType="num">
-                                      <p:cBhvr>
-                                        <p:cTn id="23" dur="500" fill="hold"/>
-                                        <p:tgtEl>
-                                          <p:spTgt spid="155"/>
-                                        </p:tgtEl>
-                                        <p:attrNameLst>
-                                          <p:attrName>ppt_w</p:attrName>
-                                        </p:attrNameLst>
-                                      </p:cBhvr>
-                                      <p:tavLst>
-                                        <p:tav tm="0">
-                                          <p:val>
-                                            <p:fltVal val="0"/>
-                                          </p:val>
-                                        </p:tav>
-                                        <p:tav tm="100000">
-                                          <p:val>
-                                            <p:strVal val="#ppt_w"/>
-                                          </p:val>
-                                        </p:tav>
-                                      </p:tavLst>
-                                    </p:anim>
-                                    <p:anim calcmode="lin" valueType="num">
-                                      <p:cBhvr>
-                                        <p:cTn id="24" dur="500" fill="hold"/>
-                                        <p:tgtEl>
-                                          <p:spTgt spid="155"/>
-                                        </p:tgtEl>
-                                        <p:attrNameLst>
-                                          <p:attrName>ppt_h</p:attrName>
-                                        </p:attrNameLst>
-                                      </p:cBhvr>
-                                      <p:tavLst>
-                                        <p:tav tm="0">
-                                          <p:val>
-                                            <p:fltVal val="0"/>
-                                          </p:val>
-                                        </p:tav>
-                                        <p:tav tm="100000">
-                                          <p:val>
-                                            <p:strVal val="#ppt_h"/>
-                                          </p:val>
-                                        </p:tav>
-                                      </p:tavLst>
-                                    </p:anim>
-                                    <p:anim calcmode="lin" valueType="num">
-                                      <p:cBhvr>
-                                        <p:cTn id="25" dur="500" fill="hold"/>
-                                        <p:tgtEl>
-                                          <p:spTgt spid="155"/>
-                                        </p:tgtEl>
-                                        <p:attrNameLst>
-                                          <p:attrName>style.rotation</p:attrName>
-                                        </p:attrNameLst>
-                                      </p:cBhvr>
-                                      <p:tavLst>
-                                        <p:tav tm="0">
-                                          <p:val>
-                                            <p:fltVal val="90"/>
-                                          </p:val>
-                                        </p:tav>
-                                        <p:tav tm="100000">
-                                          <p:val>
-                                            <p:fltVal val="0"/>
-                                          </p:val>
-                                        </p:tav>
-                                      </p:tavLst>
-                                    </p:anim>
-                                    <p:animEffect transition="in" filter="fade">
-                                      <p:cBhvr>
-                                        <p:cTn id="26" dur="500"/>
-                                        <p:tgtEl>
-                                          <p:spTgt spid="155"/>
-                                        </p:tgtEl>
-                                      </p:cBhvr>
-                                    </p:animEffect>
-                                  </p:childTnLst>
-                                </p:cTn>
-                              </p:par>
-                            </p:childTnLst>
-                          </p:cTn>
-                        </p:par>
-                      </p:childTnLst>
-                    </p:cTn>
-                  </p:par>
-                  <p:par>
-                    <p:cTn id="27" fill="hold">
-                      <p:stCondLst>
-                        <p:cond delay="indefinite"/>
-                      </p:stCondLst>
-                      <p:childTnLst>
-                        <p:par>
-                          <p:cTn id="28" fill="hold">
-                            <p:stCondLst>
-                              <p:cond delay="0"/>
-                            </p:stCondLst>
-                            <p:childTnLst>
-                              <p:par>
-                                <p:cTn id="29" presetID="31" presetClass="entr" presetSubtype="0" fill="hold" nodeType="clickEffect">
-                                  <p:stCondLst>
-                                    <p:cond delay="0"/>
-                                  </p:stCondLst>
-                                  <p:childTnLst>
-                                    <p:set>
-                                      <p:cBhvr>
-                                        <p:cTn id="30" dur="1" fill="hold">
-                                          <p:stCondLst>
-                                            <p:cond delay="0"/>
-                                          </p:stCondLst>
-                                        </p:cTn>
-                                        <p:tgtEl>
-                                          <p:spTgt spid="160"/>
-                                        </p:tgtEl>
-                                        <p:attrNameLst>
-                                          <p:attrName>style.visibility</p:attrName>
-                                        </p:attrNameLst>
-                                      </p:cBhvr>
-                                      <p:to>
-                                        <p:strVal val="visible"/>
-                                      </p:to>
-                                    </p:set>
-                                    <p:anim calcmode="lin" valueType="num">
-                                      <p:cBhvr>
-                                        <p:cTn id="31" dur="500" fill="hold"/>
-                                        <p:tgtEl>
-                                          <p:spTgt spid="160"/>
-                                        </p:tgtEl>
-                                        <p:attrNameLst>
-                                          <p:attrName>ppt_w</p:attrName>
-                                        </p:attrNameLst>
-                                      </p:cBhvr>
-                                      <p:tavLst>
-                                        <p:tav tm="0">
-                                          <p:val>
-                                            <p:fltVal val="0"/>
-                                          </p:val>
-                                        </p:tav>
-                                        <p:tav tm="100000">
-                                          <p:val>
-                                            <p:strVal val="#ppt_w"/>
-                                          </p:val>
-                                        </p:tav>
-                                      </p:tavLst>
-                                    </p:anim>
-                                    <p:anim calcmode="lin" valueType="num">
-                                      <p:cBhvr>
-                                        <p:cTn id="32" dur="500" fill="hold"/>
-                                        <p:tgtEl>
-                                          <p:spTgt spid="160"/>
-                                        </p:tgtEl>
-                                        <p:attrNameLst>
-                                          <p:attrName>ppt_h</p:attrName>
-                                        </p:attrNameLst>
-                                      </p:cBhvr>
-                                      <p:tavLst>
-                                        <p:tav tm="0">
-                                          <p:val>
-                                            <p:fltVal val="0"/>
-                                          </p:val>
-                                        </p:tav>
-                                        <p:tav tm="100000">
-                                          <p:val>
-                                            <p:strVal val="#ppt_h"/>
-                                          </p:val>
-                                        </p:tav>
-                                      </p:tavLst>
-                                    </p:anim>
-                                    <p:anim calcmode="lin" valueType="num">
-                                      <p:cBhvr>
-                                        <p:cTn id="33" dur="500" fill="hold"/>
-                                        <p:tgtEl>
-                                          <p:spTgt spid="160"/>
-                                        </p:tgtEl>
-                                        <p:attrNameLst>
-                                          <p:attrName>style.rotation</p:attrName>
-                                        </p:attrNameLst>
-                                      </p:cBhvr>
-                                      <p:tavLst>
-                                        <p:tav tm="0">
-                                          <p:val>
-                                            <p:fltVal val="90"/>
-                                          </p:val>
-                                        </p:tav>
-                                        <p:tav tm="100000">
-                                          <p:val>
-                                            <p:fltVal val="0"/>
-                                          </p:val>
-                                        </p:tav>
-                                      </p:tavLst>
-                                    </p:anim>
-                                    <p:animEffect transition="in" filter="fade">
-                                      <p:cBhvr>
-                                        <p:cTn id="34" dur="500"/>
-                                        <p:tgtEl>
-                                          <p:spTgt spid="160"/>
-                                        </p:tgtEl>
-                                      </p:cBhvr>
-                                    </p:animEffect>
-                                  </p:childTnLst>
-                                </p:cTn>
-                              </p:par>
-                            </p:childTnLst>
-                          </p:cTn>
-                        </p:par>
-                      </p:childTnLst>
-                    </p:cTn>
-                  </p:par>
-                  <p:par>
-                    <p:cTn id="35" fill="hold">
-                      <p:stCondLst>
-                        <p:cond delay="indefinite"/>
-                      </p:stCondLst>
-                      <p:childTnLst>
-                        <p:par>
-                          <p:cTn id="36" fill="hold">
-                            <p:stCondLst>
-                              <p:cond delay="0"/>
-                            </p:stCondLst>
-                            <p:childTnLst>
-                              <p:par>
-                                <p:cTn id="37" presetID="31" presetClass="entr" presetSubtype="0" fill="hold" nodeType="clickEffect">
-                                  <p:stCondLst>
-                                    <p:cond delay="0"/>
-                                  </p:stCondLst>
-                                  <p:childTnLst>
-                                    <p:set>
-                                      <p:cBhvr>
-                                        <p:cTn id="38" dur="1" fill="hold">
-                                          <p:stCondLst>
-                                            <p:cond delay="0"/>
-                                          </p:stCondLst>
-                                        </p:cTn>
-                                        <p:tgtEl>
-                                          <p:spTgt spid="165"/>
-                                        </p:tgtEl>
-                                        <p:attrNameLst>
-                                          <p:attrName>style.visibility</p:attrName>
-                                        </p:attrNameLst>
-                                      </p:cBhvr>
-                                      <p:to>
-                                        <p:strVal val="visible"/>
-                                      </p:to>
-                                    </p:set>
-                                    <p:anim calcmode="lin" valueType="num">
-                                      <p:cBhvr>
-                                        <p:cTn id="39" dur="500" fill="hold"/>
-                                        <p:tgtEl>
-                                          <p:spTgt spid="165"/>
-                                        </p:tgtEl>
-                                        <p:attrNameLst>
-                                          <p:attrName>ppt_w</p:attrName>
-                                        </p:attrNameLst>
-                                      </p:cBhvr>
-                                      <p:tavLst>
-                                        <p:tav tm="0">
-                                          <p:val>
-                                            <p:fltVal val="0"/>
-                                          </p:val>
-                                        </p:tav>
-                                        <p:tav tm="100000">
-                                          <p:val>
-                                            <p:strVal val="#ppt_w"/>
-                                          </p:val>
-                                        </p:tav>
-                                      </p:tavLst>
-                                    </p:anim>
-                                    <p:anim calcmode="lin" valueType="num">
-                                      <p:cBhvr>
-                                        <p:cTn id="40" dur="500" fill="hold"/>
-                                        <p:tgtEl>
-                                          <p:spTgt spid="165"/>
-                                        </p:tgtEl>
-                                        <p:attrNameLst>
-                                          <p:attrName>ppt_h</p:attrName>
-                                        </p:attrNameLst>
-                                      </p:cBhvr>
-                                      <p:tavLst>
-                                        <p:tav tm="0">
-                                          <p:val>
-                                            <p:fltVal val="0"/>
-                                          </p:val>
-                                        </p:tav>
-                                        <p:tav tm="100000">
-                                          <p:val>
-                                            <p:strVal val="#ppt_h"/>
-                                          </p:val>
-                                        </p:tav>
-                                      </p:tavLst>
-                                    </p:anim>
-                                    <p:anim calcmode="lin" valueType="num">
-                                      <p:cBhvr>
-                                        <p:cTn id="41" dur="500" fill="hold"/>
-                                        <p:tgtEl>
-                                          <p:spTgt spid="165"/>
-                                        </p:tgtEl>
-                                        <p:attrNameLst>
-                                          <p:attrName>style.rotation</p:attrName>
-                                        </p:attrNameLst>
-                                      </p:cBhvr>
-                                      <p:tavLst>
-                                        <p:tav tm="0">
-                                          <p:val>
-                                            <p:fltVal val="90"/>
-                                          </p:val>
-                                        </p:tav>
-                                        <p:tav tm="100000">
-                                          <p:val>
-                                            <p:fltVal val="0"/>
-                                          </p:val>
-                                        </p:tav>
-                                      </p:tavLst>
-                                    </p:anim>
-                                    <p:animEffect transition="in" filter="fade">
-                                      <p:cBhvr>
-                                        <p:cTn id="42" dur="500"/>
-                                        <p:tgtEl>
-                                          <p:spTgt spid="165"/>
-                                        </p:tgtEl>
-                                      </p:cBhvr>
-                                    </p:animEffect>
-                                  </p:childTnLst>
-                                </p:cTn>
-                              </p:par>
-                            </p:childTnLst>
-                          </p:cTn>
-                        </p:par>
-                      </p:childTnLst>
-                    </p:cTn>
-                  </p:par>
-                </p:childTnLst>
-              </p:cTn>
-              <p:prevCondLst>
-                <p:cond evt="onPrev" delay="0">
-                  <p:tgtEl>
-                    <p:sldTgt/>
-                  </p:tgtEl>
-                </p:cond>
-              </p:prevCondLst>
-              <p:nextCondLst>
-                <p:cond evt="onNext" delay="0">
-                  <p:tgtEl>
-                    <p:sldTgt/>
-                  </p:tgtEl>
-                </p:cond>
-              </p:nextCondLst>
-            </p:seq>
-          </p:childTnLst>
-        </p:cTn>
-      </p:par>
-    </p:tnLst>
-  </p:timing>
 </p:sld>
 </file>
 
-<file path=ppt/slides/slide4.xml><?xml version="1.0" encoding="utf-8"?>
+<file path=ppt/slides/slide5.xml><?xml version="1.0" encoding="utf-8"?>
 <p:sld xmlns:a="http://schemas.openxmlformats.org/drawingml/2006/main" xmlns:r="http://schemas.openxmlformats.org/officeDocument/2006/relationships" xmlns:p="http://schemas.openxmlformats.org/presentationml/2006/main">
   <p:cSld>
     <p:spTree>
@@ -23567,7 +22838,7 @@
           <a:p>
             <a:fld id="{8C2E478F-E849-4A8C-AF1F-CBCC78A7CBFA}" type="slidenum">
               <a:rPr lang="en-US" smtClean="0"/>
-              <a:t>4</a:t>
+              <a:t>5</a:t>
             </a:fld>
             <a:endParaRPr lang="en-US" dirty="0"/>
           </a:p>
@@ -25119,7 +24390,7 @@
 </p:sld>
 </file>
 
-<file path=ppt/slides/slide5.xml><?xml version="1.0" encoding="utf-8"?>
+<file path=ppt/slides/slide6.xml><?xml version="1.0" encoding="utf-8"?>
 <p:sld xmlns:a="http://schemas.openxmlformats.org/drawingml/2006/main" xmlns:r="http://schemas.openxmlformats.org/officeDocument/2006/relationships" xmlns:p="http://schemas.openxmlformats.org/presentationml/2006/main">
   <p:cSld>
     <p:spTree>
@@ -25158,7 +24429,7 @@
           <a:p>
             <a:fld id="{8C2E478F-E849-4A8C-AF1F-CBCC78A7CBFA}" type="slidenum">
               <a:rPr lang="en-US" smtClean="0"/>
-              <a:t>5</a:t>
+              <a:t>6</a:t>
             </a:fld>
             <a:endParaRPr lang="en-US" dirty="0"/>
           </a:p>
@@ -27243,7 +26514,7 @@
 </p:sld>
 </file>
 
-<file path=ppt/slides/slide6.xml><?xml version="1.0" encoding="utf-8"?>
+<file path=ppt/slides/slide7.xml><?xml version="1.0" encoding="utf-8"?>
 <p:sld xmlns:a="http://schemas.openxmlformats.org/drawingml/2006/main" xmlns:r="http://schemas.openxmlformats.org/officeDocument/2006/relationships" xmlns:p="http://schemas.openxmlformats.org/presentationml/2006/main">
   <p:cSld>
     <p:spTree>
@@ -27277,7 +26548,7 @@
           <a:p>
             <a:fld id="{8C2E478F-E849-4A8C-AF1F-CBCC78A7CBFA}" type="slidenum">
               <a:rPr lang="en-US" smtClean="0"/>
-              <a:t>6</a:t>
+              <a:t>7</a:t>
             </a:fld>
             <a:endParaRPr lang="en-US" dirty="0"/>
           </a:p>
@@ -27708,7 +26979,7 @@
 </p:sld>
 </file>
 
-<file path=ppt/slides/slide7.xml><?xml version="1.0" encoding="utf-8"?>
+<file path=ppt/slides/slide8.xml><?xml version="1.0" encoding="utf-8"?>
 <p:sld xmlns:a="http://schemas.openxmlformats.org/drawingml/2006/main" xmlns:r="http://schemas.openxmlformats.org/officeDocument/2006/relationships" xmlns:p="http://schemas.openxmlformats.org/presentationml/2006/main">
   <p:cSld>
     <p:spTree>
@@ -27742,7 +27013,7 @@
           <a:p>
             <a:fld id="{8C2E478F-E849-4A8C-AF1F-CBCC78A7CBFA}" type="slidenum">
               <a:rPr lang="en-US" smtClean="0"/>
-              <a:t>7</a:t>
+              <a:t>8</a:t>
             </a:fld>
             <a:endParaRPr lang="en-US" dirty="0"/>
           </a:p>
@@ -28129,7 +27400,7 @@
 </p:sld>
 </file>
 
-<file path=ppt/slides/slide8.xml><?xml version="1.0" encoding="utf-8"?>
+<file path=ppt/slides/slide9.xml><?xml version="1.0" encoding="utf-8"?>
 <p:sld xmlns:a="http://schemas.openxmlformats.org/drawingml/2006/main" xmlns:r="http://schemas.openxmlformats.org/officeDocument/2006/relationships" xmlns:p="http://schemas.openxmlformats.org/presentationml/2006/main">
   <p:cSld>
     <p:spTree>
@@ -28163,7 +27434,7 @@
           <a:p>
             <a:fld id="{8C2E478F-E849-4A8C-AF1F-CBCC78A7CBFA}" type="slidenum">
               <a:rPr lang="en-US" smtClean="0"/>
-              <a:t>8</a:t>
+              <a:t>9</a:t>
             </a:fld>
             <a:endParaRPr lang="en-US" dirty="0"/>
           </a:p>
@@ -28624,447 +27895,6 @@
     <p:extLst>
       <p:ext uri="{BB962C8B-B14F-4D97-AF65-F5344CB8AC3E}">
         <p14:creationId xmlns:p14="http://schemas.microsoft.com/office/powerpoint/2010/main" val="61154669"/>
-      </p:ext>
-    </p:extLst>
-  </p:cSld>
-  <p:clrMapOvr>
-    <a:masterClrMapping/>
-  </p:clrMapOvr>
-  <p:transition spd="slow">
-    <p:push dir="u"/>
-  </p:transition>
-  <p:timing>
-    <p:tnLst>
-      <p:par>
-        <p:cTn id="1" dur="indefinite" restart="never" nodeType="tmRoot"/>
-      </p:par>
-    </p:tnLst>
-  </p:timing>
-</p:sld>
-</file>
-
-<file path=ppt/slides/slide9.xml><?xml version="1.0" encoding="utf-8"?>
-<p:sld xmlns:a="http://schemas.openxmlformats.org/drawingml/2006/main" xmlns:r="http://schemas.openxmlformats.org/officeDocument/2006/relationships" xmlns:p="http://schemas.openxmlformats.org/presentationml/2006/main">
-  <p:cSld>
-    <p:spTree>
-      <p:nvGrpSpPr>
-        <p:cNvPr id="1" name=""/>
-        <p:cNvGrpSpPr/>
-        <p:nvPr/>
-      </p:nvGrpSpPr>
-      <p:grpSpPr>
-        <a:xfrm>
-          <a:off x="0" y="0"/>
-          <a:ext cx="0" cy="0"/>
-          <a:chOff x="0" y="0"/>
-          <a:chExt cx="0" cy="0"/>
-        </a:xfrm>
-      </p:grpSpPr>
-      <p:sp>
-        <p:nvSpPr>
-          <p:cNvPr id="3" name="TextBox 2">
-            <a:extLst>
-              <a:ext uri="{FF2B5EF4-FFF2-40B4-BE49-F238E27FC236}">
-                <a16:creationId xmlns:a16="http://schemas.microsoft.com/office/drawing/2014/main" id="{BE8AA9BD-5B28-4BB1-803B-54BB6E1B0DE1}"/>
-              </a:ext>
-            </a:extLst>
-          </p:cNvPr>
-          <p:cNvSpPr txBox="1"/>
-          <p:nvPr/>
-        </p:nvSpPr>
-        <p:spPr>
-          <a:xfrm>
-            <a:off x="2456543" y="131812"/>
-            <a:ext cx="7278915" cy="1323439"/>
-          </a:xfrm>
-          <a:prstGeom prst="rect">
-            <a:avLst/>
-          </a:prstGeom>
-          <a:noFill/>
-        </p:spPr>
-        <p:txBody>
-          <a:bodyPr wrap="square" rtlCol="0">
-            <a:spAutoFit/>
-          </a:bodyPr>
-          <a:lstStyle/>
-          <a:p>
-            <a:pPr lvl="1" algn="ctr"/>
-            <a:r>
-              <a:rPr lang="en-US" sz="4000" dirty="0" smtClean="0">
-                <a:solidFill>
-                  <a:schemeClr val="bg1">
-                    <a:lumMod val="65000"/>
-                  </a:schemeClr>
-                </a:solidFill>
-                <a:latin typeface="Arial" panose="020B0604020202020204" pitchFamily="34" charset="0"/>
-                <a:cs typeface="Arial" panose="020B0604020202020204" pitchFamily="34" charset="0"/>
-              </a:rPr>
-              <a:t>Đổi tên phòng và tên công tắc</a:t>
-            </a:r>
-            <a:endParaRPr lang="en-US" sz="4000" dirty="0">
-              <a:solidFill>
-                <a:schemeClr val="bg1">
-                  <a:lumMod val="65000"/>
-                </a:schemeClr>
-              </a:solidFill>
-              <a:latin typeface="Arial" panose="020B0604020202020204" pitchFamily="34" charset="0"/>
-              <a:cs typeface="Arial" panose="020B0604020202020204" pitchFamily="34" charset="0"/>
-            </a:endParaRPr>
-          </a:p>
-        </p:txBody>
-      </p:sp>
-      <p:grpSp>
-        <p:nvGrpSpPr>
-          <p:cNvPr id="4" name="Group 3">
-            <a:extLst>
-              <a:ext uri="{FF2B5EF4-FFF2-40B4-BE49-F238E27FC236}">
-                <a16:creationId xmlns:a16="http://schemas.microsoft.com/office/drawing/2014/main" id="{7D884BCA-1978-49CC-8588-5399D7CABDE7}"/>
-              </a:ext>
-            </a:extLst>
-          </p:cNvPr>
-          <p:cNvGrpSpPr/>
-          <p:nvPr/>
-        </p:nvGrpSpPr>
-        <p:grpSpPr>
-          <a:xfrm>
-            <a:off x="5620056" y="1360001"/>
-            <a:ext cx="1434489" cy="190500"/>
-            <a:chOff x="4679586" y="878988"/>
-            <a:chExt cx="1434489" cy="190500"/>
-          </a:xfrm>
-        </p:grpSpPr>
-        <p:sp>
-          <p:nvSpPr>
-            <p:cNvPr id="5" name="Oval 4">
-              <a:extLst>
-                <a:ext uri="{FF2B5EF4-FFF2-40B4-BE49-F238E27FC236}">
-                  <a16:creationId xmlns:a16="http://schemas.microsoft.com/office/drawing/2014/main" id="{3701A590-ABA9-4BD2-BD64-376A4C227798}"/>
-                </a:ext>
-              </a:extLst>
-            </p:cNvPr>
-            <p:cNvSpPr/>
-            <p:nvPr/>
-          </p:nvSpPr>
-          <p:spPr>
-            <a:xfrm>
-              <a:off x="4679586" y="878988"/>
-              <a:ext cx="190500" cy="190500"/>
-            </a:xfrm>
-            <a:prstGeom prst="ellipse">
-              <a:avLst/>
-            </a:prstGeom>
-            <a:solidFill>
-              <a:srgbClr val="03A1A4"/>
-            </a:solidFill>
-            <a:ln>
-              <a:noFill/>
-            </a:ln>
-          </p:spPr>
-          <p:style>
-            <a:lnRef idx="2">
-              <a:schemeClr val="accent1">
-                <a:shade val="50000"/>
-              </a:schemeClr>
-            </a:lnRef>
-            <a:fillRef idx="1">
-              <a:schemeClr val="accent1"/>
-            </a:fillRef>
-            <a:effectRef idx="0">
-              <a:schemeClr val="accent1"/>
-            </a:effectRef>
-            <a:fontRef idx="minor">
-              <a:schemeClr val="lt1"/>
-            </a:fontRef>
-          </p:style>
-          <p:txBody>
-            <a:bodyPr rtlCol="0" anchor="ctr"/>
-            <a:lstStyle/>
-            <a:p>
-              <a:pPr algn="ctr"/>
-              <a:endParaRPr lang="en-US"/>
-            </a:p>
-          </p:txBody>
-        </p:sp>
-        <p:sp>
-          <p:nvSpPr>
-            <p:cNvPr id="6" name="Oval 5">
-              <a:extLst>
-                <a:ext uri="{FF2B5EF4-FFF2-40B4-BE49-F238E27FC236}">
-                  <a16:creationId xmlns:a16="http://schemas.microsoft.com/office/drawing/2014/main" id="{3E53B434-A2A6-4C16-99DD-292CE4FD62C4}"/>
-                </a:ext>
-              </a:extLst>
-            </p:cNvPr>
-            <p:cNvSpPr/>
-            <p:nvPr/>
-          </p:nvSpPr>
-          <p:spPr>
-            <a:xfrm>
-              <a:off x="4990736" y="878988"/>
-              <a:ext cx="190500" cy="190500"/>
-            </a:xfrm>
-            <a:prstGeom prst="ellipse">
-              <a:avLst/>
-            </a:prstGeom>
-            <a:solidFill>
-              <a:srgbClr val="EE9524"/>
-            </a:solidFill>
-            <a:ln>
-              <a:noFill/>
-            </a:ln>
-          </p:spPr>
-          <p:style>
-            <a:lnRef idx="2">
-              <a:schemeClr val="accent1">
-                <a:shade val="50000"/>
-              </a:schemeClr>
-            </a:lnRef>
-            <a:fillRef idx="1">
-              <a:schemeClr val="accent1"/>
-            </a:fillRef>
-            <a:effectRef idx="0">
-              <a:schemeClr val="accent1"/>
-            </a:effectRef>
-            <a:fontRef idx="minor">
-              <a:schemeClr val="lt1"/>
-            </a:fontRef>
-          </p:style>
-          <p:txBody>
-            <a:bodyPr rtlCol="0" anchor="ctr"/>
-            <a:lstStyle/>
-            <a:p>
-              <a:pPr algn="ctr"/>
-              <a:endParaRPr lang="en-US"/>
-            </a:p>
-          </p:txBody>
-        </p:sp>
-        <p:sp>
-          <p:nvSpPr>
-            <p:cNvPr id="7" name="Oval 6">
-              <a:extLst>
-                <a:ext uri="{FF2B5EF4-FFF2-40B4-BE49-F238E27FC236}">
-                  <a16:creationId xmlns:a16="http://schemas.microsoft.com/office/drawing/2014/main" id="{F3E5BC96-17A2-4BD5-BA51-10270687E851}"/>
-                </a:ext>
-              </a:extLst>
-            </p:cNvPr>
-            <p:cNvSpPr/>
-            <p:nvPr/>
-          </p:nvSpPr>
-          <p:spPr>
-            <a:xfrm>
-              <a:off x="5301522" y="878988"/>
-              <a:ext cx="190500" cy="190500"/>
-            </a:xfrm>
-            <a:prstGeom prst="ellipse">
-              <a:avLst/>
-            </a:prstGeom>
-            <a:solidFill>
-              <a:srgbClr val="EF3078"/>
-            </a:solidFill>
-            <a:ln>
-              <a:noFill/>
-            </a:ln>
-          </p:spPr>
-          <p:style>
-            <a:lnRef idx="2">
-              <a:schemeClr val="accent1">
-                <a:shade val="50000"/>
-              </a:schemeClr>
-            </a:lnRef>
-            <a:fillRef idx="1">
-              <a:schemeClr val="accent1"/>
-            </a:fillRef>
-            <a:effectRef idx="0">
-              <a:schemeClr val="accent1"/>
-            </a:effectRef>
-            <a:fontRef idx="minor">
-              <a:schemeClr val="lt1"/>
-            </a:fontRef>
-          </p:style>
-          <p:txBody>
-            <a:bodyPr rtlCol="0" anchor="ctr"/>
-            <a:lstStyle/>
-            <a:p>
-              <a:pPr algn="ctr"/>
-              <a:endParaRPr lang="en-US"/>
-            </a:p>
-          </p:txBody>
-        </p:sp>
-        <p:sp>
-          <p:nvSpPr>
-            <p:cNvPr id="8" name="Oval 7">
-              <a:extLst>
-                <a:ext uri="{FF2B5EF4-FFF2-40B4-BE49-F238E27FC236}">
-                  <a16:creationId xmlns:a16="http://schemas.microsoft.com/office/drawing/2014/main" id="{1A06ACCC-548D-4873-BD3B-AD3CA2C095B0}"/>
-                </a:ext>
-              </a:extLst>
-            </p:cNvPr>
-            <p:cNvSpPr/>
-            <p:nvPr/>
-          </p:nvSpPr>
-          <p:spPr>
-            <a:xfrm>
-              <a:off x="5612308" y="878988"/>
-              <a:ext cx="190500" cy="190500"/>
-            </a:xfrm>
-            <a:prstGeom prst="ellipse">
-              <a:avLst/>
-            </a:prstGeom>
-            <a:solidFill>
-              <a:srgbClr val="1C7CBB"/>
-            </a:solidFill>
-            <a:ln>
-              <a:noFill/>
-            </a:ln>
-          </p:spPr>
-          <p:style>
-            <a:lnRef idx="2">
-              <a:schemeClr val="accent1">
-                <a:shade val="50000"/>
-              </a:schemeClr>
-            </a:lnRef>
-            <a:fillRef idx="1">
-              <a:schemeClr val="accent1"/>
-            </a:fillRef>
-            <a:effectRef idx="0">
-              <a:schemeClr val="accent1"/>
-            </a:effectRef>
-            <a:fontRef idx="minor">
-              <a:schemeClr val="lt1"/>
-            </a:fontRef>
-          </p:style>
-          <p:txBody>
-            <a:bodyPr rtlCol="0" anchor="ctr"/>
-            <a:lstStyle/>
-            <a:p>
-              <a:pPr algn="ctr"/>
-              <a:endParaRPr lang="en-US"/>
-            </a:p>
-          </p:txBody>
-        </p:sp>
-        <p:sp>
-          <p:nvSpPr>
-            <p:cNvPr id="9" name="Oval 8">
-              <a:extLst>
-                <a:ext uri="{FF2B5EF4-FFF2-40B4-BE49-F238E27FC236}">
-                  <a16:creationId xmlns:a16="http://schemas.microsoft.com/office/drawing/2014/main" id="{7CBDE4C1-DAF9-476F-B807-27BE954F6C82}"/>
-                </a:ext>
-              </a:extLst>
-            </p:cNvPr>
-            <p:cNvSpPr/>
-            <p:nvPr/>
-          </p:nvSpPr>
-          <p:spPr>
-            <a:xfrm>
-              <a:off x="5923575" y="878988"/>
-              <a:ext cx="190500" cy="190500"/>
-            </a:xfrm>
-            <a:prstGeom prst="ellipse">
-              <a:avLst/>
-            </a:prstGeom>
-            <a:solidFill>
-              <a:schemeClr val="accent6">
-                <a:lumMod val="50000"/>
-              </a:schemeClr>
-            </a:solidFill>
-            <a:ln>
-              <a:noFill/>
-            </a:ln>
-          </p:spPr>
-          <p:style>
-            <a:lnRef idx="2">
-              <a:schemeClr val="accent1">
-                <a:shade val="50000"/>
-              </a:schemeClr>
-            </a:lnRef>
-            <a:fillRef idx="1">
-              <a:schemeClr val="accent1"/>
-            </a:fillRef>
-            <a:effectRef idx="0">
-              <a:schemeClr val="accent1"/>
-            </a:effectRef>
-            <a:fontRef idx="minor">
-              <a:schemeClr val="lt1"/>
-            </a:fontRef>
-          </p:style>
-          <p:txBody>
-            <a:bodyPr rtlCol="0" anchor="ctr"/>
-            <a:lstStyle/>
-            <a:p>
-              <a:pPr algn="ctr"/>
-              <a:endParaRPr lang="en-US"/>
-            </a:p>
-          </p:txBody>
-        </p:sp>
-      </p:grpSp>
-      <p:pic>
-        <p:nvPicPr>
-          <p:cNvPr id="2" name="Picture 1"/>
-          <p:cNvPicPr>
-            <a:picLocks noChangeAspect="1"/>
-          </p:cNvPicPr>
-          <p:nvPr/>
-        </p:nvPicPr>
-        <p:blipFill>
-          <a:blip r:embed="rId3"/>
-          <a:stretch>
-            <a:fillRect/>
-          </a:stretch>
-        </p:blipFill>
-        <p:spPr>
-          <a:xfrm>
-            <a:off x="128500" y="1931501"/>
-            <a:ext cx="7682125" cy="4812199"/>
-          </a:xfrm>
-          <a:prstGeom prst="rect">
-            <a:avLst/>
-          </a:prstGeom>
-        </p:spPr>
-      </p:pic>
-      <p:sp>
-        <p:nvSpPr>
-          <p:cNvPr id="10" name="TextBox 9"/>
-          <p:cNvSpPr txBox="1"/>
-          <p:nvPr/>
-        </p:nvSpPr>
-        <p:spPr>
-          <a:xfrm>
-            <a:off x="7912100" y="1931501"/>
-            <a:ext cx="3937000" cy="1818703"/>
-          </a:xfrm>
-          <a:prstGeom prst="rect">
-            <a:avLst/>
-          </a:prstGeom>
-          <a:noFill/>
-        </p:spPr>
-        <p:txBody>
-          <a:bodyPr wrap="square" rtlCol="0">
-            <a:spAutoFit/>
-          </a:bodyPr>
-          <a:lstStyle/>
-          <a:p>
-            <a:pPr algn="just">
-              <a:lnSpc>
-                <a:spcPct val="150000"/>
-              </a:lnSpc>
-            </a:pPr>
-            <a:r>
-              <a:rPr lang="en-US" sz="2600" dirty="0" smtClean="0">
-                <a:latin typeface="Arial" panose="020B0604020202020204" pitchFamily="34" charset="0"/>
-                <a:cs typeface="Arial" panose="020B0604020202020204" pitchFamily="34" charset="0"/>
-              </a:rPr>
-              <a:t>Giúp người dùng biết là mình gắn thiết bị với thiết bị điện nào</a:t>
-            </a:r>
-            <a:endParaRPr lang="en-US" sz="2600" dirty="0">
-              <a:latin typeface="Arial" panose="020B0604020202020204" pitchFamily="34" charset="0"/>
-              <a:cs typeface="Arial" panose="020B0604020202020204" pitchFamily="34" charset="0"/>
-            </a:endParaRPr>
-          </a:p>
-        </p:txBody>
-      </p:sp>
-    </p:spTree>
-    <p:extLst>
-      <p:ext uri="{BB962C8B-B14F-4D97-AF65-F5344CB8AC3E}">
-        <p14:creationId xmlns:p14="http://schemas.microsoft.com/office/powerpoint/2010/main" val="2840305218"/>
       </p:ext>
     </p:extLst>
   </p:cSld>
@@ -29970,6 +28800,14 @@
 </file>
 
 <file path=customXml/item1.xml><?xml version="1.0" encoding="utf-8"?>
+<p:properties xmlns:p="http://schemas.microsoft.com/office/2006/metadata/properties" xmlns:xsi="http://www.w3.org/2001/XMLSchema-instance" xmlns:pc="http://schemas.microsoft.com/office/infopath/2007/PartnerControls">
+  <documentManagement>
+    <MediaServiceKeyPoints xmlns="71af3243-3dd4-4a8d-8c0d-dd76da1f02a5" xsi:nil="true"/>
+  </documentManagement>
+</p:properties>
+</file>
+
+<file path=customXml/item2.xml><?xml version="1.0" encoding="utf-8"?>
 <ct:contentTypeSchema xmlns:ct="http://schemas.microsoft.com/office/2006/metadata/contentType" xmlns:ma="http://schemas.microsoft.com/office/2006/metadata/properties/metaAttributes" ct:_="" ma:_="" ma:contentTypeName="Document" ma:contentTypeID="0x01010079F111ED35F8CC479449609E8A0923A6" ma:contentTypeVersion="11" ma:contentTypeDescription="Create a new document." ma:contentTypeScope="" ma:versionID="96291512c1ee715ab617f4c07df79fc1">
   <xsd:schema xmlns:xsd="http://www.w3.org/2001/XMLSchema" xmlns:xs="http://www.w3.org/2001/XMLSchema" xmlns:p="http://schemas.microsoft.com/office/2006/metadata/properties" xmlns:ns2="71af3243-3dd4-4a8d-8c0d-dd76da1f02a5" xmlns:ns3="16c05727-aa75-4e4a-9b5f-8a80a1165891" targetNamespace="http://schemas.microsoft.com/office/2006/metadata/properties" ma:root="true" ma:fieldsID="8256c27c40ca5c40ce1cf6c44f0205df" ns2:_="" ns3:_="">
     <xsd:import namespace="71af3243-3dd4-4a8d-8c0d-dd76da1f02a5"/>
@@ -30180,14 +29018,6 @@
 </ct:contentTypeSchema>
 </file>
 
-<file path=customXml/item2.xml><?xml version="1.0" encoding="utf-8"?>
-<p:properties xmlns:p="http://schemas.microsoft.com/office/2006/metadata/properties" xmlns:xsi="http://www.w3.org/2001/XMLSchema-instance" xmlns:pc="http://schemas.microsoft.com/office/infopath/2007/PartnerControls">
-  <documentManagement>
-    <MediaServiceKeyPoints xmlns="71af3243-3dd4-4a8d-8c0d-dd76da1f02a5" xsi:nil="true"/>
-  </documentManagement>
-</p:properties>
-</file>
-
 <file path=customXml/item3.xml><?xml version="1.0" encoding="utf-8"?>
 <?mso-contentType ?>
 <FormTemplates xmlns="http://schemas.microsoft.com/sharepoint/v3/contenttype/forms">
@@ -30198,6 +29028,23 @@
 </file>
 
 <file path=customXml/itemProps1.xml><?xml version="1.0" encoding="utf-8"?>
+<ds:datastoreItem xmlns:ds="http://schemas.openxmlformats.org/officeDocument/2006/customXml" ds:itemID="{22E71848-B78E-4D58-BFA5-D2D5918911CD}">
+  <ds:schemaRefs>
+    <ds:schemaRef ds:uri="http://purl.org/dc/elements/1.1/"/>
+    <ds:schemaRef ds:uri="16c05727-aa75-4e4a-9b5f-8a80a1165891"/>
+    <ds:schemaRef ds:uri="http://schemas.microsoft.com/office/2006/documentManagement/types"/>
+    <ds:schemaRef ds:uri="http://purl.org/dc/terms/"/>
+    <ds:schemaRef ds:uri="http://www.w3.org/XML/1998/namespace"/>
+    <ds:schemaRef ds:uri="http://schemas.microsoft.com/office/infopath/2007/PartnerControls"/>
+    <ds:schemaRef ds:uri="71af3243-3dd4-4a8d-8c0d-dd76da1f02a5"/>
+    <ds:schemaRef ds:uri="http://schemas.openxmlformats.org/package/2006/metadata/core-properties"/>
+    <ds:schemaRef ds:uri="http://schemas.microsoft.com/office/2006/metadata/properties"/>
+    <ds:schemaRef ds:uri="http://purl.org/dc/dcmitype/"/>
+  </ds:schemaRefs>
+</ds:datastoreItem>
+</file>
+
+<file path=customXml/itemProps2.xml><?xml version="1.0" encoding="utf-8"?>
 <ds:datastoreItem xmlns:ds="http://schemas.openxmlformats.org/officeDocument/2006/customXml" ds:itemID="{80B16AC2-D7DD-48B6-919A-4ADE887D756B}">
   <ds:schemaRefs>
     <ds:schemaRef ds:uri="http://schemas.microsoft.com/office/2006/metadata/contentType"/>
@@ -30216,23 +29063,6 @@
 </ds:datastoreItem>
 </file>
 
-<file path=customXml/itemProps2.xml><?xml version="1.0" encoding="utf-8"?>
-<ds:datastoreItem xmlns:ds="http://schemas.openxmlformats.org/officeDocument/2006/customXml" ds:itemID="{22E71848-B78E-4D58-BFA5-D2D5918911CD}">
-  <ds:schemaRefs>
-    <ds:schemaRef ds:uri="http://purl.org/dc/elements/1.1/"/>
-    <ds:schemaRef ds:uri="16c05727-aa75-4e4a-9b5f-8a80a1165891"/>
-    <ds:schemaRef ds:uri="http://schemas.microsoft.com/office/2006/documentManagement/types"/>
-    <ds:schemaRef ds:uri="http://purl.org/dc/terms/"/>
-    <ds:schemaRef ds:uri="http://www.w3.org/XML/1998/namespace"/>
-    <ds:schemaRef ds:uri="http://schemas.microsoft.com/office/infopath/2007/PartnerControls"/>
-    <ds:schemaRef ds:uri="71af3243-3dd4-4a8d-8c0d-dd76da1f02a5"/>
-    <ds:schemaRef ds:uri="http://schemas.openxmlformats.org/package/2006/metadata/core-properties"/>
-    <ds:schemaRef ds:uri="http://schemas.microsoft.com/office/2006/metadata/properties"/>
-    <ds:schemaRef ds:uri="http://purl.org/dc/dcmitype/"/>
-  </ds:schemaRefs>
-</ds:datastoreItem>
-</file>
-
 <file path=customXml/itemProps3.xml><?xml version="1.0" encoding="utf-8"?>
 <ds:datastoreItem xmlns:ds="http://schemas.openxmlformats.org/officeDocument/2006/customXml" ds:itemID="{89B3E157-1CAC-4231-A2EC-E93952D57E42}">
   <ds:schemaRefs>
